--- a/If We Ran a Bike Sharing Company.pptx
+++ b/If We Ran a Bike Sharing Company.pptx
@@ -5,7 +5,7 @@
     <p:sldMasterId id="2147483648" r:id="rId1"/>
   </p:sldMasterIdLst>
   <p:notesMasterIdLst>
-    <p:notesMasterId r:id="rId10"/>
+    <p:notesMasterId r:id="rId13"/>
   </p:notesMasterIdLst>
   <p:sldIdLst>
     <p:sldId id="256" r:id="rId2"/>
@@ -14,8 +14,11 @@
     <p:sldId id="259" r:id="rId5"/>
     <p:sldId id="262" r:id="rId6"/>
     <p:sldId id="263" r:id="rId7"/>
-    <p:sldId id="257" r:id="rId8"/>
-    <p:sldId id="260" r:id="rId9"/>
+    <p:sldId id="265" r:id="rId8"/>
+    <p:sldId id="266" r:id="rId9"/>
+    <p:sldId id="257" r:id="rId10"/>
+    <p:sldId id="264" r:id="rId11"/>
+    <p:sldId id="260" r:id="rId12"/>
   </p:sldIdLst>
   <p:sldSz cx="12192000" cy="6858000"/>
   <p:notesSz cx="6858000" cy="9144000"/>
@@ -542,7 +545,7 @@
           <a:p>
             <a:fld id="{2A26A812-FE51-474B-AFD0-254289DE170D}" type="slidenum">
               <a:rPr lang="en-US" smtClean="0"/>
-              <a:t>8</a:t>
+              <a:t>11</a:t>
             </a:fld>
             <a:endParaRPr lang="en-US"/>
           </a:p>
@@ -3928,6 +3931,310 @@
 </p:sld>
 </file>
 
+<file path=ppt/slides/slide10.xml><?xml version="1.0" encoding="utf-8"?>
+<p:sld xmlns:a="http://schemas.openxmlformats.org/drawingml/2006/main" xmlns:r="http://schemas.openxmlformats.org/officeDocument/2006/relationships" xmlns:p="http://schemas.openxmlformats.org/presentationml/2006/main">
+  <p:cSld>
+    <p:spTree>
+      <p:nvGrpSpPr>
+        <p:cNvPr id="1" name=""/>
+        <p:cNvGrpSpPr/>
+        <p:nvPr/>
+      </p:nvGrpSpPr>
+      <p:grpSpPr>
+        <a:xfrm>
+          <a:off x="0" y="0"/>
+          <a:ext cx="0" cy="0"/>
+          <a:chOff x="0" y="0"/>
+          <a:chExt cx="0" cy="0"/>
+        </a:xfrm>
+      </p:grpSpPr>
+      <p:sp>
+        <p:nvSpPr>
+          <p:cNvPr id="2" name="Title 1">
+            <a:extLst>
+              <a:ext uri="{FF2B5EF4-FFF2-40B4-BE49-F238E27FC236}">
+                <a16:creationId xmlns:a16="http://schemas.microsoft.com/office/drawing/2014/main" id="{2F13DADD-EA7B-4457-9CC8-75A0701EA8AA}"/>
+              </a:ext>
+            </a:extLst>
+          </p:cNvPr>
+          <p:cNvSpPr>
+            <a:spLocks noGrp="1"/>
+          </p:cNvSpPr>
+          <p:nvPr>
+            <p:ph type="title"/>
+          </p:nvPr>
+        </p:nvSpPr>
+        <p:spPr/>
+        <p:txBody>
+          <a:bodyPr/>
+          <a:lstStyle/>
+          <a:p>
+            <a:r>
+              <a:rPr lang="en-US" dirty="0"/>
+              <a:t>Further Questions we want to explore</a:t>
+            </a:r>
+          </a:p>
+        </p:txBody>
+      </p:sp>
+      <p:sp>
+        <p:nvSpPr>
+          <p:cNvPr id="3" name="Content Placeholder 2">
+            <a:extLst>
+              <a:ext uri="{FF2B5EF4-FFF2-40B4-BE49-F238E27FC236}">
+                <a16:creationId xmlns:a16="http://schemas.microsoft.com/office/drawing/2014/main" id="{73D87309-5568-4B8F-9BDC-613A97E23CD5}"/>
+              </a:ext>
+            </a:extLst>
+          </p:cNvPr>
+          <p:cNvSpPr>
+            <a:spLocks noGrp="1"/>
+          </p:cNvSpPr>
+          <p:nvPr>
+            <p:ph idx="1"/>
+          </p:nvPr>
+        </p:nvSpPr>
+        <p:spPr/>
+        <p:txBody>
+          <a:bodyPr/>
+          <a:lstStyle/>
+          <a:p>
+            <a:r>
+              <a:rPr lang="en-US" dirty="0"/>
+              <a:t>Do weather conditions affect ridership rates?</a:t>
+            </a:r>
+          </a:p>
+          <a:p>
+            <a:pPr lvl="1"/>
+            <a:r>
+              <a:rPr lang="en-US" dirty="0"/>
+              <a:t>In L.A., where weather is relatively steady, it is assumed this has no effect. When viewing weather vs. ridership in NYC, there was a steady </a:t>
+            </a:r>
+            <a:r>
+              <a:rPr lang="en-US" dirty="0" err="1"/>
+              <a:t>dropoff</a:t>
+            </a:r>
+            <a:r>
+              <a:rPr lang="en-US" dirty="0"/>
+              <a:t> noted during the winter months</a:t>
+            </a:r>
+          </a:p>
+          <a:p>
+            <a:r>
+              <a:rPr lang="en-US" dirty="0"/>
+              <a:t>How does the lack of bike-friendliness/safety for riders in the city affect ridership?</a:t>
+            </a:r>
+          </a:p>
+          <a:p>
+            <a:pPr lvl="1"/>
+            <a:r>
+              <a:rPr lang="en-US" dirty="0"/>
+              <a:t>This could be explored by comparing ridership numbers to ‘more bike safe’ cities</a:t>
+            </a:r>
+          </a:p>
+        </p:txBody>
+      </p:sp>
+    </p:spTree>
+    <p:extLst>
+      <p:ext uri="{BB962C8B-B14F-4D97-AF65-F5344CB8AC3E}">
+        <p14:creationId xmlns:p14="http://schemas.microsoft.com/office/powerpoint/2010/main" val="192108554"/>
+      </p:ext>
+    </p:extLst>
+  </p:cSld>
+  <p:clrMapOvr>
+    <a:masterClrMapping/>
+  </p:clrMapOvr>
+</p:sld>
+</file>
+
+<file path=ppt/slides/slide11.xml><?xml version="1.0" encoding="utf-8"?>
+<p:sld xmlns:a="http://schemas.openxmlformats.org/drawingml/2006/main" xmlns:r="http://schemas.openxmlformats.org/officeDocument/2006/relationships" xmlns:p="http://schemas.openxmlformats.org/presentationml/2006/main">
+  <p:cSld>
+    <p:spTree>
+      <p:nvGrpSpPr>
+        <p:cNvPr id="1" name=""/>
+        <p:cNvGrpSpPr/>
+        <p:nvPr/>
+      </p:nvGrpSpPr>
+      <p:grpSpPr>
+        <a:xfrm>
+          <a:off x="0" y="0"/>
+          <a:ext cx="0" cy="0"/>
+          <a:chOff x="0" y="0"/>
+          <a:chExt cx="0" cy="0"/>
+        </a:xfrm>
+      </p:grpSpPr>
+      <p:sp>
+        <p:nvSpPr>
+          <p:cNvPr id="5" name="Title 4">
+            <a:extLst>
+              <a:ext uri="{FF2B5EF4-FFF2-40B4-BE49-F238E27FC236}">
+                <a16:creationId xmlns:a16="http://schemas.microsoft.com/office/drawing/2014/main" id="{3964851C-101D-41C5-A7AD-9842C1D83AD1}"/>
+              </a:ext>
+            </a:extLst>
+          </p:cNvPr>
+          <p:cNvSpPr>
+            <a:spLocks noGrp="1"/>
+          </p:cNvSpPr>
+          <p:nvPr>
+            <p:ph type="title"/>
+          </p:nvPr>
+        </p:nvSpPr>
+        <p:spPr/>
+        <p:txBody>
+          <a:bodyPr>
+            <a:normAutofit fontScale="90000"/>
+          </a:bodyPr>
+          <a:lstStyle/>
+          <a:p>
+            <a:r>
+              <a:rPr lang="en-US" dirty="0"/>
+              <a:t>How has total ridership increased over time from the launch of the program in 2016 through 2017?</a:t>
+            </a:r>
+          </a:p>
+        </p:txBody>
+      </p:sp>
+      <p:sp>
+        <p:nvSpPr>
+          <p:cNvPr id="9" name="Text Placeholder 8">
+            <a:extLst>
+              <a:ext uri="{FF2B5EF4-FFF2-40B4-BE49-F238E27FC236}">
+                <a16:creationId xmlns:a16="http://schemas.microsoft.com/office/drawing/2014/main" id="{5A5728AF-439B-431C-97C3-46A291B453C7}"/>
+              </a:ext>
+            </a:extLst>
+          </p:cNvPr>
+          <p:cNvSpPr>
+            <a:spLocks noGrp="1"/>
+          </p:cNvSpPr>
+          <p:nvPr>
+            <p:ph type="body" idx="1"/>
+          </p:nvPr>
+        </p:nvSpPr>
+        <p:spPr/>
+        <p:txBody>
+          <a:bodyPr/>
+          <a:lstStyle/>
+          <a:p>
+            <a:r>
+              <a:rPr lang="en-US"/>
+              <a:t>Use MetroBike API data to chart the total number of rides per day for 2016</a:t>
+            </a:r>
+            <a:endParaRPr lang="en-US" dirty="0"/>
+          </a:p>
+        </p:txBody>
+      </p:sp>
+      <p:sp>
+        <p:nvSpPr>
+          <p:cNvPr id="11" name="Text Placeholder 10">
+            <a:extLst>
+              <a:ext uri="{FF2B5EF4-FFF2-40B4-BE49-F238E27FC236}">
+                <a16:creationId xmlns:a16="http://schemas.microsoft.com/office/drawing/2014/main" id="{30BED015-1C78-4154-9B3A-C3F9815F4710}"/>
+              </a:ext>
+            </a:extLst>
+          </p:cNvPr>
+          <p:cNvSpPr>
+            <a:spLocks noGrp="1"/>
+          </p:cNvSpPr>
+          <p:nvPr>
+            <p:ph type="body" sz="quarter" idx="3"/>
+          </p:nvPr>
+        </p:nvSpPr>
+        <p:spPr/>
+        <p:txBody>
+          <a:bodyPr/>
+          <a:lstStyle/>
+          <a:p>
+            <a:r>
+              <a:rPr lang="en-US"/>
+              <a:t>Use MetroBike API data to chart the total number of rides per day for 2017</a:t>
+            </a:r>
+            <a:endParaRPr lang="en-US" dirty="0"/>
+          </a:p>
+        </p:txBody>
+      </p:sp>
+      <p:sp>
+        <p:nvSpPr>
+          <p:cNvPr id="19" name="Content Placeholder 18">
+            <a:extLst>
+              <a:ext uri="{FF2B5EF4-FFF2-40B4-BE49-F238E27FC236}">
+                <a16:creationId xmlns:a16="http://schemas.microsoft.com/office/drawing/2014/main" id="{ED2B155E-09F9-4FAC-8A2F-436167DB6085}"/>
+              </a:ext>
+            </a:extLst>
+          </p:cNvPr>
+          <p:cNvSpPr>
+            <a:spLocks noGrp="1"/>
+          </p:cNvSpPr>
+          <p:nvPr>
+            <p:ph sz="quarter" idx="4"/>
+          </p:nvPr>
+        </p:nvSpPr>
+        <p:spPr/>
+        <p:txBody>
+          <a:bodyPr/>
+          <a:lstStyle/>
+          <a:p>
+            <a:r>
+              <a:rPr lang="en-US" dirty="0"/>
+              <a:t>Need to make combined 2017 Q3-Q4 chart to match 2016 chart…add here!</a:t>
+            </a:r>
+          </a:p>
+        </p:txBody>
+      </p:sp>
+      <p:pic>
+        <p:nvPicPr>
+          <p:cNvPr id="22" name="Content Placeholder 21">
+            <a:extLst>
+              <a:ext uri="{FF2B5EF4-FFF2-40B4-BE49-F238E27FC236}">
+                <a16:creationId xmlns:a16="http://schemas.microsoft.com/office/drawing/2014/main" id="{0D012E8D-826F-4F5A-A8FB-90637B2020FD}"/>
+              </a:ext>
+            </a:extLst>
+          </p:cNvPr>
+          <p:cNvPicPr>
+            <a:picLocks noGrp="1" noChangeAspect="1"/>
+          </p:cNvPicPr>
+          <p:nvPr>
+            <p:ph sz="half" idx="2"/>
+          </p:nvPr>
+        </p:nvPicPr>
+        <p:blipFill>
+          <a:blip r:embed="rId3">
+            <a:extLst>
+              <a:ext uri="{BEBA8EAE-BF5A-486C-A8C5-ECC9F3942E4B}">
+                <a14:imgProps xmlns:a14="http://schemas.microsoft.com/office/drawing/2010/main">
+                  <a14:imgLayer r:embed="rId4">
+                    <a14:imgEffect>
+                      <a14:brightnessContrast contrast="-20000"/>
+                    </a14:imgEffect>
+                  </a14:imgLayer>
+                </a14:imgProps>
+              </a:ext>
+              <a:ext uri="{28A0092B-C50C-407E-A947-70E740481C1C}">
+                <a14:useLocalDpi xmlns:a14="http://schemas.microsoft.com/office/drawing/2010/main" val="0"/>
+              </a:ext>
+            </a:extLst>
+          </a:blip>
+          <a:stretch>
+            <a:fillRect/>
+          </a:stretch>
+        </p:blipFill>
+        <p:spPr>
+          <a:xfrm>
+            <a:off x="27710" y="2542878"/>
+            <a:ext cx="6068290" cy="3684588"/>
+          </a:xfrm>
+        </p:spPr>
+      </p:pic>
+    </p:spTree>
+    <p:extLst>
+      <p:ext uri="{BB962C8B-B14F-4D97-AF65-F5344CB8AC3E}">
+        <p14:creationId xmlns:p14="http://schemas.microsoft.com/office/powerpoint/2010/main" val="49334809"/>
+      </p:ext>
+    </p:extLst>
+  </p:cSld>
+  <p:clrMapOvr>
+    <a:masterClrMapping/>
+  </p:clrMapOvr>
+</p:sld>
+</file>
+
 <file path=ppt/slides/slide2.xml><?xml version="1.0" encoding="utf-8"?>
 <p:sld xmlns:a="http://schemas.openxmlformats.org/drawingml/2006/main" xmlns:r="http://schemas.openxmlformats.org/officeDocument/2006/relationships" xmlns:p="http://schemas.openxmlformats.org/presentationml/2006/main">
   <p:cSld>
@@ -4596,196 +4903,148 @@
       </p:grpSpPr>
       <p:sp>
         <p:nvSpPr>
-          <p:cNvPr id="2" name="TextBox 1">
-            <a:extLst>
-              <a:ext uri="{FF2B5EF4-FFF2-40B4-BE49-F238E27FC236}">
-                <a16:creationId xmlns:a16="http://schemas.microsoft.com/office/drawing/2014/main" id="{323349BF-52DF-4A53-9070-4573A7A04728}"/>
-              </a:ext>
-            </a:extLst>
-          </p:cNvPr>
-          <p:cNvSpPr txBox="1"/>
-          <p:nvPr/>
+          <p:cNvPr id="2" name="Title 1">
+            <a:extLst>
+              <a:ext uri="{FF2B5EF4-FFF2-40B4-BE49-F238E27FC236}">
+                <a16:creationId xmlns:a16="http://schemas.microsoft.com/office/drawing/2014/main" id="{49927416-5A7C-45D6-89D8-1EC4F48EBC95}"/>
+              </a:ext>
+            </a:extLst>
+          </p:cNvPr>
+          <p:cNvSpPr>
+            <a:spLocks noGrp="1"/>
+          </p:cNvSpPr>
+          <p:nvPr>
+            <p:ph type="title"/>
+          </p:nvPr>
         </p:nvSpPr>
         <p:spPr>
           <a:xfrm>
-            <a:off x="564206" y="2855796"/>
-            <a:ext cx="11381361" cy="923330"/>
+            <a:off x="838200" y="365126"/>
+            <a:ext cx="10515600" cy="915034"/>
+          </a:xfrm>
+        </p:spPr>
+        <p:txBody>
+          <a:bodyPr>
+            <a:normAutofit fontScale="90000"/>
+          </a:bodyPr>
+          <a:lstStyle/>
+          <a:p>
+            <a:r>
+              <a:rPr lang="en-US" sz="2400" dirty="0"/>
+              <a:t>Hypothesis: Weather conditions affect ridership, i.e. cold or rain/snow decrease usage.</a:t>
+            </a:r>
+            <a:br>
+              <a:rPr lang="en-US" sz="2400" dirty="0"/>
+            </a:br>
+            <a:r>
+              <a:rPr lang="en-US" sz="2400" dirty="0"/>
+              <a:t>Null Hypothesis: Weather does not affect usage of bike sharing.</a:t>
+            </a:r>
+          </a:p>
+        </p:txBody>
+      </p:sp>
+      <p:sp>
+        <p:nvSpPr>
+          <p:cNvPr id="3" name="Content Placeholder 2">
+            <a:extLst>
+              <a:ext uri="{FF2B5EF4-FFF2-40B4-BE49-F238E27FC236}">
+                <a16:creationId xmlns:a16="http://schemas.microsoft.com/office/drawing/2014/main" id="{20ADD5C2-366F-4F52-BA74-2503FD3D284B}"/>
+              </a:ext>
+            </a:extLst>
+          </p:cNvPr>
+          <p:cNvSpPr>
+            <a:spLocks noGrp="1"/>
+          </p:cNvSpPr>
+          <p:nvPr>
+            <p:ph idx="1"/>
+          </p:nvPr>
+        </p:nvSpPr>
+        <p:spPr>
+          <a:xfrm>
+            <a:off x="725659" y="1404228"/>
+            <a:ext cx="10515600" cy="5088646"/>
+          </a:xfrm>
+        </p:spPr>
+        <p:txBody>
+          <a:bodyPr>
+            <a:normAutofit/>
+          </a:bodyPr>
+          <a:lstStyle/>
+          <a:p>
+            <a:r>
+              <a:rPr lang="en-US" sz="1800" dirty="0"/>
+              <a:t>We analyzed data from the </a:t>
+            </a:r>
+            <a:r>
+              <a:rPr lang="en-US" sz="1800" dirty="0" err="1"/>
+              <a:t>CitiBike</a:t>
+            </a:r>
+            <a:r>
+              <a:rPr lang="en-US" sz="1800" dirty="0"/>
+              <a:t> program in New York City that has been running for more than a decade, with the assumption that relatively steady weather conditions in Los Angeles are less likely to affect ridership than the harsh winter conditions in New York. </a:t>
+            </a:r>
+          </a:p>
+          <a:p>
+            <a:endParaRPr lang="en-US" sz="2000" dirty="0"/>
+          </a:p>
+        </p:txBody>
+      </p:sp>
+      <p:pic>
+        <p:nvPicPr>
+          <p:cNvPr id="5" name="Picture 4">
+            <a:extLst>
+              <a:ext uri="{FF2B5EF4-FFF2-40B4-BE49-F238E27FC236}">
+                <a16:creationId xmlns:a16="http://schemas.microsoft.com/office/drawing/2014/main" id="{38FF4C04-4171-47E4-8BDF-2E004FB7564F}"/>
+              </a:ext>
+            </a:extLst>
+          </p:cNvPr>
+          <p:cNvPicPr>
+            <a:picLocks noChangeAspect="1"/>
+          </p:cNvPicPr>
+          <p:nvPr/>
+        </p:nvPicPr>
+        <p:blipFill>
+          <a:blip r:embed="rId2">
+            <a:grayscl/>
+            <a:extLst>
+              <a:ext uri="{BEBA8EAE-BF5A-486C-A8C5-ECC9F3942E4B}">
+                <a14:imgProps xmlns:a14="http://schemas.microsoft.com/office/drawing/2010/main">
+                  <a14:imgLayer r:embed="rId3">
+                    <a14:imgEffect>
+                      <a14:sharpenSoften amount="25000"/>
+                    </a14:imgEffect>
+                    <a14:imgEffect>
+                      <a14:saturation sat="200000"/>
+                    </a14:imgEffect>
+                    <a14:imgEffect>
+                      <a14:brightnessContrast contrast="-40000"/>
+                    </a14:imgEffect>
+                  </a14:imgLayer>
+                </a14:imgProps>
+              </a:ext>
+              <a:ext uri="{28A0092B-C50C-407E-A947-70E740481C1C}">
+                <a14:useLocalDpi xmlns:a14="http://schemas.microsoft.com/office/drawing/2010/main" val="0"/>
+              </a:ext>
+            </a:extLst>
+          </a:blip>
+          <a:stretch>
+            <a:fillRect/>
+          </a:stretch>
+        </p:blipFill>
+        <p:spPr>
+          <a:xfrm>
+            <a:off x="1631853" y="2335237"/>
+            <a:ext cx="7923896" cy="4418064"/>
           </a:xfrm>
           <a:prstGeom prst="rect">
             <a:avLst/>
           </a:prstGeom>
-          <a:noFill/>
         </p:spPr>
-        <p:txBody>
-          <a:bodyPr wrap="square" rtlCol="0">
-            <a:spAutoFit/>
-          </a:bodyPr>
-          <a:lstStyle/>
-          <a:p>
-            <a:r>
-              <a:rPr lang="en-US" dirty="0"/>
-              <a:t>Hypothesis 2:</a:t>
-            </a:r>
-          </a:p>
-          <a:p>
-            <a:r>
-              <a:rPr lang="en-US" dirty="0"/>
-              <a:t>Bike sharing riders use the system differently depending on the day of the week.</a:t>
-            </a:r>
-          </a:p>
-          <a:p>
-            <a:r>
-              <a:rPr lang="en-US" dirty="0"/>
-              <a:t>Null hypothesis: Day of the week has no effect on total ridership.</a:t>
-            </a:r>
-          </a:p>
-        </p:txBody>
-      </p:sp>
-      <p:sp>
-        <p:nvSpPr>
-          <p:cNvPr id="3" name="TextBox 2">
-            <a:extLst>
-              <a:ext uri="{FF2B5EF4-FFF2-40B4-BE49-F238E27FC236}">
-                <a16:creationId xmlns:a16="http://schemas.microsoft.com/office/drawing/2014/main" id="{1D91E938-8FD5-4BA7-8A52-2A75007EB978}"/>
-              </a:ext>
-            </a:extLst>
-          </p:cNvPr>
-          <p:cNvSpPr txBox="1"/>
-          <p:nvPr/>
-        </p:nvSpPr>
-        <p:spPr>
-          <a:xfrm>
-            <a:off x="564205" y="4002204"/>
-            <a:ext cx="11381362" cy="923330"/>
-          </a:xfrm>
-          <a:prstGeom prst="rect">
-            <a:avLst/>
-          </a:prstGeom>
-          <a:noFill/>
-        </p:spPr>
-        <p:txBody>
-          <a:bodyPr wrap="square" rtlCol="0">
-            <a:spAutoFit/>
-          </a:bodyPr>
-          <a:lstStyle/>
-          <a:p>
-            <a:r>
-              <a:rPr lang="en-US" dirty="0"/>
-              <a:t>Hypothesis 3:</a:t>
-            </a:r>
-          </a:p>
-          <a:p>
-            <a:r>
-              <a:rPr lang="en-US" dirty="0"/>
-              <a:t> Bike sharing riders use the system more during certain times of day (i.e. for commuting).</a:t>
-            </a:r>
-          </a:p>
-          <a:p>
-            <a:r>
-              <a:rPr lang="en-US" dirty="0"/>
-              <a:t>Null hypothesis: Time of day does not affect rate of ridership.</a:t>
-            </a:r>
-          </a:p>
-        </p:txBody>
-      </p:sp>
-      <p:sp>
-        <p:nvSpPr>
-          <p:cNvPr id="4" name="TextBox 3">
-            <a:extLst>
-              <a:ext uri="{FF2B5EF4-FFF2-40B4-BE49-F238E27FC236}">
-                <a16:creationId xmlns:a16="http://schemas.microsoft.com/office/drawing/2014/main" id="{F7DE0AF4-B966-46D8-825B-B4A4631C0D81}"/>
-              </a:ext>
-            </a:extLst>
-          </p:cNvPr>
-          <p:cNvSpPr txBox="1"/>
-          <p:nvPr/>
-        </p:nvSpPr>
-        <p:spPr>
-          <a:xfrm>
-            <a:off x="564205" y="272374"/>
-            <a:ext cx="11245174" cy="1200329"/>
-          </a:xfrm>
-          <a:prstGeom prst="rect">
-            <a:avLst/>
-          </a:prstGeom>
-          <a:noFill/>
-        </p:spPr>
-        <p:txBody>
-          <a:bodyPr wrap="square" rtlCol="0">
-            <a:spAutoFit/>
-          </a:bodyPr>
-          <a:lstStyle/>
-          <a:p>
-            <a:r>
-              <a:rPr lang="en-US"/>
-              <a:t>1. Track daily total usage over time in LA to get started.</a:t>
-            </a:r>
-          </a:p>
-          <a:p>
-            <a:r>
-              <a:rPr lang="en-US"/>
-              <a:t>2. When is the most popular time of day for shared bike usage? Most popular day of the week?</a:t>
-            </a:r>
-          </a:p>
-          <a:p>
-            <a:r>
-              <a:rPr lang="en-US"/>
-              <a:t>3. Does temperature, precipitaiton, or air quality have an impact on number of daily rides?</a:t>
-            </a:r>
-          </a:p>
-          <a:p>
-            <a:r>
-              <a:rPr lang="en-US"/>
-              <a:t>4. Does the type of fare paid affect when bikes are being used?</a:t>
-            </a:r>
-          </a:p>
-        </p:txBody>
-      </p:sp>
-      <p:sp>
-        <p:nvSpPr>
-          <p:cNvPr id="5" name="TextBox 4">
-            <a:extLst>
-              <a:ext uri="{FF2B5EF4-FFF2-40B4-BE49-F238E27FC236}">
-                <a16:creationId xmlns:a16="http://schemas.microsoft.com/office/drawing/2014/main" id="{16C9A724-7A8C-4FFA-A4C6-1121EECACFC8}"/>
-              </a:ext>
-            </a:extLst>
-          </p:cNvPr>
-          <p:cNvSpPr txBox="1"/>
-          <p:nvPr/>
-        </p:nvSpPr>
-        <p:spPr>
-          <a:xfrm>
-            <a:off x="564205" y="1659988"/>
-            <a:ext cx="11013506" cy="646331"/>
-          </a:xfrm>
-          <a:prstGeom prst="rect">
-            <a:avLst/>
-          </a:prstGeom>
-          <a:noFill/>
-        </p:spPr>
-        <p:txBody>
-          <a:bodyPr wrap="square" rtlCol="0">
-            <a:spAutoFit/>
-          </a:bodyPr>
-          <a:lstStyle/>
-          <a:p>
-            <a:r>
-              <a:rPr lang="en-US" dirty="0"/>
-              <a:t>Hypothesis 1: Ridership has increased steadily over time following the opening of business in 2016.</a:t>
-            </a:r>
-          </a:p>
-          <a:p>
-            <a:r>
-              <a:rPr lang="en-US" dirty="0"/>
-              <a:t>Null Hypothesis: Ridership has not shown a steady increase over time.</a:t>
-            </a:r>
-          </a:p>
-        </p:txBody>
-      </p:sp>
+      </p:pic>
     </p:spTree>
     <p:extLst>
       <p:ext uri="{BB962C8B-B14F-4D97-AF65-F5344CB8AC3E}">
-        <p14:creationId xmlns:p14="http://schemas.microsoft.com/office/powerpoint/2010/main" val="4179177213"/>
+        <p14:creationId xmlns:p14="http://schemas.microsoft.com/office/powerpoint/2010/main" val="4237760704"/>
       </p:ext>
     </p:extLst>
   </p:cSld>
@@ -4814,10 +5073,10 @@
       </p:grpSpPr>
       <p:sp>
         <p:nvSpPr>
-          <p:cNvPr id="5" name="Title 4">
-            <a:extLst>
-              <a:ext uri="{FF2B5EF4-FFF2-40B4-BE49-F238E27FC236}">
-                <a16:creationId xmlns:a16="http://schemas.microsoft.com/office/drawing/2014/main" id="{3964851C-101D-41C5-A7AD-9842C1D83AD1}"/>
+          <p:cNvPr id="2" name="Title 1">
+            <a:extLst>
+              <a:ext uri="{FF2B5EF4-FFF2-40B4-BE49-F238E27FC236}">
+                <a16:creationId xmlns:a16="http://schemas.microsoft.com/office/drawing/2014/main" id="{2DC88050-8777-47D4-97B3-AC32CFD4DBDE}"/>
               </a:ext>
             </a:extLst>
           </p:cNvPr>
@@ -4828,112 +5087,66 @@
             <p:ph type="title"/>
           </p:nvPr>
         </p:nvSpPr>
-        <p:spPr/>
+        <p:spPr>
+          <a:xfrm>
+            <a:off x="838200" y="365125"/>
+            <a:ext cx="10515600" cy="1013509"/>
+          </a:xfrm>
+        </p:spPr>
         <p:txBody>
           <a:bodyPr>
-            <a:normAutofit fontScale="90000"/>
+            <a:normAutofit/>
           </a:bodyPr>
           <a:lstStyle/>
           <a:p>
             <a:r>
+              <a:rPr lang="en-US" sz="2800" dirty="0"/>
+              <a:t>Notable trends: Why is there a large spike during October in both 2016 and 2017?</a:t>
+            </a:r>
+          </a:p>
+        </p:txBody>
+      </p:sp>
+      <p:sp>
+        <p:nvSpPr>
+          <p:cNvPr id="6" name="Text Placeholder 5">
+            <a:extLst>
+              <a:ext uri="{FF2B5EF4-FFF2-40B4-BE49-F238E27FC236}">
+                <a16:creationId xmlns:a16="http://schemas.microsoft.com/office/drawing/2014/main" id="{504B4854-AF6E-4A9B-ACD2-4852305F992D}"/>
+              </a:ext>
+            </a:extLst>
+          </p:cNvPr>
+          <p:cNvSpPr>
+            <a:spLocks noGrp="1"/>
+          </p:cNvSpPr>
+          <p:nvPr>
+            <p:ph type="body" idx="4294967295"/>
+          </p:nvPr>
+        </p:nvSpPr>
+        <p:spPr>
+          <a:xfrm>
+            <a:off x="946150" y="1378634"/>
+            <a:ext cx="10515600" cy="823912"/>
+          </a:xfrm>
+        </p:spPr>
+        <p:txBody>
+          <a:bodyPr>
+            <a:normAutofit/>
+          </a:bodyPr>
+          <a:lstStyle/>
+          <a:p>
+            <a:r>
               <a:rPr lang="en-US" dirty="0"/>
-              <a:t>How has total ridership increased over time from the launch of the program in 2016 through 2017?</a:t>
-            </a:r>
-          </a:p>
-        </p:txBody>
-      </p:sp>
-      <p:sp>
-        <p:nvSpPr>
-          <p:cNvPr id="9" name="Text Placeholder 8">
-            <a:extLst>
-              <a:ext uri="{FF2B5EF4-FFF2-40B4-BE49-F238E27FC236}">
-                <a16:creationId xmlns:a16="http://schemas.microsoft.com/office/drawing/2014/main" id="{5A5728AF-439B-431C-97C3-46A291B453C7}"/>
-              </a:ext>
-            </a:extLst>
-          </p:cNvPr>
-          <p:cNvSpPr>
-            <a:spLocks noGrp="1"/>
-          </p:cNvSpPr>
-          <p:nvPr>
-            <p:ph type="body" idx="1"/>
-          </p:nvPr>
-        </p:nvSpPr>
-        <p:spPr/>
-        <p:txBody>
-          <a:bodyPr/>
-          <a:lstStyle/>
-          <a:p>
-            <a:r>
-              <a:rPr lang="en-US"/>
-              <a:t>Use MetroBike API data to chart the total number of rides per day for 2016</a:t>
-            </a:r>
-            <a:endParaRPr lang="en-US" dirty="0"/>
-          </a:p>
-        </p:txBody>
-      </p:sp>
-      <p:sp>
-        <p:nvSpPr>
-          <p:cNvPr id="11" name="Text Placeholder 10">
-            <a:extLst>
-              <a:ext uri="{FF2B5EF4-FFF2-40B4-BE49-F238E27FC236}">
-                <a16:creationId xmlns:a16="http://schemas.microsoft.com/office/drawing/2014/main" id="{30BED015-1C78-4154-9B3A-C3F9815F4710}"/>
-              </a:ext>
-            </a:extLst>
-          </p:cNvPr>
-          <p:cNvSpPr>
-            <a:spLocks noGrp="1"/>
-          </p:cNvSpPr>
-          <p:nvPr>
-            <p:ph type="body" sz="quarter" idx="3"/>
-          </p:nvPr>
-        </p:nvSpPr>
-        <p:spPr/>
-        <p:txBody>
-          <a:bodyPr/>
-          <a:lstStyle/>
-          <a:p>
-            <a:r>
-              <a:rPr lang="en-US"/>
-              <a:t>Use MetroBike API data to chart the total number of rides per day for 2017</a:t>
-            </a:r>
-            <a:endParaRPr lang="en-US" dirty="0"/>
-          </a:p>
-        </p:txBody>
-      </p:sp>
-      <p:sp>
-        <p:nvSpPr>
-          <p:cNvPr id="19" name="Content Placeholder 18">
-            <a:extLst>
-              <a:ext uri="{FF2B5EF4-FFF2-40B4-BE49-F238E27FC236}">
-                <a16:creationId xmlns:a16="http://schemas.microsoft.com/office/drawing/2014/main" id="{ED2B155E-09F9-4FAC-8A2F-436167DB6085}"/>
-              </a:ext>
-            </a:extLst>
-          </p:cNvPr>
-          <p:cNvSpPr>
-            <a:spLocks noGrp="1"/>
-          </p:cNvSpPr>
-          <p:nvPr>
-            <p:ph sz="quarter" idx="4"/>
-          </p:nvPr>
-        </p:nvSpPr>
-        <p:spPr/>
-        <p:txBody>
-          <a:bodyPr/>
-          <a:lstStyle/>
-          <a:p>
-            <a:r>
-              <a:rPr lang="en-US" dirty="0"/>
-              <a:t>Need to make combined 2017 Q3-Q4 chart to match 2016 chart…add here!</a:t>
+              <a:t>http://www.welikela.com/event/ciclavia-heart-la-10-16-2016/</a:t>
             </a:r>
           </a:p>
         </p:txBody>
       </p:sp>
       <p:pic>
         <p:nvPicPr>
-          <p:cNvPr id="22" name="Content Placeholder 21">
-            <a:extLst>
-              <a:ext uri="{FF2B5EF4-FFF2-40B4-BE49-F238E27FC236}">
-                <a16:creationId xmlns:a16="http://schemas.microsoft.com/office/drawing/2014/main" id="{0D012E8D-826F-4F5A-A8FB-90637B2020FD}"/>
+          <p:cNvPr id="11" name="Content Placeholder 10">
+            <a:extLst>
+              <a:ext uri="{FF2B5EF4-FFF2-40B4-BE49-F238E27FC236}">
+                <a16:creationId xmlns:a16="http://schemas.microsoft.com/office/drawing/2014/main" id="{F5A42A68-5E42-4031-B37E-CA3BEDCE3BEE}"/>
               </a:ext>
             </a:extLst>
           </p:cNvPr>
@@ -4941,17 +5154,20 @@
             <a:picLocks noGrp="1" noChangeAspect="1"/>
           </p:cNvPicPr>
           <p:nvPr>
-            <p:ph sz="half" idx="2"/>
+            <p:ph sz="half" idx="4294967295"/>
           </p:nvPr>
         </p:nvPicPr>
         <p:blipFill>
-          <a:blip r:embed="rId3">
+          <a:blip r:embed="rId2">
             <a:extLst>
               <a:ext uri="{BEBA8EAE-BF5A-486C-A8C5-ECC9F3942E4B}">
                 <a14:imgProps xmlns:a14="http://schemas.microsoft.com/office/drawing/2010/main">
-                  <a14:imgLayer r:embed="rId4">
+                  <a14:imgLayer r:embed="rId3">
                     <a14:imgEffect>
-                      <a14:brightnessContrast contrast="-20000"/>
+                      <a14:sharpenSoften amount="25000"/>
+                    </a14:imgEffect>
+                    <a14:imgEffect>
+                      <a14:brightnessContrast contrast="20000"/>
                     </a14:imgEffect>
                   </a14:imgLayer>
                 </a14:imgProps>
@@ -4967,15 +5183,280 @@
         </p:blipFill>
         <p:spPr>
           <a:xfrm>
-            <a:off x="27710" y="2542878"/>
-            <a:ext cx="6068290" cy="3684588"/>
+            <a:off x="0" y="2080004"/>
+            <a:ext cx="5988050" cy="4121712"/>
+          </a:xfrm>
+        </p:spPr>
+      </p:pic>
+      <p:pic>
+        <p:nvPicPr>
+          <p:cNvPr id="13" name="Content Placeholder 12">
+            <a:extLst>
+              <a:ext uri="{FF2B5EF4-FFF2-40B4-BE49-F238E27FC236}">
+                <a16:creationId xmlns:a16="http://schemas.microsoft.com/office/drawing/2014/main" id="{E945EDCD-D04F-4C7D-8A07-BD5B7F44756E}"/>
+              </a:ext>
+            </a:extLst>
+          </p:cNvPr>
+          <p:cNvPicPr>
+            <a:picLocks noGrp="1" noChangeAspect="1"/>
+          </p:cNvPicPr>
+          <p:nvPr>
+            <p:ph sz="quarter" idx="4294967295"/>
+          </p:nvPr>
+        </p:nvPicPr>
+        <p:blipFill>
+          <a:blip r:embed="rId4">
+            <a:extLst>
+              <a:ext uri="{BEBA8EAE-BF5A-486C-A8C5-ECC9F3942E4B}">
+                <a14:imgProps xmlns:a14="http://schemas.microsoft.com/office/drawing/2010/main">
+                  <a14:imgLayer r:embed="rId5">
+                    <a14:imgEffect>
+                      <a14:sharpenSoften amount="25000"/>
+                    </a14:imgEffect>
+                    <a14:imgEffect>
+                      <a14:brightnessContrast contrast="26000"/>
+                    </a14:imgEffect>
+                  </a14:imgLayer>
+                </a14:imgProps>
+              </a:ext>
+              <a:ext uri="{28A0092B-C50C-407E-A947-70E740481C1C}">
+                <a14:useLocalDpi xmlns:a14="http://schemas.microsoft.com/office/drawing/2010/main" val="0"/>
+              </a:ext>
+            </a:extLst>
+          </a:blip>
+          <a:stretch>
+            <a:fillRect/>
+          </a:stretch>
+        </p:blipFill>
+        <p:spPr>
+          <a:xfrm>
+            <a:off x="6096000" y="2202546"/>
+            <a:ext cx="5988050" cy="3968067"/>
           </a:xfrm>
         </p:spPr>
       </p:pic>
     </p:spTree>
     <p:extLst>
       <p:ext uri="{BB962C8B-B14F-4D97-AF65-F5344CB8AC3E}">
-        <p14:creationId xmlns:p14="http://schemas.microsoft.com/office/powerpoint/2010/main" val="49334809"/>
+        <p14:creationId xmlns:p14="http://schemas.microsoft.com/office/powerpoint/2010/main" val="2576917738"/>
+      </p:ext>
+    </p:extLst>
+  </p:cSld>
+  <p:clrMapOvr>
+    <a:masterClrMapping/>
+  </p:clrMapOvr>
+</p:sld>
+</file>
+
+<file path=ppt/slides/slide9.xml><?xml version="1.0" encoding="utf-8"?>
+<p:sld xmlns:a="http://schemas.openxmlformats.org/drawingml/2006/main" xmlns:r="http://schemas.openxmlformats.org/officeDocument/2006/relationships" xmlns:p="http://schemas.openxmlformats.org/presentationml/2006/main">
+  <p:cSld>
+    <p:spTree>
+      <p:nvGrpSpPr>
+        <p:cNvPr id="1" name=""/>
+        <p:cNvGrpSpPr/>
+        <p:nvPr/>
+      </p:nvGrpSpPr>
+      <p:grpSpPr>
+        <a:xfrm>
+          <a:off x="0" y="0"/>
+          <a:ext cx="0" cy="0"/>
+          <a:chOff x="0" y="0"/>
+          <a:chExt cx="0" cy="0"/>
+        </a:xfrm>
+      </p:grpSpPr>
+      <p:sp>
+        <p:nvSpPr>
+          <p:cNvPr id="2" name="TextBox 1">
+            <a:extLst>
+              <a:ext uri="{FF2B5EF4-FFF2-40B4-BE49-F238E27FC236}">
+                <a16:creationId xmlns:a16="http://schemas.microsoft.com/office/drawing/2014/main" id="{323349BF-52DF-4A53-9070-4573A7A04728}"/>
+              </a:ext>
+            </a:extLst>
+          </p:cNvPr>
+          <p:cNvSpPr txBox="1"/>
+          <p:nvPr/>
+        </p:nvSpPr>
+        <p:spPr>
+          <a:xfrm>
+            <a:off x="564206" y="2855796"/>
+            <a:ext cx="11381361" cy="923330"/>
+          </a:xfrm>
+          <a:prstGeom prst="rect">
+            <a:avLst/>
+          </a:prstGeom>
+          <a:noFill/>
+        </p:spPr>
+        <p:txBody>
+          <a:bodyPr wrap="square" rtlCol="0">
+            <a:spAutoFit/>
+          </a:bodyPr>
+          <a:lstStyle/>
+          <a:p>
+            <a:r>
+              <a:rPr lang="en-US" dirty="0"/>
+              <a:t>Hypothesis 2:</a:t>
+            </a:r>
+          </a:p>
+          <a:p>
+            <a:r>
+              <a:rPr lang="en-US" dirty="0"/>
+              <a:t>Bike sharing riders use the system differently depending on the day of the week.</a:t>
+            </a:r>
+          </a:p>
+          <a:p>
+            <a:r>
+              <a:rPr lang="en-US" dirty="0"/>
+              <a:t>Null hypothesis: Day of the week has no effect on total ridership.</a:t>
+            </a:r>
+          </a:p>
+        </p:txBody>
+      </p:sp>
+      <p:sp>
+        <p:nvSpPr>
+          <p:cNvPr id="3" name="TextBox 2">
+            <a:extLst>
+              <a:ext uri="{FF2B5EF4-FFF2-40B4-BE49-F238E27FC236}">
+                <a16:creationId xmlns:a16="http://schemas.microsoft.com/office/drawing/2014/main" id="{1D91E938-8FD5-4BA7-8A52-2A75007EB978}"/>
+              </a:ext>
+            </a:extLst>
+          </p:cNvPr>
+          <p:cNvSpPr txBox="1"/>
+          <p:nvPr/>
+        </p:nvSpPr>
+        <p:spPr>
+          <a:xfrm>
+            <a:off x="564205" y="4002204"/>
+            <a:ext cx="11381362" cy="923330"/>
+          </a:xfrm>
+          <a:prstGeom prst="rect">
+            <a:avLst/>
+          </a:prstGeom>
+          <a:noFill/>
+        </p:spPr>
+        <p:txBody>
+          <a:bodyPr wrap="square" rtlCol="0">
+            <a:spAutoFit/>
+          </a:bodyPr>
+          <a:lstStyle/>
+          <a:p>
+            <a:r>
+              <a:rPr lang="en-US" dirty="0"/>
+              <a:t>Hypothesis 3:</a:t>
+            </a:r>
+          </a:p>
+          <a:p>
+            <a:r>
+              <a:rPr lang="en-US" dirty="0"/>
+              <a:t> Bike sharing riders use the system more during certain times of day (i.e. for commuting).</a:t>
+            </a:r>
+          </a:p>
+          <a:p>
+            <a:r>
+              <a:rPr lang="en-US" dirty="0"/>
+              <a:t>Null hypothesis: Time of day does not affect rate of ridership.</a:t>
+            </a:r>
+          </a:p>
+        </p:txBody>
+      </p:sp>
+      <p:sp>
+        <p:nvSpPr>
+          <p:cNvPr id="4" name="TextBox 3">
+            <a:extLst>
+              <a:ext uri="{FF2B5EF4-FFF2-40B4-BE49-F238E27FC236}">
+                <a16:creationId xmlns:a16="http://schemas.microsoft.com/office/drawing/2014/main" id="{F7DE0AF4-B966-46D8-825B-B4A4631C0D81}"/>
+              </a:ext>
+            </a:extLst>
+          </p:cNvPr>
+          <p:cNvSpPr txBox="1"/>
+          <p:nvPr/>
+        </p:nvSpPr>
+        <p:spPr>
+          <a:xfrm>
+            <a:off x="564205" y="272374"/>
+            <a:ext cx="11245174" cy="1200329"/>
+          </a:xfrm>
+          <a:prstGeom prst="rect">
+            <a:avLst/>
+          </a:prstGeom>
+          <a:noFill/>
+        </p:spPr>
+        <p:txBody>
+          <a:bodyPr wrap="square" rtlCol="0">
+            <a:spAutoFit/>
+          </a:bodyPr>
+          <a:lstStyle/>
+          <a:p>
+            <a:r>
+              <a:rPr lang="en-US"/>
+              <a:t>1. Track daily total usage over time in LA to get started.</a:t>
+            </a:r>
+          </a:p>
+          <a:p>
+            <a:r>
+              <a:rPr lang="en-US"/>
+              <a:t>2. When is the most popular time of day for shared bike usage? Most popular day of the week?</a:t>
+            </a:r>
+          </a:p>
+          <a:p>
+            <a:r>
+              <a:rPr lang="en-US"/>
+              <a:t>3. Does temperature, precipitaiton, or air quality have an impact on number of daily rides?</a:t>
+            </a:r>
+          </a:p>
+          <a:p>
+            <a:r>
+              <a:rPr lang="en-US"/>
+              <a:t>4. Does the type of fare paid affect when bikes are being used?</a:t>
+            </a:r>
+          </a:p>
+        </p:txBody>
+      </p:sp>
+      <p:sp>
+        <p:nvSpPr>
+          <p:cNvPr id="5" name="TextBox 4">
+            <a:extLst>
+              <a:ext uri="{FF2B5EF4-FFF2-40B4-BE49-F238E27FC236}">
+                <a16:creationId xmlns:a16="http://schemas.microsoft.com/office/drawing/2014/main" id="{16C9A724-7A8C-4FFA-A4C6-1121EECACFC8}"/>
+              </a:ext>
+            </a:extLst>
+          </p:cNvPr>
+          <p:cNvSpPr txBox="1"/>
+          <p:nvPr/>
+        </p:nvSpPr>
+        <p:spPr>
+          <a:xfrm>
+            <a:off x="564205" y="1659988"/>
+            <a:ext cx="11013506" cy="646331"/>
+          </a:xfrm>
+          <a:prstGeom prst="rect">
+            <a:avLst/>
+          </a:prstGeom>
+          <a:noFill/>
+        </p:spPr>
+        <p:txBody>
+          <a:bodyPr wrap="square" rtlCol="0">
+            <a:spAutoFit/>
+          </a:bodyPr>
+          <a:lstStyle/>
+          <a:p>
+            <a:r>
+              <a:rPr lang="en-US" dirty="0"/>
+              <a:t>Hypothesis 1: Ridership has increased steadily over time following the opening of business in 2016.</a:t>
+            </a:r>
+          </a:p>
+          <a:p>
+            <a:r>
+              <a:rPr lang="en-US" dirty="0"/>
+              <a:t>Null Hypothesis: Ridership has not shown a steady increase over time.</a:t>
+            </a:r>
+          </a:p>
+        </p:txBody>
+      </p:sp>
+    </p:spTree>
+    <p:extLst>
+      <p:ext uri="{BB962C8B-B14F-4D97-AF65-F5344CB8AC3E}">
+        <p14:creationId xmlns:p14="http://schemas.microsoft.com/office/powerpoint/2010/main" val="4179177213"/>
       </p:ext>
     </p:extLst>
   </p:cSld>

--- a/If We Ran a Bike Sharing Company.pptx
+++ b/If We Ran a Bike Sharing Company.pptx
@@ -5,20 +5,21 @@
     <p:sldMasterId id="2147483648" r:id="rId1"/>
   </p:sldMasterIdLst>
   <p:notesMasterIdLst>
-    <p:notesMasterId r:id="rId13"/>
+    <p:notesMasterId r:id="rId14"/>
   </p:notesMasterIdLst>
   <p:sldIdLst>
     <p:sldId id="256" r:id="rId2"/>
     <p:sldId id="258" r:id="rId3"/>
-    <p:sldId id="261" r:id="rId4"/>
-    <p:sldId id="259" r:id="rId5"/>
-    <p:sldId id="262" r:id="rId6"/>
-    <p:sldId id="263" r:id="rId7"/>
-    <p:sldId id="265" r:id="rId8"/>
-    <p:sldId id="266" r:id="rId9"/>
-    <p:sldId id="257" r:id="rId10"/>
-    <p:sldId id="264" r:id="rId11"/>
-    <p:sldId id="260" r:id="rId12"/>
+    <p:sldId id="267" r:id="rId4"/>
+    <p:sldId id="261" r:id="rId5"/>
+    <p:sldId id="265" r:id="rId6"/>
+    <p:sldId id="259" r:id="rId7"/>
+    <p:sldId id="266" r:id="rId8"/>
+    <p:sldId id="263" r:id="rId9"/>
+    <p:sldId id="262" r:id="rId10"/>
+    <p:sldId id="257" r:id="rId11"/>
+    <p:sldId id="264" r:id="rId12"/>
+    <p:sldId id="260" r:id="rId13"/>
   </p:sldIdLst>
   <p:sldSz cx="12192000" cy="6858000"/>
   <p:notesSz cx="6858000" cy="9144000"/>
@@ -207,7 +208,7 @@
           <a:p>
             <a:fld id="{EB4555C8-8C73-40BF-96AA-7B891FDD6179}" type="datetimeFigureOut">
               <a:rPr lang="en-US" smtClean="0"/>
-              <a:t>8/20/2018</a:t>
+              <a:t>8/21/2018</a:t>
             </a:fld>
             <a:endParaRPr lang="en-US"/>
           </a:p>
@@ -520,11 +521,8 @@
           <a:p>
             <a:r>
               <a:rPr lang="en-US" dirty="0"/>
-              <a:t>Ditching slide to use overall line graph from start of 2016 data through all of 2017 data</a:t>
-            </a:r>
-          </a:p>
-          <a:p>
-            <a:endParaRPr lang="en-US" dirty="0"/>
+              <a:t>Do not use during slideshow/presentation….this was for working out questions/hypotheses. </a:t>
+            </a:r>
           </a:p>
         </p:txBody>
       </p:sp>
@@ -545,7 +543,97 @@
           <a:p>
             <a:fld id="{2A26A812-FE51-474B-AFD0-254289DE170D}" type="slidenum">
               <a:rPr lang="en-US" smtClean="0"/>
-              <a:t>11</a:t>
+              <a:t>10</a:t>
+            </a:fld>
+            <a:endParaRPr lang="en-US"/>
+          </a:p>
+        </p:txBody>
+      </p:sp>
+    </p:spTree>
+    <p:extLst>
+      <p:ext uri="{BB962C8B-B14F-4D97-AF65-F5344CB8AC3E}">
+        <p14:creationId xmlns:p14="http://schemas.microsoft.com/office/powerpoint/2010/main" val="1765937577"/>
+      </p:ext>
+    </p:extLst>
+  </p:cSld>
+  <p:clrMapOvr>
+    <a:masterClrMapping/>
+  </p:clrMapOvr>
+</p:notes>
+</file>
+
+<file path=ppt/notesSlides/notesSlide2.xml><?xml version="1.0" encoding="utf-8"?>
+<p:notes xmlns:a="http://schemas.openxmlformats.org/drawingml/2006/main" xmlns:r="http://schemas.openxmlformats.org/officeDocument/2006/relationships" xmlns:p="http://schemas.openxmlformats.org/presentationml/2006/main">
+  <p:cSld>
+    <p:spTree>
+      <p:nvGrpSpPr>
+        <p:cNvPr id="1" name=""/>
+        <p:cNvGrpSpPr/>
+        <p:nvPr/>
+      </p:nvGrpSpPr>
+      <p:grpSpPr>
+        <a:xfrm>
+          <a:off x="0" y="0"/>
+          <a:ext cx="0" cy="0"/>
+          <a:chOff x="0" y="0"/>
+          <a:chExt cx="0" cy="0"/>
+        </a:xfrm>
+      </p:grpSpPr>
+      <p:sp>
+        <p:nvSpPr>
+          <p:cNvPr id="2" name="Slide Image Placeholder 1"/>
+          <p:cNvSpPr>
+            <a:spLocks noGrp="1" noRot="1" noChangeAspect="1"/>
+          </p:cNvSpPr>
+          <p:nvPr>
+            <p:ph type="sldImg"/>
+          </p:nvPr>
+        </p:nvSpPr>
+        <p:spPr/>
+      </p:sp>
+      <p:sp>
+        <p:nvSpPr>
+          <p:cNvPr id="3" name="Notes Placeholder 2"/>
+          <p:cNvSpPr>
+            <a:spLocks noGrp="1"/>
+          </p:cNvSpPr>
+          <p:nvPr>
+            <p:ph type="body" idx="1"/>
+          </p:nvPr>
+        </p:nvSpPr>
+        <p:spPr/>
+        <p:txBody>
+          <a:bodyPr/>
+          <a:lstStyle/>
+          <a:p>
+            <a:r>
+              <a:rPr lang="en-US" dirty="0"/>
+              <a:t>Ditching slide to use overall line graph from start of 2016 data through all of 2017 data</a:t>
+            </a:r>
+          </a:p>
+          <a:p>
+            <a:endParaRPr lang="en-US" dirty="0"/>
+          </a:p>
+        </p:txBody>
+      </p:sp>
+      <p:sp>
+        <p:nvSpPr>
+          <p:cNvPr id="4" name="Slide Number Placeholder 3"/>
+          <p:cNvSpPr>
+            <a:spLocks noGrp="1"/>
+          </p:cNvSpPr>
+          <p:nvPr>
+            <p:ph type="sldNum" sz="quarter" idx="10"/>
+          </p:nvPr>
+        </p:nvSpPr>
+        <p:spPr/>
+        <p:txBody>
+          <a:bodyPr/>
+          <a:lstStyle/>
+          <a:p>
+            <a:fld id="{2A26A812-FE51-474B-AFD0-254289DE170D}" type="slidenum">
+              <a:rPr lang="en-US" smtClean="0"/>
+              <a:t>12</a:t>
             </a:fld>
             <a:endParaRPr lang="en-US"/>
           </a:p>
@@ -711,7 +799,7 @@
           <a:p>
             <a:fld id="{30854571-07D4-419D-A7ED-CF581251F6FF}" type="datetimeFigureOut">
               <a:rPr lang="en-US" smtClean="0"/>
-              <a:t>8/20/2018</a:t>
+              <a:t>8/21/2018</a:t>
             </a:fld>
             <a:endParaRPr lang="en-US"/>
           </a:p>
@@ -909,7 +997,7 @@
           <a:p>
             <a:fld id="{30854571-07D4-419D-A7ED-CF581251F6FF}" type="datetimeFigureOut">
               <a:rPr lang="en-US" smtClean="0"/>
-              <a:t>8/20/2018</a:t>
+              <a:t>8/21/2018</a:t>
             </a:fld>
             <a:endParaRPr lang="en-US"/>
           </a:p>
@@ -1117,7 +1205,7 @@
           <a:p>
             <a:fld id="{30854571-07D4-419D-A7ED-CF581251F6FF}" type="datetimeFigureOut">
               <a:rPr lang="en-US" smtClean="0"/>
-              <a:t>8/20/2018</a:t>
+              <a:t>8/21/2018</a:t>
             </a:fld>
             <a:endParaRPr lang="en-US"/>
           </a:p>
@@ -1315,7 +1403,7 @@
           <a:p>
             <a:fld id="{30854571-07D4-419D-A7ED-CF581251F6FF}" type="datetimeFigureOut">
               <a:rPr lang="en-US" smtClean="0"/>
-              <a:t>8/20/2018</a:t>
+              <a:t>8/21/2018</a:t>
             </a:fld>
             <a:endParaRPr lang="en-US"/>
           </a:p>
@@ -1590,7 +1678,7 @@
           <a:p>
             <a:fld id="{30854571-07D4-419D-A7ED-CF581251F6FF}" type="datetimeFigureOut">
               <a:rPr lang="en-US" smtClean="0"/>
-              <a:t>8/20/2018</a:t>
+              <a:t>8/21/2018</a:t>
             </a:fld>
             <a:endParaRPr lang="en-US"/>
           </a:p>
@@ -1855,7 +1943,7 @@
           <a:p>
             <a:fld id="{30854571-07D4-419D-A7ED-CF581251F6FF}" type="datetimeFigureOut">
               <a:rPr lang="en-US" smtClean="0"/>
-              <a:t>8/20/2018</a:t>
+              <a:t>8/21/2018</a:t>
             </a:fld>
             <a:endParaRPr lang="en-US"/>
           </a:p>
@@ -2267,7 +2355,7 @@
           <a:p>
             <a:fld id="{30854571-07D4-419D-A7ED-CF581251F6FF}" type="datetimeFigureOut">
               <a:rPr lang="en-US" smtClean="0"/>
-              <a:t>8/20/2018</a:t>
+              <a:t>8/21/2018</a:t>
             </a:fld>
             <a:endParaRPr lang="en-US"/>
           </a:p>
@@ -2408,7 +2496,7 @@
           <a:p>
             <a:fld id="{30854571-07D4-419D-A7ED-CF581251F6FF}" type="datetimeFigureOut">
               <a:rPr lang="en-US" smtClean="0"/>
-              <a:t>8/20/2018</a:t>
+              <a:t>8/21/2018</a:t>
             </a:fld>
             <a:endParaRPr lang="en-US"/>
           </a:p>
@@ -2521,7 +2609,7 @@
           <a:p>
             <a:fld id="{30854571-07D4-419D-A7ED-CF581251F6FF}" type="datetimeFigureOut">
               <a:rPr lang="en-US" smtClean="0"/>
-              <a:t>8/20/2018</a:t>
+              <a:t>8/21/2018</a:t>
             </a:fld>
             <a:endParaRPr lang="en-US"/>
           </a:p>
@@ -2832,7 +2920,7 @@
           <a:p>
             <a:fld id="{30854571-07D4-419D-A7ED-CF581251F6FF}" type="datetimeFigureOut">
               <a:rPr lang="en-US" smtClean="0"/>
-              <a:t>8/20/2018</a:t>
+              <a:t>8/21/2018</a:t>
             </a:fld>
             <a:endParaRPr lang="en-US"/>
           </a:p>
@@ -3120,7 +3208,7 @@
           <a:p>
             <a:fld id="{30854571-07D4-419D-A7ED-CF581251F6FF}" type="datetimeFigureOut">
               <a:rPr lang="en-US" smtClean="0"/>
-              <a:t>8/20/2018</a:t>
+              <a:t>8/21/2018</a:t>
             </a:fld>
             <a:endParaRPr lang="en-US"/>
           </a:p>
@@ -3361,7 +3449,7 @@
           <a:p>
             <a:fld id="{30854571-07D4-419D-A7ED-CF581251F6FF}" type="datetimeFigureOut">
               <a:rPr lang="en-US" smtClean="0"/>
-              <a:t>8/20/2018</a:t>
+              <a:t>8/21/2018</a:t>
             </a:fld>
             <a:endParaRPr lang="en-US"/>
           </a:p>
@@ -3950,84 +4038,188 @@
       </p:grpSpPr>
       <p:sp>
         <p:nvSpPr>
-          <p:cNvPr id="2" name="Title 1">
-            <a:extLst>
-              <a:ext uri="{FF2B5EF4-FFF2-40B4-BE49-F238E27FC236}">
-                <a16:creationId xmlns:a16="http://schemas.microsoft.com/office/drawing/2014/main" id="{2F13DADD-EA7B-4457-9CC8-75A0701EA8AA}"/>
-              </a:ext>
-            </a:extLst>
-          </p:cNvPr>
-          <p:cNvSpPr>
-            <a:spLocks noGrp="1"/>
-          </p:cNvSpPr>
-          <p:nvPr>
-            <p:ph type="title"/>
-          </p:nvPr>
-        </p:nvSpPr>
-        <p:spPr/>
-        <p:txBody>
-          <a:bodyPr/>
+          <p:cNvPr id="2" name="TextBox 1">
+            <a:extLst>
+              <a:ext uri="{FF2B5EF4-FFF2-40B4-BE49-F238E27FC236}">
+                <a16:creationId xmlns:a16="http://schemas.microsoft.com/office/drawing/2014/main" id="{323349BF-52DF-4A53-9070-4573A7A04728}"/>
+              </a:ext>
+            </a:extLst>
+          </p:cNvPr>
+          <p:cNvSpPr txBox="1"/>
+          <p:nvPr/>
+        </p:nvSpPr>
+        <p:spPr>
+          <a:xfrm>
+            <a:off x="564206" y="2855796"/>
+            <a:ext cx="11381361" cy="923330"/>
+          </a:xfrm>
+          <a:prstGeom prst="rect">
+            <a:avLst/>
+          </a:prstGeom>
+          <a:noFill/>
+        </p:spPr>
+        <p:txBody>
+          <a:bodyPr wrap="square" rtlCol="0">
+            <a:spAutoFit/>
+          </a:bodyPr>
           <a:lstStyle/>
           <a:p>
             <a:r>
               <a:rPr lang="en-US" dirty="0"/>
-              <a:t>Further Questions we want to explore</a:t>
-            </a:r>
-          </a:p>
-        </p:txBody>
-      </p:sp>
-      <p:sp>
-        <p:nvSpPr>
-          <p:cNvPr id="3" name="Content Placeholder 2">
-            <a:extLst>
-              <a:ext uri="{FF2B5EF4-FFF2-40B4-BE49-F238E27FC236}">
-                <a16:creationId xmlns:a16="http://schemas.microsoft.com/office/drawing/2014/main" id="{73D87309-5568-4B8F-9BDC-613A97E23CD5}"/>
-              </a:ext>
-            </a:extLst>
-          </p:cNvPr>
-          <p:cNvSpPr>
-            <a:spLocks noGrp="1"/>
-          </p:cNvSpPr>
-          <p:nvPr>
-            <p:ph idx="1"/>
-          </p:nvPr>
-        </p:nvSpPr>
-        <p:spPr/>
-        <p:txBody>
-          <a:bodyPr/>
-          <a:lstStyle/>
+              <a:t>Hypothesis 2:</a:t>
+            </a:r>
+          </a:p>
           <a:p>
             <a:r>
               <a:rPr lang="en-US" dirty="0"/>
-              <a:t>Do weather conditions affect ridership rates?</a:t>
-            </a:r>
-          </a:p>
-          <a:p>
-            <a:pPr lvl="1"/>
+              <a:t>Bike sharing riders use the system differently depending on the day of the week.</a:t>
+            </a:r>
+          </a:p>
+          <a:p>
             <a:r>
               <a:rPr lang="en-US" dirty="0"/>
-              <a:t>In L.A., where weather is relatively steady, it is assumed this has no effect. When viewing weather vs. ridership in NYC, there was a steady </a:t>
-            </a:r>
-            <a:r>
-              <a:rPr lang="en-US" dirty="0" err="1"/>
-              <a:t>dropoff</a:t>
-            </a:r>
+              <a:t>Null hypothesis: Day of the week has no effect on total ridership.</a:t>
+            </a:r>
+          </a:p>
+        </p:txBody>
+      </p:sp>
+      <p:sp>
+        <p:nvSpPr>
+          <p:cNvPr id="3" name="TextBox 2">
+            <a:extLst>
+              <a:ext uri="{FF2B5EF4-FFF2-40B4-BE49-F238E27FC236}">
+                <a16:creationId xmlns:a16="http://schemas.microsoft.com/office/drawing/2014/main" id="{1D91E938-8FD5-4BA7-8A52-2A75007EB978}"/>
+              </a:ext>
+            </a:extLst>
+          </p:cNvPr>
+          <p:cNvSpPr txBox="1"/>
+          <p:nvPr/>
+        </p:nvSpPr>
+        <p:spPr>
+          <a:xfrm>
+            <a:off x="564205" y="4002204"/>
+            <a:ext cx="11381362" cy="923330"/>
+          </a:xfrm>
+          <a:prstGeom prst="rect">
+            <a:avLst/>
+          </a:prstGeom>
+          <a:noFill/>
+        </p:spPr>
+        <p:txBody>
+          <a:bodyPr wrap="square" rtlCol="0">
+            <a:spAutoFit/>
+          </a:bodyPr>
+          <a:lstStyle/>
+          <a:p>
             <a:r>
               <a:rPr lang="en-US" dirty="0"/>
-              <a:t> noted during the winter months</a:t>
+              <a:t>Hypothesis 3:</a:t>
             </a:r>
           </a:p>
           <a:p>
             <a:r>
               <a:rPr lang="en-US" dirty="0"/>
-              <a:t>How does the lack of bike-friendliness/safety for riders in the city affect ridership?</a:t>
-            </a:r>
-          </a:p>
-          <a:p>
-            <a:pPr lvl="1"/>
+              <a:t> Bike sharing riders use the system more during certain times of day (i.e. for commuting).</a:t>
+            </a:r>
+          </a:p>
+          <a:p>
             <a:r>
               <a:rPr lang="en-US" dirty="0"/>
-              <a:t>This could be explored by comparing ridership numbers to ‘more bike safe’ cities</a:t>
+              <a:t>Null hypothesis: Time of day does not affect rate of ridership.</a:t>
+            </a:r>
+          </a:p>
+        </p:txBody>
+      </p:sp>
+      <p:sp>
+        <p:nvSpPr>
+          <p:cNvPr id="4" name="TextBox 3">
+            <a:extLst>
+              <a:ext uri="{FF2B5EF4-FFF2-40B4-BE49-F238E27FC236}">
+                <a16:creationId xmlns:a16="http://schemas.microsoft.com/office/drawing/2014/main" id="{F7DE0AF4-B966-46D8-825B-B4A4631C0D81}"/>
+              </a:ext>
+            </a:extLst>
+          </p:cNvPr>
+          <p:cNvSpPr txBox="1"/>
+          <p:nvPr/>
+        </p:nvSpPr>
+        <p:spPr>
+          <a:xfrm>
+            <a:off x="564205" y="272374"/>
+            <a:ext cx="11245174" cy="1200329"/>
+          </a:xfrm>
+          <a:prstGeom prst="rect">
+            <a:avLst/>
+          </a:prstGeom>
+          <a:noFill/>
+        </p:spPr>
+        <p:txBody>
+          <a:bodyPr wrap="square" rtlCol="0">
+            <a:spAutoFit/>
+          </a:bodyPr>
+          <a:lstStyle/>
+          <a:p>
+            <a:r>
+              <a:rPr lang="en-US"/>
+              <a:t>1. Track daily total usage over time in LA to get started.</a:t>
+            </a:r>
+          </a:p>
+          <a:p>
+            <a:r>
+              <a:rPr lang="en-US"/>
+              <a:t>2. When is the most popular time of day for shared bike usage? Most popular day of the week?</a:t>
+            </a:r>
+          </a:p>
+          <a:p>
+            <a:r>
+              <a:rPr lang="en-US"/>
+              <a:t>3. Does temperature, precipitaiton, or air quality have an impact on number of daily rides?</a:t>
+            </a:r>
+          </a:p>
+          <a:p>
+            <a:r>
+              <a:rPr lang="en-US"/>
+              <a:t>4. Does the type of fare paid affect when bikes are being used?</a:t>
+            </a:r>
+          </a:p>
+        </p:txBody>
+      </p:sp>
+      <p:sp>
+        <p:nvSpPr>
+          <p:cNvPr id="5" name="TextBox 4">
+            <a:extLst>
+              <a:ext uri="{FF2B5EF4-FFF2-40B4-BE49-F238E27FC236}">
+                <a16:creationId xmlns:a16="http://schemas.microsoft.com/office/drawing/2014/main" id="{16C9A724-7A8C-4FFA-A4C6-1121EECACFC8}"/>
+              </a:ext>
+            </a:extLst>
+          </p:cNvPr>
+          <p:cNvSpPr txBox="1"/>
+          <p:nvPr/>
+        </p:nvSpPr>
+        <p:spPr>
+          <a:xfrm>
+            <a:off x="564205" y="1659988"/>
+            <a:ext cx="11013506" cy="646331"/>
+          </a:xfrm>
+          <a:prstGeom prst="rect">
+            <a:avLst/>
+          </a:prstGeom>
+          <a:noFill/>
+        </p:spPr>
+        <p:txBody>
+          <a:bodyPr wrap="square" rtlCol="0">
+            <a:spAutoFit/>
+          </a:bodyPr>
+          <a:lstStyle/>
+          <a:p>
+            <a:r>
+              <a:rPr lang="en-US" dirty="0"/>
+              <a:t>Hypothesis 1: Ridership has increased steadily over time following the opening of business in 2016.</a:t>
+            </a:r>
+          </a:p>
+          <a:p>
+            <a:r>
+              <a:rPr lang="en-US" dirty="0"/>
+              <a:t>Null Hypothesis: Ridership has not shown a steady increase over time.</a:t>
             </a:r>
           </a:p>
         </p:txBody>
@@ -4035,7 +4227,7 @@
     </p:spTree>
     <p:extLst>
       <p:ext uri="{BB962C8B-B14F-4D97-AF65-F5344CB8AC3E}">
-        <p14:creationId xmlns:p14="http://schemas.microsoft.com/office/powerpoint/2010/main" val="192108554"/>
+        <p14:creationId xmlns:p14="http://schemas.microsoft.com/office/powerpoint/2010/main" val="4179177213"/>
       </p:ext>
     </p:extLst>
   </p:cSld>
@@ -4064,6 +4256,120 @@
       </p:grpSpPr>
       <p:sp>
         <p:nvSpPr>
+          <p:cNvPr id="2" name="Title 1">
+            <a:extLst>
+              <a:ext uri="{FF2B5EF4-FFF2-40B4-BE49-F238E27FC236}">
+                <a16:creationId xmlns:a16="http://schemas.microsoft.com/office/drawing/2014/main" id="{2F13DADD-EA7B-4457-9CC8-75A0701EA8AA}"/>
+              </a:ext>
+            </a:extLst>
+          </p:cNvPr>
+          <p:cNvSpPr>
+            <a:spLocks noGrp="1"/>
+          </p:cNvSpPr>
+          <p:nvPr>
+            <p:ph type="title"/>
+          </p:nvPr>
+        </p:nvSpPr>
+        <p:spPr/>
+        <p:txBody>
+          <a:bodyPr/>
+          <a:lstStyle/>
+          <a:p>
+            <a:r>
+              <a:rPr lang="en-US" dirty="0"/>
+              <a:t>Further Questions we want to explore</a:t>
+            </a:r>
+          </a:p>
+        </p:txBody>
+      </p:sp>
+      <p:sp>
+        <p:nvSpPr>
+          <p:cNvPr id="3" name="Content Placeholder 2">
+            <a:extLst>
+              <a:ext uri="{FF2B5EF4-FFF2-40B4-BE49-F238E27FC236}">
+                <a16:creationId xmlns:a16="http://schemas.microsoft.com/office/drawing/2014/main" id="{73D87309-5568-4B8F-9BDC-613A97E23CD5}"/>
+              </a:ext>
+            </a:extLst>
+          </p:cNvPr>
+          <p:cNvSpPr>
+            <a:spLocks noGrp="1"/>
+          </p:cNvSpPr>
+          <p:nvPr>
+            <p:ph idx="1"/>
+          </p:nvPr>
+        </p:nvSpPr>
+        <p:spPr/>
+        <p:txBody>
+          <a:bodyPr/>
+          <a:lstStyle/>
+          <a:p>
+            <a:r>
+              <a:rPr lang="en-US" dirty="0"/>
+              <a:t>Do weather conditions affect ridership rates?</a:t>
+            </a:r>
+          </a:p>
+          <a:p>
+            <a:pPr lvl="1"/>
+            <a:r>
+              <a:rPr lang="en-US" dirty="0"/>
+              <a:t>In L.A., where weather is relatively steady, it is assumed this has no effect. When viewing weather vs. ridership in NYC, there was a steady </a:t>
+            </a:r>
+            <a:r>
+              <a:rPr lang="en-US" dirty="0" err="1"/>
+              <a:t>dropoff</a:t>
+            </a:r>
+            <a:r>
+              <a:rPr lang="en-US" dirty="0"/>
+              <a:t> noted during the winter months</a:t>
+            </a:r>
+          </a:p>
+          <a:p>
+            <a:r>
+              <a:rPr lang="en-US" dirty="0"/>
+              <a:t>How does the lack of bike-friendliness/safety for riders in the city affect ridership?</a:t>
+            </a:r>
+          </a:p>
+          <a:p>
+            <a:pPr lvl="1"/>
+            <a:r>
+              <a:rPr lang="en-US" dirty="0"/>
+              <a:t>This could be explored by comparing ridership numbers to ‘more bike safe’ cities</a:t>
+            </a:r>
+          </a:p>
+        </p:txBody>
+      </p:sp>
+    </p:spTree>
+    <p:extLst>
+      <p:ext uri="{BB962C8B-B14F-4D97-AF65-F5344CB8AC3E}">
+        <p14:creationId xmlns:p14="http://schemas.microsoft.com/office/powerpoint/2010/main" val="192108554"/>
+      </p:ext>
+    </p:extLst>
+  </p:cSld>
+  <p:clrMapOvr>
+    <a:masterClrMapping/>
+  </p:clrMapOvr>
+</p:sld>
+</file>
+
+<file path=ppt/slides/slide12.xml><?xml version="1.0" encoding="utf-8"?>
+<p:sld xmlns:a="http://schemas.openxmlformats.org/drawingml/2006/main" xmlns:r="http://schemas.openxmlformats.org/officeDocument/2006/relationships" xmlns:p="http://schemas.openxmlformats.org/presentationml/2006/main">
+  <p:cSld>
+    <p:spTree>
+      <p:nvGrpSpPr>
+        <p:cNvPr id="1" name=""/>
+        <p:cNvGrpSpPr/>
+        <p:nvPr/>
+      </p:nvGrpSpPr>
+      <p:grpSpPr>
+        <a:xfrm>
+          <a:off x="0" y="0"/>
+          <a:ext cx="0" cy="0"/>
+          <a:chOff x="0" y="0"/>
+          <a:chExt cx="0" cy="0"/>
+        </a:xfrm>
+      </p:grpSpPr>
+      <p:sp>
+        <p:nvSpPr>
           <p:cNvPr id="5" name="Title 4">
             <a:extLst>
               <a:ext uri="{FF2B5EF4-FFF2-40B4-BE49-F238E27FC236}">
@@ -4114,10 +4420,17 @@
           <a:lstStyle/>
           <a:p>
             <a:r>
-              <a:rPr lang="en-US"/>
-              <a:t>Use MetroBike API data to chart the total number of rides per day for 2016</a:t>
-            </a:r>
-            <a:endParaRPr lang="en-US" dirty="0"/>
+              <a:rPr lang="en-US" dirty="0"/>
+              <a:t>Use </a:t>
+            </a:r>
+            <a:r>
+              <a:rPr lang="en-US" dirty="0" err="1"/>
+              <a:t>MetroBike</a:t>
+            </a:r>
+            <a:r>
+              <a:rPr lang="en-US" dirty="0"/>
+              <a:t> data to chart the total number of rides per day for 2016</a:t>
+            </a:r>
           </a:p>
         </p:txBody>
       </p:sp>
@@ -4143,10 +4456,17 @@
           <a:lstStyle/>
           <a:p>
             <a:r>
-              <a:rPr lang="en-US"/>
-              <a:t>Use MetroBike API data to chart the total number of rides per day for 2017</a:t>
-            </a:r>
-            <a:endParaRPr lang="en-US" dirty="0"/>
+              <a:rPr lang="en-US" dirty="0"/>
+              <a:t>Use </a:t>
+            </a:r>
+            <a:r>
+              <a:rPr lang="en-US" dirty="0" err="1"/>
+              <a:t>MetroBike</a:t>
+            </a:r>
+            <a:r>
+              <a:rPr lang="en-US" dirty="0"/>
+              <a:t> data to chart the total number of rides per day for 2017</a:t>
+            </a:r>
           </a:p>
         </p:txBody>
       </p:sp>
@@ -4335,7 +4655,7 @@
           <a:p>
             <a:r>
               <a:rPr lang="en-US" sz="2400" dirty="0"/>
-              <a:t>Has ridership gone evenly up over time?</a:t>
+              <a:t>How has ridership increased over time?</a:t>
             </a:r>
           </a:p>
           <a:p>
@@ -4471,7 +4791,7 @@
           <p:cNvPr id="2" name="Title 1">
             <a:extLst>
               <a:ext uri="{FF2B5EF4-FFF2-40B4-BE49-F238E27FC236}">
-                <a16:creationId xmlns:a16="http://schemas.microsoft.com/office/drawing/2014/main" id="{34C276C5-1E3C-4475-B6E1-40C73A48FE5A}"/>
+                <a16:creationId xmlns:a16="http://schemas.microsoft.com/office/drawing/2014/main" id="{52E16A1A-0E0F-4CEA-90B3-1DC6705090C6}"/>
               </a:ext>
             </a:extLst>
           </p:cNvPr>
@@ -4484,36 +4804,29 @@
         </p:nvSpPr>
         <p:spPr>
           <a:xfrm>
-            <a:off x="838200" y="193113"/>
-            <a:ext cx="10515600" cy="1325563"/>
+            <a:off x="936674" y="198352"/>
+            <a:ext cx="10515600" cy="675884"/>
           </a:xfrm>
         </p:spPr>
         <p:txBody>
           <a:bodyPr>
-            <a:normAutofit/>
+            <a:normAutofit fontScale="90000"/>
           </a:bodyPr>
           <a:lstStyle/>
           <a:p>
             <a:r>
-              <a:rPr lang="en-US" sz="2400" dirty="0"/>
-              <a:t>Hypothesis 1: Ridership has increased steadily over time following the opening of business in 2016.</a:t>
-            </a:r>
-            <a:br>
-              <a:rPr lang="en-US" sz="2400" dirty="0"/>
-            </a:br>
-            <a:r>
-              <a:rPr lang="en-US" sz="2400" dirty="0"/>
-              <a:t>Null Hypothesis: Ridership has not shown a steady increase over time.</a:t>
+              <a:rPr lang="en-US" dirty="0"/>
+              <a:t>Metro Bikeshare Downtown area bike dock map</a:t>
             </a:r>
           </a:p>
         </p:txBody>
       </p:sp>
       <p:pic>
         <p:nvPicPr>
-          <p:cNvPr id="5" name="Content Placeholder 4">
-            <a:extLst>
-              <a:ext uri="{FF2B5EF4-FFF2-40B4-BE49-F238E27FC236}">
-                <a16:creationId xmlns:a16="http://schemas.microsoft.com/office/drawing/2014/main" id="{667667D2-A9F4-4FF4-9B27-7E571920B45F}"/>
+          <p:cNvPr id="7" name="Content Placeholder 6">
+            <a:extLst>
+              <a:ext uri="{FF2B5EF4-FFF2-40B4-BE49-F238E27FC236}">
+                <a16:creationId xmlns:a16="http://schemas.microsoft.com/office/drawing/2014/main" id="{CA05C881-B0B9-4545-82C5-5E54ED2F7148}"/>
               </a:ext>
             </a:extLst>
           </p:cNvPr>
@@ -4534,7 +4847,7 @@
                       <a14:sharpenSoften amount="25000"/>
                     </a14:imgEffect>
                     <a14:imgEffect>
-                      <a14:brightnessContrast contrast="-40000"/>
+                      <a14:brightnessContrast contrast="40000"/>
                     </a14:imgEffect>
                   </a14:imgLayer>
                 </a14:imgProps>
@@ -4550,15 +4863,15 @@
         </p:blipFill>
         <p:spPr>
           <a:xfrm>
-            <a:off x="655320" y="1518676"/>
-            <a:ext cx="10289344" cy="5001700"/>
+            <a:off x="1646580" y="874236"/>
+            <a:ext cx="8898839" cy="5846676"/>
           </a:xfrm>
         </p:spPr>
       </p:pic>
     </p:spTree>
     <p:extLst>
       <p:ext uri="{BB962C8B-B14F-4D97-AF65-F5344CB8AC3E}">
-        <p14:creationId xmlns:p14="http://schemas.microsoft.com/office/powerpoint/2010/main" val="326783521"/>
+        <p14:creationId xmlns:p14="http://schemas.microsoft.com/office/powerpoint/2010/main" val="2726492229"/>
       </p:ext>
     </p:extLst>
   </p:cSld>
@@ -4590,7 +4903,7 @@
           <p:cNvPr id="2" name="Title 1">
             <a:extLst>
               <a:ext uri="{FF2B5EF4-FFF2-40B4-BE49-F238E27FC236}">
-                <a16:creationId xmlns:a16="http://schemas.microsoft.com/office/drawing/2014/main" id="{B7FF9985-FA3A-44EB-81F7-820AAD99B752}"/>
+                <a16:creationId xmlns:a16="http://schemas.microsoft.com/office/drawing/2014/main" id="{34C276C5-1E3C-4475-B6E1-40C73A48FE5A}"/>
               </a:ext>
             </a:extLst>
           </p:cNvPr>
@@ -4603,8 +4916,8 @@
         </p:nvSpPr>
         <p:spPr>
           <a:xfrm>
-            <a:off x="699795" y="211015"/>
-            <a:ext cx="10654005" cy="1095271"/>
+            <a:off x="838200" y="193113"/>
+            <a:ext cx="10515600" cy="1325563"/>
           </a:xfrm>
         </p:spPr>
         <p:txBody>
@@ -4614,25 +4927,25 @@
           <a:lstStyle/>
           <a:p>
             <a:r>
-              <a:rPr lang="en-US" sz="2200" dirty="0"/>
-              <a:t>Hypothesis: Bike sharing riders use the system differently depending on the day of the  week.</a:t>
+              <a:rPr lang="en-US" sz="2400" dirty="0"/>
+              <a:t>Hypothesis 1: Ridership has increased steadily over time following the opening of business in 2016.</a:t>
             </a:r>
             <a:br>
-              <a:rPr lang="en-US" sz="2200" dirty="0"/>
+              <a:rPr lang="en-US" sz="2400" dirty="0"/>
             </a:br>
             <a:r>
-              <a:rPr lang="en-US" sz="2200" dirty="0"/>
-              <a:t>Null hypothesis: Day of the week has no effect on total ridership.</a:t>
+              <a:rPr lang="en-US" sz="2400" dirty="0"/>
+              <a:t>Null Hypothesis: Ridership has not shown a steady increase over time.</a:t>
             </a:r>
           </a:p>
         </p:txBody>
       </p:sp>
       <p:pic>
         <p:nvPicPr>
-          <p:cNvPr id="7" name="Content Placeholder 6">
-            <a:extLst>
-              <a:ext uri="{FF2B5EF4-FFF2-40B4-BE49-F238E27FC236}">
-                <a16:creationId xmlns:a16="http://schemas.microsoft.com/office/drawing/2014/main" id="{22F8AA73-4CD8-4BF2-856B-4B046E4A6BAB}"/>
+          <p:cNvPr id="5" name="Content Placeholder 4">
+            <a:extLst>
+              <a:ext uri="{FF2B5EF4-FFF2-40B4-BE49-F238E27FC236}">
+                <a16:creationId xmlns:a16="http://schemas.microsoft.com/office/drawing/2014/main" id="{667667D2-A9F4-4FF4-9B27-7E571920B45F}"/>
               </a:ext>
             </a:extLst>
           </p:cNvPr>
@@ -4653,7 +4966,7 @@
                       <a14:sharpenSoften amount="25000"/>
                     </a14:imgEffect>
                     <a14:imgEffect>
-                      <a14:brightnessContrast contrast="20000"/>
+                      <a14:brightnessContrast contrast="-40000"/>
                     </a14:imgEffect>
                   </a14:imgLayer>
                 </a14:imgProps>
@@ -4669,15 +4982,15 @@
         </p:blipFill>
         <p:spPr>
           <a:xfrm>
-            <a:off x="699795" y="1306286"/>
-            <a:ext cx="10515599" cy="5437163"/>
+            <a:off x="655320" y="1518676"/>
+            <a:ext cx="10289344" cy="5001700"/>
           </a:xfrm>
         </p:spPr>
       </p:pic>
     </p:spTree>
     <p:extLst>
       <p:ext uri="{BB962C8B-B14F-4D97-AF65-F5344CB8AC3E}">
-        <p14:creationId xmlns:p14="http://schemas.microsoft.com/office/powerpoint/2010/main" val="417455639"/>
+        <p14:creationId xmlns:p14="http://schemas.microsoft.com/office/powerpoint/2010/main" val="326783521"/>
       </p:ext>
     </p:extLst>
   </p:cSld>
@@ -4688,203 +5001,6 @@
 </file>
 
 <file path=ppt/slides/slide5.xml><?xml version="1.0" encoding="utf-8"?>
-<p:sld xmlns:a="http://schemas.openxmlformats.org/drawingml/2006/main" xmlns:r="http://schemas.openxmlformats.org/officeDocument/2006/relationships" xmlns:p="http://schemas.openxmlformats.org/presentationml/2006/main">
-  <p:cSld>
-    <p:spTree>
-      <p:nvGrpSpPr>
-        <p:cNvPr id="1" name=""/>
-        <p:cNvGrpSpPr/>
-        <p:nvPr/>
-      </p:nvGrpSpPr>
-      <p:grpSpPr>
-        <a:xfrm>
-          <a:off x="0" y="0"/>
-          <a:ext cx="0" cy="0"/>
-          <a:chOff x="0" y="0"/>
-          <a:chExt cx="0" cy="0"/>
-        </a:xfrm>
-      </p:grpSpPr>
-      <p:sp>
-        <p:nvSpPr>
-          <p:cNvPr id="2" name="Title 1">
-            <a:extLst>
-              <a:ext uri="{FF2B5EF4-FFF2-40B4-BE49-F238E27FC236}">
-                <a16:creationId xmlns:a16="http://schemas.microsoft.com/office/drawing/2014/main" id="{11F2A09A-ECFF-4D60-8FEF-4A755B6AD3F2}"/>
-              </a:ext>
-            </a:extLst>
-          </p:cNvPr>
-          <p:cNvSpPr>
-            <a:spLocks noGrp="1"/>
-          </p:cNvSpPr>
-          <p:nvPr>
-            <p:ph type="title"/>
-          </p:nvPr>
-        </p:nvSpPr>
-        <p:spPr/>
-        <p:txBody>
-          <a:bodyPr/>
-          <a:lstStyle/>
-          <a:p>
-            <a:r>
-              <a:rPr lang="en-US" dirty="0"/>
-              <a:t>Are more rides purchased through passes or walk-up business?</a:t>
-            </a:r>
-          </a:p>
-        </p:txBody>
-      </p:sp>
-      <p:sp>
-        <p:nvSpPr>
-          <p:cNvPr id="3" name="Content Placeholder 2">
-            <a:extLst>
-              <a:ext uri="{FF2B5EF4-FFF2-40B4-BE49-F238E27FC236}">
-                <a16:creationId xmlns:a16="http://schemas.microsoft.com/office/drawing/2014/main" id="{C2C1558F-92E4-4717-B0F5-E7D0103FB599}"/>
-              </a:ext>
-            </a:extLst>
-          </p:cNvPr>
-          <p:cNvSpPr>
-            <a:spLocks noGrp="1"/>
-          </p:cNvSpPr>
-          <p:nvPr>
-            <p:ph idx="1"/>
-          </p:nvPr>
-        </p:nvSpPr>
-        <p:spPr/>
-        <p:txBody>
-          <a:bodyPr/>
-          <a:lstStyle/>
-          <a:p>
-            <a:endParaRPr lang="en-US" dirty="0"/>
-          </a:p>
-        </p:txBody>
-      </p:sp>
-    </p:spTree>
-    <p:extLst>
-      <p:ext uri="{BB962C8B-B14F-4D97-AF65-F5344CB8AC3E}">
-        <p14:creationId xmlns:p14="http://schemas.microsoft.com/office/powerpoint/2010/main" val="2156547200"/>
-      </p:ext>
-    </p:extLst>
-  </p:cSld>
-  <p:clrMapOvr>
-    <a:masterClrMapping/>
-  </p:clrMapOvr>
-</p:sld>
-</file>
-
-<file path=ppt/slides/slide6.xml><?xml version="1.0" encoding="utf-8"?>
-<p:sld xmlns:a="http://schemas.openxmlformats.org/drawingml/2006/main" xmlns:r="http://schemas.openxmlformats.org/officeDocument/2006/relationships" xmlns:p="http://schemas.openxmlformats.org/presentationml/2006/main">
-  <p:cSld>
-    <p:spTree>
-      <p:nvGrpSpPr>
-        <p:cNvPr id="1" name=""/>
-        <p:cNvGrpSpPr/>
-        <p:nvPr/>
-      </p:nvGrpSpPr>
-      <p:grpSpPr>
-        <a:xfrm>
-          <a:off x="0" y="0"/>
-          <a:ext cx="0" cy="0"/>
-          <a:chOff x="0" y="0"/>
-          <a:chExt cx="0" cy="0"/>
-        </a:xfrm>
-      </p:grpSpPr>
-      <p:sp>
-        <p:nvSpPr>
-          <p:cNvPr id="2" name="Title 1">
-            <a:extLst>
-              <a:ext uri="{FF2B5EF4-FFF2-40B4-BE49-F238E27FC236}">
-                <a16:creationId xmlns:a16="http://schemas.microsoft.com/office/drawing/2014/main" id="{A8D27B8B-2034-4720-8D04-9629CCD481DC}"/>
-              </a:ext>
-            </a:extLst>
-          </p:cNvPr>
-          <p:cNvSpPr>
-            <a:spLocks noGrp="1"/>
-          </p:cNvSpPr>
-          <p:nvPr>
-            <p:ph type="title"/>
-          </p:nvPr>
-        </p:nvSpPr>
-        <p:spPr/>
-        <p:txBody>
-          <a:bodyPr>
-            <a:noAutofit/>
-          </a:bodyPr>
-          <a:lstStyle/>
-          <a:p>
-            <a:r>
-              <a:rPr lang="en-US" sz="2400" dirty="0"/>
-              <a:t>Hypothesis: Bike sharing riders use the system more during certain times of day (i.e. for commuting).</a:t>
-            </a:r>
-            <a:br>
-              <a:rPr lang="en-US" sz="2400" dirty="0"/>
-            </a:br>
-            <a:r>
-              <a:rPr lang="en-US" sz="2400" dirty="0"/>
-              <a:t>Null hypothesis: Time of day does not affect rate of ridership.</a:t>
-            </a:r>
-          </a:p>
-        </p:txBody>
-      </p:sp>
-      <p:pic>
-        <p:nvPicPr>
-          <p:cNvPr id="5" name="Content Placeholder 4">
-            <a:extLst>
-              <a:ext uri="{FF2B5EF4-FFF2-40B4-BE49-F238E27FC236}">
-                <a16:creationId xmlns:a16="http://schemas.microsoft.com/office/drawing/2014/main" id="{98BD8DAC-9B1A-4D0F-BB91-91E4B95F991F}"/>
-              </a:ext>
-            </a:extLst>
-          </p:cNvPr>
-          <p:cNvPicPr>
-            <a:picLocks noGrp="1" noChangeAspect="1"/>
-          </p:cNvPicPr>
-          <p:nvPr>
-            <p:ph idx="1"/>
-          </p:nvPr>
-        </p:nvPicPr>
-        <p:blipFill>
-          <a:blip r:embed="rId2">
-            <a:extLst>
-              <a:ext uri="{BEBA8EAE-BF5A-486C-A8C5-ECC9F3942E4B}">
-                <a14:imgProps xmlns:a14="http://schemas.microsoft.com/office/drawing/2010/main">
-                  <a14:imgLayer r:embed="rId3">
-                    <a14:imgEffect>
-                      <a14:sharpenSoften amount="25000"/>
-                    </a14:imgEffect>
-                    <a14:imgEffect>
-                      <a14:brightnessContrast contrast="20000"/>
-                    </a14:imgEffect>
-                  </a14:imgLayer>
-                </a14:imgProps>
-              </a:ext>
-              <a:ext uri="{28A0092B-C50C-407E-A947-70E740481C1C}">
-                <a14:useLocalDpi xmlns:a14="http://schemas.microsoft.com/office/drawing/2010/main" val="0"/>
-              </a:ext>
-            </a:extLst>
-          </a:blip>
-          <a:stretch>
-            <a:fillRect/>
-          </a:stretch>
-        </p:blipFill>
-        <p:spPr>
-          <a:xfrm>
-            <a:off x="697522" y="1872202"/>
-            <a:ext cx="10078330" cy="5070204"/>
-          </a:xfrm>
-        </p:spPr>
-      </p:pic>
-    </p:spTree>
-    <p:extLst>
-      <p:ext uri="{BB962C8B-B14F-4D97-AF65-F5344CB8AC3E}">
-        <p14:creationId xmlns:p14="http://schemas.microsoft.com/office/powerpoint/2010/main" val="362478161"/>
-      </p:ext>
-    </p:extLst>
-  </p:cSld>
-  <p:clrMapOvr>
-    <a:masterClrMapping/>
-  </p:clrMapOvr>
-</p:sld>
-</file>
-
-<file path=ppt/slides/slide7.xml><?xml version="1.0" encoding="utf-8"?>
 <p:sld xmlns:a="http://schemas.openxmlformats.org/drawingml/2006/main" xmlns:r="http://schemas.openxmlformats.org/officeDocument/2006/relationships" xmlns:p="http://schemas.openxmlformats.org/presentationml/2006/main">
   <p:cSld>
     <p:spTree>
@@ -5054,6 +5170,328 @@
 </p:sld>
 </file>
 
+<file path=ppt/slides/slide6.xml><?xml version="1.0" encoding="utf-8"?>
+<p:sld xmlns:a="http://schemas.openxmlformats.org/drawingml/2006/main" xmlns:r="http://schemas.openxmlformats.org/officeDocument/2006/relationships" xmlns:p="http://schemas.openxmlformats.org/presentationml/2006/main">
+  <p:cSld>
+    <p:spTree>
+      <p:nvGrpSpPr>
+        <p:cNvPr id="1" name=""/>
+        <p:cNvGrpSpPr/>
+        <p:nvPr/>
+      </p:nvGrpSpPr>
+      <p:grpSpPr>
+        <a:xfrm>
+          <a:off x="0" y="0"/>
+          <a:ext cx="0" cy="0"/>
+          <a:chOff x="0" y="0"/>
+          <a:chExt cx="0" cy="0"/>
+        </a:xfrm>
+      </p:grpSpPr>
+      <p:sp>
+        <p:nvSpPr>
+          <p:cNvPr id="2" name="Title 1">
+            <a:extLst>
+              <a:ext uri="{FF2B5EF4-FFF2-40B4-BE49-F238E27FC236}">
+                <a16:creationId xmlns:a16="http://schemas.microsoft.com/office/drawing/2014/main" id="{B7FF9985-FA3A-44EB-81F7-820AAD99B752}"/>
+              </a:ext>
+            </a:extLst>
+          </p:cNvPr>
+          <p:cNvSpPr>
+            <a:spLocks noGrp="1"/>
+          </p:cNvSpPr>
+          <p:nvPr>
+            <p:ph type="title"/>
+          </p:nvPr>
+        </p:nvSpPr>
+        <p:spPr>
+          <a:xfrm>
+            <a:off x="699795" y="211015"/>
+            <a:ext cx="10654005" cy="1095271"/>
+          </a:xfrm>
+        </p:spPr>
+        <p:txBody>
+          <a:bodyPr>
+            <a:normAutofit/>
+          </a:bodyPr>
+          <a:lstStyle/>
+          <a:p>
+            <a:r>
+              <a:rPr lang="en-US" sz="2200" dirty="0"/>
+              <a:t>Hypothesis: Bike sharing riders use the system differently depending on the day of the  week.</a:t>
+            </a:r>
+            <a:br>
+              <a:rPr lang="en-US" sz="2200" dirty="0"/>
+            </a:br>
+            <a:r>
+              <a:rPr lang="en-US" sz="2200" dirty="0"/>
+              <a:t>Null hypothesis: Day of the week has no effect on total ridership.</a:t>
+            </a:r>
+          </a:p>
+        </p:txBody>
+      </p:sp>
+      <p:pic>
+        <p:nvPicPr>
+          <p:cNvPr id="7" name="Content Placeholder 6">
+            <a:extLst>
+              <a:ext uri="{FF2B5EF4-FFF2-40B4-BE49-F238E27FC236}">
+                <a16:creationId xmlns:a16="http://schemas.microsoft.com/office/drawing/2014/main" id="{22F8AA73-4CD8-4BF2-856B-4B046E4A6BAB}"/>
+              </a:ext>
+            </a:extLst>
+          </p:cNvPr>
+          <p:cNvPicPr>
+            <a:picLocks noGrp="1" noChangeAspect="1"/>
+          </p:cNvPicPr>
+          <p:nvPr>
+            <p:ph idx="1"/>
+          </p:nvPr>
+        </p:nvPicPr>
+        <p:blipFill>
+          <a:blip r:embed="rId2">
+            <a:extLst>
+              <a:ext uri="{BEBA8EAE-BF5A-486C-A8C5-ECC9F3942E4B}">
+                <a14:imgProps xmlns:a14="http://schemas.microsoft.com/office/drawing/2010/main">
+                  <a14:imgLayer r:embed="rId3">
+                    <a14:imgEffect>
+                      <a14:sharpenSoften amount="25000"/>
+                    </a14:imgEffect>
+                    <a14:imgEffect>
+                      <a14:brightnessContrast contrast="20000"/>
+                    </a14:imgEffect>
+                  </a14:imgLayer>
+                </a14:imgProps>
+              </a:ext>
+              <a:ext uri="{28A0092B-C50C-407E-A947-70E740481C1C}">
+                <a14:useLocalDpi xmlns:a14="http://schemas.microsoft.com/office/drawing/2010/main" val="0"/>
+              </a:ext>
+            </a:extLst>
+          </a:blip>
+          <a:stretch>
+            <a:fillRect/>
+          </a:stretch>
+        </p:blipFill>
+        <p:spPr>
+          <a:xfrm>
+            <a:off x="699795" y="1306286"/>
+            <a:ext cx="10515599" cy="5437163"/>
+          </a:xfrm>
+        </p:spPr>
+      </p:pic>
+    </p:spTree>
+    <p:extLst>
+      <p:ext uri="{BB962C8B-B14F-4D97-AF65-F5344CB8AC3E}">
+        <p14:creationId xmlns:p14="http://schemas.microsoft.com/office/powerpoint/2010/main" val="417455639"/>
+      </p:ext>
+    </p:extLst>
+  </p:cSld>
+  <p:clrMapOvr>
+    <a:masterClrMapping/>
+  </p:clrMapOvr>
+</p:sld>
+</file>
+
+<file path=ppt/slides/slide7.xml><?xml version="1.0" encoding="utf-8"?>
+<p:sld xmlns:a="http://schemas.openxmlformats.org/drawingml/2006/main" xmlns:r="http://schemas.openxmlformats.org/officeDocument/2006/relationships" xmlns:p="http://schemas.openxmlformats.org/presentationml/2006/main">
+  <p:cSld>
+    <p:spTree>
+      <p:nvGrpSpPr>
+        <p:cNvPr id="1" name=""/>
+        <p:cNvGrpSpPr/>
+        <p:nvPr/>
+      </p:nvGrpSpPr>
+      <p:grpSpPr>
+        <a:xfrm>
+          <a:off x="0" y="0"/>
+          <a:ext cx="0" cy="0"/>
+          <a:chOff x="0" y="0"/>
+          <a:chExt cx="0" cy="0"/>
+        </a:xfrm>
+      </p:grpSpPr>
+      <p:sp>
+        <p:nvSpPr>
+          <p:cNvPr id="2" name="Title 1">
+            <a:extLst>
+              <a:ext uri="{FF2B5EF4-FFF2-40B4-BE49-F238E27FC236}">
+                <a16:creationId xmlns:a16="http://schemas.microsoft.com/office/drawing/2014/main" id="{2DC88050-8777-47D4-97B3-AC32CFD4DBDE}"/>
+              </a:ext>
+            </a:extLst>
+          </p:cNvPr>
+          <p:cNvSpPr>
+            <a:spLocks noGrp="1"/>
+          </p:cNvSpPr>
+          <p:nvPr>
+            <p:ph type="title"/>
+          </p:nvPr>
+        </p:nvSpPr>
+        <p:spPr>
+          <a:xfrm>
+            <a:off x="838200" y="209056"/>
+            <a:ext cx="10515600" cy="1013509"/>
+          </a:xfrm>
+        </p:spPr>
+        <p:txBody>
+          <a:bodyPr>
+            <a:normAutofit/>
+          </a:bodyPr>
+          <a:lstStyle/>
+          <a:p>
+            <a:r>
+              <a:rPr lang="en-US" sz="2800" dirty="0"/>
+              <a:t>Notable trends: Why is there a large spike during October in both 2016 and 2017?</a:t>
+            </a:r>
+          </a:p>
+        </p:txBody>
+      </p:sp>
+      <p:sp>
+        <p:nvSpPr>
+          <p:cNvPr id="6" name="Text Placeholder 5">
+            <a:extLst>
+              <a:ext uri="{FF2B5EF4-FFF2-40B4-BE49-F238E27FC236}">
+                <a16:creationId xmlns:a16="http://schemas.microsoft.com/office/drawing/2014/main" id="{504B4854-AF6E-4A9B-ACD2-4852305F992D}"/>
+              </a:ext>
+            </a:extLst>
+          </p:cNvPr>
+          <p:cNvSpPr>
+            <a:spLocks noGrp="1"/>
+          </p:cNvSpPr>
+          <p:nvPr>
+            <p:ph type="body" idx="4294967295"/>
+          </p:nvPr>
+        </p:nvSpPr>
+        <p:spPr>
+          <a:xfrm>
+            <a:off x="946152" y="1222565"/>
+            <a:ext cx="10515600" cy="880183"/>
+          </a:xfrm>
+        </p:spPr>
+        <p:txBody>
+          <a:bodyPr>
+            <a:normAutofit fontScale="70000" lnSpcReduction="20000"/>
+          </a:bodyPr>
+          <a:lstStyle/>
+          <a:p>
+            <a:r>
+              <a:rPr lang="en-US" dirty="0">
+                <a:hlinkClick r:id="rId2"/>
+              </a:rPr>
+              <a:t>http://www.welikela.com/event/ciclavia-heart-la-10-16-2016/</a:t>
+            </a:r>
+            <a:endParaRPr lang="en-US" dirty="0"/>
+          </a:p>
+          <a:p>
+            <a:r>
+              <a:rPr lang="en-US" dirty="0"/>
+              <a:t>This is an annual event billed as a free street party that restricts road usage to pedestrians and bicycle traffic. Research shows that the festival for 2018 is scheduled for September 30, 2018.</a:t>
+            </a:r>
+          </a:p>
+        </p:txBody>
+      </p:sp>
+      <p:pic>
+        <p:nvPicPr>
+          <p:cNvPr id="11" name="Content Placeholder 10">
+            <a:extLst>
+              <a:ext uri="{FF2B5EF4-FFF2-40B4-BE49-F238E27FC236}">
+                <a16:creationId xmlns:a16="http://schemas.microsoft.com/office/drawing/2014/main" id="{F5A42A68-5E42-4031-B37E-CA3BEDCE3BEE}"/>
+              </a:ext>
+            </a:extLst>
+          </p:cNvPr>
+          <p:cNvPicPr>
+            <a:picLocks noGrp="1" noChangeAspect="1"/>
+          </p:cNvPicPr>
+          <p:nvPr>
+            <p:ph sz="half" idx="4294967295"/>
+          </p:nvPr>
+        </p:nvPicPr>
+        <p:blipFill>
+          <a:blip r:embed="rId3">
+            <a:extLst>
+              <a:ext uri="{BEBA8EAE-BF5A-486C-A8C5-ECC9F3942E4B}">
+                <a14:imgProps xmlns:a14="http://schemas.microsoft.com/office/drawing/2010/main">
+                  <a14:imgLayer r:embed="rId4">
+                    <a14:imgEffect>
+                      <a14:sharpenSoften amount="25000"/>
+                    </a14:imgEffect>
+                    <a14:imgEffect>
+                      <a14:brightnessContrast contrast="20000"/>
+                    </a14:imgEffect>
+                  </a14:imgLayer>
+                </a14:imgProps>
+              </a:ext>
+              <a:ext uri="{28A0092B-C50C-407E-A947-70E740481C1C}">
+                <a14:useLocalDpi xmlns:a14="http://schemas.microsoft.com/office/drawing/2010/main" val="0"/>
+              </a:ext>
+            </a:extLst>
+          </a:blip>
+          <a:stretch>
+            <a:fillRect/>
+          </a:stretch>
+        </p:blipFill>
+        <p:spPr>
+          <a:xfrm>
+            <a:off x="0" y="2080004"/>
+            <a:ext cx="5988050" cy="4121712"/>
+          </a:xfrm>
+        </p:spPr>
+      </p:pic>
+      <p:pic>
+        <p:nvPicPr>
+          <p:cNvPr id="13" name="Content Placeholder 12">
+            <a:extLst>
+              <a:ext uri="{FF2B5EF4-FFF2-40B4-BE49-F238E27FC236}">
+                <a16:creationId xmlns:a16="http://schemas.microsoft.com/office/drawing/2014/main" id="{E945EDCD-D04F-4C7D-8A07-BD5B7F44756E}"/>
+              </a:ext>
+            </a:extLst>
+          </p:cNvPr>
+          <p:cNvPicPr>
+            <a:picLocks noGrp="1" noChangeAspect="1"/>
+          </p:cNvPicPr>
+          <p:nvPr>
+            <p:ph sz="quarter" idx="4294967295"/>
+          </p:nvPr>
+        </p:nvPicPr>
+        <p:blipFill>
+          <a:blip r:embed="rId5">
+            <a:extLst>
+              <a:ext uri="{BEBA8EAE-BF5A-486C-A8C5-ECC9F3942E4B}">
+                <a14:imgProps xmlns:a14="http://schemas.microsoft.com/office/drawing/2010/main">
+                  <a14:imgLayer r:embed="rId6">
+                    <a14:imgEffect>
+                      <a14:sharpenSoften amount="25000"/>
+                    </a14:imgEffect>
+                    <a14:imgEffect>
+                      <a14:brightnessContrast contrast="26000"/>
+                    </a14:imgEffect>
+                  </a14:imgLayer>
+                </a14:imgProps>
+              </a:ext>
+              <a:ext uri="{28A0092B-C50C-407E-A947-70E740481C1C}">
+                <a14:useLocalDpi xmlns:a14="http://schemas.microsoft.com/office/drawing/2010/main" val="0"/>
+              </a:ext>
+            </a:extLst>
+          </a:blip>
+          <a:stretch>
+            <a:fillRect/>
+          </a:stretch>
+        </p:blipFill>
+        <p:spPr>
+          <a:xfrm>
+            <a:off x="6096000" y="2202546"/>
+            <a:ext cx="5988050" cy="3968067"/>
+          </a:xfrm>
+        </p:spPr>
+      </p:pic>
+    </p:spTree>
+    <p:extLst>
+      <p:ext uri="{BB962C8B-B14F-4D97-AF65-F5344CB8AC3E}">
+        <p14:creationId xmlns:p14="http://schemas.microsoft.com/office/powerpoint/2010/main" val="2576917738"/>
+      </p:ext>
+    </p:extLst>
+  </p:cSld>
+  <p:clrMapOvr>
+    <a:masterClrMapping/>
+  </p:clrMapOvr>
+</p:sld>
+</file>
+
 <file path=ppt/slides/slide8.xml><?xml version="1.0" encoding="utf-8"?>
 <p:sld xmlns:a="http://schemas.openxmlformats.org/drawingml/2006/main" xmlns:r="http://schemas.openxmlformats.org/officeDocument/2006/relationships" xmlns:p="http://schemas.openxmlformats.org/presentationml/2006/main">
   <p:cSld>
@@ -5076,7 +5514,7 @@
           <p:cNvPr id="2" name="Title 1">
             <a:extLst>
               <a:ext uri="{FF2B5EF4-FFF2-40B4-BE49-F238E27FC236}">
-                <a16:creationId xmlns:a16="http://schemas.microsoft.com/office/drawing/2014/main" id="{2DC88050-8777-47D4-97B3-AC32CFD4DBDE}"/>
+                <a16:creationId xmlns:a16="http://schemas.microsoft.com/office/drawing/2014/main" id="{A8D27B8B-2034-4720-8D04-9629CCD481DC}"/>
               </a:ext>
             </a:extLst>
           </p:cNvPr>
@@ -5087,66 +5525,33 @@
             <p:ph type="title"/>
           </p:nvPr>
         </p:nvSpPr>
-        <p:spPr>
-          <a:xfrm>
-            <a:off x="838200" y="365125"/>
-            <a:ext cx="10515600" cy="1013509"/>
-          </a:xfrm>
-        </p:spPr>
+        <p:spPr/>
         <p:txBody>
           <a:bodyPr>
-            <a:normAutofit/>
+            <a:noAutofit/>
           </a:bodyPr>
           <a:lstStyle/>
           <a:p>
             <a:r>
-              <a:rPr lang="en-US" sz="2800" dirty="0"/>
-              <a:t>Notable trends: Why is there a large spike during October in both 2016 and 2017?</a:t>
-            </a:r>
-          </a:p>
-        </p:txBody>
-      </p:sp>
-      <p:sp>
-        <p:nvSpPr>
-          <p:cNvPr id="6" name="Text Placeholder 5">
-            <a:extLst>
-              <a:ext uri="{FF2B5EF4-FFF2-40B4-BE49-F238E27FC236}">
-                <a16:creationId xmlns:a16="http://schemas.microsoft.com/office/drawing/2014/main" id="{504B4854-AF6E-4A9B-ACD2-4852305F992D}"/>
-              </a:ext>
-            </a:extLst>
-          </p:cNvPr>
-          <p:cNvSpPr>
-            <a:spLocks noGrp="1"/>
-          </p:cNvSpPr>
-          <p:nvPr>
-            <p:ph type="body" idx="4294967295"/>
-          </p:nvPr>
-        </p:nvSpPr>
-        <p:spPr>
-          <a:xfrm>
-            <a:off x="946150" y="1378634"/>
-            <a:ext cx="10515600" cy="823912"/>
-          </a:xfrm>
-        </p:spPr>
-        <p:txBody>
-          <a:bodyPr>
-            <a:normAutofit/>
-          </a:bodyPr>
-          <a:lstStyle/>
-          <a:p>
-            <a:r>
-              <a:rPr lang="en-US" dirty="0"/>
-              <a:t>http://www.welikela.com/event/ciclavia-heart-la-10-16-2016/</a:t>
+              <a:rPr lang="en-US" sz="2400" dirty="0"/>
+              <a:t>Hypothesis: Bike sharing riders use the system more during certain times of day (i.e. for commuting).</a:t>
+            </a:r>
+            <a:br>
+              <a:rPr lang="en-US" sz="2400" dirty="0"/>
+            </a:br>
+            <a:r>
+              <a:rPr lang="en-US" sz="2400" dirty="0"/>
+              <a:t>Null hypothesis: Time of day does not affect rate of ridership.</a:t>
             </a:r>
           </a:p>
         </p:txBody>
       </p:sp>
       <p:pic>
         <p:nvPicPr>
-          <p:cNvPr id="11" name="Content Placeholder 10">
-            <a:extLst>
-              <a:ext uri="{FF2B5EF4-FFF2-40B4-BE49-F238E27FC236}">
-                <a16:creationId xmlns:a16="http://schemas.microsoft.com/office/drawing/2014/main" id="{F5A42A68-5E42-4031-B37E-CA3BEDCE3BEE}"/>
+          <p:cNvPr id="5" name="Content Placeholder 4">
+            <a:extLst>
+              <a:ext uri="{FF2B5EF4-FFF2-40B4-BE49-F238E27FC236}">
+                <a16:creationId xmlns:a16="http://schemas.microsoft.com/office/drawing/2014/main" id="{98BD8DAC-9B1A-4D0F-BB91-91E4B95F991F}"/>
               </a:ext>
             </a:extLst>
           </p:cNvPr>
@@ -5154,7 +5559,7 @@
             <a:picLocks noGrp="1" noChangeAspect="1"/>
           </p:cNvPicPr>
           <p:nvPr>
-            <p:ph sz="half" idx="4294967295"/>
+            <p:ph idx="1"/>
           </p:nvPr>
         </p:nvPicPr>
         <p:blipFill>
@@ -5183,62 +5588,15 @@
         </p:blipFill>
         <p:spPr>
           <a:xfrm>
-            <a:off x="0" y="2080004"/>
-            <a:ext cx="5988050" cy="4121712"/>
-          </a:xfrm>
-        </p:spPr>
-      </p:pic>
-      <p:pic>
-        <p:nvPicPr>
-          <p:cNvPr id="13" name="Content Placeholder 12">
-            <a:extLst>
-              <a:ext uri="{FF2B5EF4-FFF2-40B4-BE49-F238E27FC236}">
-                <a16:creationId xmlns:a16="http://schemas.microsoft.com/office/drawing/2014/main" id="{E945EDCD-D04F-4C7D-8A07-BD5B7F44756E}"/>
-              </a:ext>
-            </a:extLst>
-          </p:cNvPr>
-          <p:cNvPicPr>
-            <a:picLocks noGrp="1" noChangeAspect="1"/>
-          </p:cNvPicPr>
-          <p:nvPr>
-            <p:ph sz="quarter" idx="4294967295"/>
-          </p:nvPr>
-        </p:nvPicPr>
-        <p:blipFill>
-          <a:blip r:embed="rId4">
-            <a:extLst>
-              <a:ext uri="{BEBA8EAE-BF5A-486C-A8C5-ECC9F3942E4B}">
-                <a14:imgProps xmlns:a14="http://schemas.microsoft.com/office/drawing/2010/main">
-                  <a14:imgLayer r:embed="rId5">
-                    <a14:imgEffect>
-                      <a14:sharpenSoften amount="25000"/>
-                    </a14:imgEffect>
-                    <a14:imgEffect>
-                      <a14:brightnessContrast contrast="26000"/>
-                    </a14:imgEffect>
-                  </a14:imgLayer>
-                </a14:imgProps>
-              </a:ext>
-              <a:ext uri="{28A0092B-C50C-407E-A947-70E740481C1C}">
-                <a14:useLocalDpi xmlns:a14="http://schemas.microsoft.com/office/drawing/2010/main" val="0"/>
-              </a:ext>
-            </a:extLst>
-          </a:blip>
-          <a:stretch>
-            <a:fillRect/>
-          </a:stretch>
-        </p:blipFill>
-        <p:spPr>
-          <a:xfrm>
-            <a:off x="6096000" y="2202546"/>
-            <a:ext cx="5988050" cy="3968067"/>
+            <a:off x="697522" y="1872202"/>
+            <a:ext cx="10078330" cy="5070204"/>
           </a:xfrm>
         </p:spPr>
       </p:pic>
     </p:spTree>
     <p:extLst>
       <p:ext uri="{BB962C8B-B14F-4D97-AF65-F5344CB8AC3E}">
-        <p14:creationId xmlns:p14="http://schemas.microsoft.com/office/powerpoint/2010/main" val="2576917738"/>
+        <p14:creationId xmlns:p14="http://schemas.microsoft.com/office/powerpoint/2010/main" val="362478161"/>
       </p:ext>
     </p:extLst>
   </p:cSld>
@@ -5267,196 +5625,61 @@
       </p:grpSpPr>
       <p:sp>
         <p:nvSpPr>
-          <p:cNvPr id="2" name="TextBox 1">
-            <a:extLst>
-              <a:ext uri="{FF2B5EF4-FFF2-40B4-BE49-F238E27FC236}">
-                <a16:creationId xmlns:a16="http://schemas.microsoft.com/office/drawing/2014/main" id="{323349BF-52DF-4A53-9070-4573A7A04728}"/>
-              </a:ext>
-            </a:extLst>
-          </p:cNvPr>
-          <p:cNvSpPr txBox="1"/>
-          <p:nvPr/>
-        </p:nvSpPr>
-        <p:spPr>
-          <a:xfrm>
-            <a:off x="564206" y="2855796"/>
-            <a:ext cx="11381361" cy="923330"/>
-          </a:xfrm>
-          <a:prstGeom prst="rect">
-            <a:avLst/>
-          </a:prstGeom>
-          <a:noFill/>
-        </p:spPr>
-        <p:txBody>
-          <a:bodyPr wrap="square" rtlCol="0">
-            <a:spAutoFit/>
-          </a:bodyPr>
+          <p:cNvPr id="2" name="Title 1">
+            <a:extLst>
+              <a:ext uri="{FF2B5EF4-FFF2-40B4-BE49-F238E27FC236}">
+                <a16:creationId xmlns:a16="http://schemas.microsoft.com/office/drawing/2014/main" id="{11F2A09A-ECFF-4D60-8FEF-4A755B6AD3F2}"/>
+              </a:ext>
+            </a:extLst>
+          </p:cNvPr>
+          <p:cNvSpPr>
+            <a:spLocks noGrp="1"/>
+          </p:cNvSpPr>
+          <p:nvPr>
+            <p:ph type="title"/>
+          </p:nvPr>
+        </p:nvSpPr>
+        <p:spPr/>
+        <p:txBody>
+          <a:bodyPr/>
           <a:lstStyle/>
           <a:p>
             <a:r>
               <a:rPr lang="en-US" dirty="0"/>
-              <a:t>Hypothesis 2:</a:t>
-            </a:r>
-          </a:p>
-          <a:p>
-            <a:r>
-              <a:rPr lang="en-US" dirty="0"/>
-              <a:t>Bike sharing riders use the system differently depending on the day of the week.</a:t>
-            </a:r>
-          </a:p>
-          <a:p>
-            <a:r>
-              <a:rPr lang="en-US" dirty="0"/>
-              <a:t>Null hypothesis: Day of the week has no effect on total ridership.</a:t>
-            </a:r>
-          </a:p>
-        </p:txBody>
-      </p:sp>
-      <p:sp>
-        <p:nvSpPr>
-          <p:cNvPr id="3" name="TextBox 2">
-            <a:extLst>
-              <a:ext uri="{FF2B5EF4-FFF2-40B4-BE49-F238E27FC236}">
-                <a16:creationId xmlns:a16="http://schemas.microsoft.com/office/drawing/2014/main" id="{1D91E938-8FD5-4BA7-8A52-2A75007EB978}"/>
-              </a:ext>
-            </a:extLst>
-          </p:cNvPr>
-          <p:cNvSpPr txBox="1"/>
-          <p:nvPr/>
-        </p:nvSpPr>
-        <p:spPr>
-          <a:xfrm>
-            <a:off x="564205" y="4002204"/>
-            <a:ext cx="11381362" cy="923330"/>
-          </a:xfrm>
-          <a:prstGeom prst="rect">
-            <a:avLst/>
-          </a:prstGeom>
-          <a:noFill/>
-        </p:spPr>
-        <p:txBody>
-          <a:bodyPr wrap="square" rtlCol="0">
-            <a:spAutoFit/>
-          </a:bodyPr>
-          <a:lstStyle/>
-          <a:p>
-            <a:r>
-              <a:rPr lang="en-US" dirty="0"/>
-              <a:t>Hypothesis 3:</a:t>
-            </a:r>
-          </a:p>
-          <a:p>
-            <a:r>
-              <a:rPr lang="en-US" dirty="0"/>
-              <a:t> Bike sharing riders use the system more during certain times of day (i.e. for commuting).</a:t>
-            </a:r>
-          </a:p>
-          <a:p>
-            <a:r>
-              <a:rPr lang="en-US" dirty="0"/>
-              <a:t>Null hypothesis: Time of day does not affect rate of ridership.</a:t>
-            </a:r>
-          </a:p>
-        </p:txBody>
-      </p:sp>
-      <p:sp>
-        <p:nvSpPr>
-          <p:cNvPr id="4" name="TextBox 3">
-            <a:extLst>
-              <a:ext uri="{FF2B5EF4-FFF2-40B4-BE49-F238E27FC236}">
-                <a16:creationId xmlns:a16="http://schemas.microsoft.com/office/drawing/2014/main" id="{F7DE0AF4-B966-46D8-825B-B4A4631C0D81}"/>
-              </a:ext>
-            </a:extLst>
-          </p:cNvPr>
-          <p:cNvSpPr txBox="1"/>
-          <p:nvPr/>
-        </p:nvSpPr>
-        <p:spPr>
-          <a:xfrm>
-            <a:off x="564205" y="272374"/>
-            <a:ext cx="11245174" cy="1200329"/>
-          </a:xfrm>
-          <a:prstGeom prst="rect">
-            <a:avLst/>
-          </a:prstGeom>
-          <a:noFill/>
-        </p:spPr>
-        <p:txBody>
-          <a:bodyPr wrap="square" rtlCol="0">
-            <a:spAutoFit/>
-          </a:bodyPr>
-          <a:lstStyle/>
-          <a:p>
-            <a:r>
-              <a:rPr lang="en-US"/>
-              <a:t>1. Track daily total usage over time in LA to get started.</a:t>
-            </a:r>
-          </a:p>
-          <a:p>
-            <a:r>
-              <a:rPr lang="en-US"/>
-              <a:t>2. When is the most popular time of day for shared bike usage? Most popular day of the week?</a:t>
-            </a:r>
-          </a:p>
-          <a:p>
-            <a:r>
-              <a:rPr lang="en-US"/>
-              <a:t>3. Does temperature, precipitaiton, or air quality have an impact on number of daily rides?</a:t>
-            </a:r>
-          </a:p>
-          <a:p>
-            <a:r>
-              <a:rPr lang="en-US"/>
-              <a:t>4. Does the type of fare paid affect when bikes are being used?</a:t>
-            </a:r>
-          </a:p>
-        </p:txBody>
-      </p:sp>
-      <p:sp>
-        <p:nvSpPr>
-          <p:cNvPr id="5" name="TextBox 4">
-            <a:extLst>
-              <a:ext uri="{FF2B5EF4-FFF2-40B4-BE49-F238E27FC236}">
-                <a16:creationId xmlns:a16="http://schemas.microsoft.com/office/drawing/2014/main" id="{16C9A724-7A8C-4FFA-A4C6-1121EECACFC8}"/>
-              </a:ext>
-            </a:extLst>
-          </p:cNvPr>
-          <p:cNvSpPr txBox="1"/>
-          <p:nvPr/>
-        </p:nvSpPr>
-        <p:spPr>
-          <a:xfrm>
-            <a:off x="564205" y="1659988"/>
-            <a:ext cx="11013506" cy="646331"/>
-          </a:xfrm>
-          <a:prstGeom prst="rect">
-            <a:avLst/>
-          </a:prstGeom>
-          <a:noFill/>
-        </p:spPr>
-        <p:txBody>
-          <a:bodyPr wrap="square" rtlCol="0">
-            <a:spAutoFit/>
-          </a:bodyPr>
-          <a:lstStyle/>
-          <a:p>
-            <a:r>
-              <a:rPr lang="en-US" dirty="0"/>
-              <a:t>Hypothesis 1: Ridership has increased steadily over time following the opening of business in 2016.</a:t>
-            </a:r>
-          </a:p>
-          <a:p>
-            <a:r>
-              <a:rPr lang="en-US" dirty="0"/>
-              <a:t>Null Hypothesis: Ridership has not shown a steady increase over time.</a:t>
-            </a:r>
+              <a:t>Are more rides purchased through passes or walk-up business?</a:t>
+            </a:r>
+          </a:p>
+        </p:txBody>
+      </p:sp>
+      <p:sp>
+        <p:nvSpPr>
+          <p:cNvPr id="3" name="Content Placeholder 2">
+            <a:extLst>
+              <a:ext uri="{FF2B5EF4-FFF2-40B4-BE49-F238E27FC236}">
+                <a16:creationId xmlns:a16="http://schemas.microsoft.com/office/drawing/2014/main" id="{C2C1558F-92E4-4717-B0F5-E7D0103FB599}"/>
+              </a:ext>
+            </a:extLst>
+          </p:cNvPr>
+          <p:cNvSpPr>
+            <a:spLocks noGrp="1"/>
+          </p:cNvSpPr>
+          <p:nvPr>
+            <p:ph idx="1"/>
+          </p:nvPr>
+        </p:nvSpPr>
+        <p:spPr/>
+        <p:txBody>
+          <a:bodyPr/>
+          <a:lstStyle/>
+          <a:p>
+            <a:endParaRPr lang="en-US" dirty="0"/>
           </a:p>
         </p:txBody>
       </p:sp>
     </p:spTree>
     <p:extLst>
       <p:ext uri="{BB962C8B-B14F-4D97-AF65-F5344CB8AC3E}">
-        <p14:creationId xmlns:p14="http://schemas.microsoft.com/office/powerpoint/2010/main" val="4179177213"/>
+        <p14:creationId xmlns:p14="http://schemas.microsoft.com/office/powerpoint/2010/main" val="2156547200"/>
       </p:ext>
     </p:extLst>
   </p:cSld>

--- a/If We Ran a Bike Sharing Company.pptx
+++ b/If We Ran a Bike Sharing Company.pptx
@@ -12,13 +12,13 @@
     <p:sldId id="258" r:id="rId3"/>
     <p:sldId id="267" r:id="rId4"/>
     <p:sldId id="261" r:id="rId5"/>
-    <p:sldId id="265" r:id="rId6"/>
-    <p:sldId id="259" r:id="rId7"/>
-    <p:sldId id="266" r:id="rId8"/>
-    <p:sldId id="263" r:id="rId9"/>
+    <p:sldId id="259" r:id="rId6"/>
+    <p:sldId id="266" r:id="rId7"/>
+    <p:sldId id="263" r:id="rId8"/>
+    <p:sldId id="265" r:id="rId9"/>
     <p:sldId id="262" r:id="rId10"/>
-    <p:sldId id="257" r:id="rId11"/>
-    <p:sldId id="264" r:id="rId12"/>
+    <p:sldId id="264" r:id="rId11"/>
+    <p:sldId id="257" r:id="rId12"/>
     <p:sldId id="260" r:id="rId13"/>
   </p:sldIdLst>
   <p:sldSz cx="12192000" cy="6858000"/>
@@ -543,7 +543,7 @@
           <a:p>
             <a:fld id="{2A26A812-FE51-474B-AFD0-254289DE170D}" type="slidenum">
               <a:rPr lang="en-US" smtClean="0"/>
-              <a:t>10</a:t>
+              <a:t>11</a:t>
             </a:fld>
             <a:endParaRPr lang="en-US"/>
           </a:p>
@@ -4038,196 +4038,122 @@
       </p:grpSpPr>
       <p:sp>
         <p:nvSpPr>
-          <p:cNvPr id="2" name="TextBox 1">
-            <a:extLst>
-              <a:ext uri="{FF2B5EF4-FFF2-40B4-BE49-F238E27FC236}">
-                <a16:creationId xmlns:a16="http://schemas.microsoft.com/office/drawing/2014/main" id="{323349BF-52DF-4A53-9070-4573A7A04728}"/>
-              </a:ext>
-            </a:extLst>
-          </p:cNvPr>
-          <p:cNvSpPr txBox="1"/>
-          <p:nvPr/>
+          <p:cNvPr id="2" name="Title 1">
+            <a:extLst>
+              <a:ext uri="{FF2B5EF4-FFF2-40B4-BE49-F238E27FC236}">
+                <a16:creationId xmlns:a16="http://schemas.microsoft.com/office/drawing/2014/main" id="{2F13DADD-EA7B-4457-9CC8-75A0701EA8AA}"/>
+              </a:ext>
+            </a:extLst>
+          </p:cNvPr>
+          <p:cNvSpPr>
+            <a:spLocks noGrp="1"/>
+          </p:cNvSpPr>
+          <p:nvPr>
+            <p:ph type="title"/>
+          </p:nvPr>
         </p:nvSpPr>
         <p:spPr>
           <a:xfrm>
-            <a:off x="564206" y="2855796"/>
-            <a:ext cx="11381361" cy="923330"/>
+            <a:off x="1400907" y="130795"/>
+            <a:ext cx="8966982" cy="811739"/>
           </a:xfrm>
-          <a:prstGeom prst="rect">
-            <a:avLst/>
-          </a:prstGeom>
-          <a:noFill/>
         </p:spPr>
         <p:txBody>
-          <a:bodyPr wrap="square" rtlCol="0">
-            <a:spAutoFit/>
-          </a:bodyPr>
-          <a:lstStyle/>
-          <a:p>
+          <a:bodyPr/>
+          <a:lstStyle/>
+          <a:p>
+            <a:pPr algn="ctr"/>
             <a:r>
               <a:rPr lang="en-US" dirty="0"/>
-              <a:t>Hypothesis 2:</a:t>
-            </a:r>
-          </a:p>
-          <a:p>
-            <a:r>
-              <a:rPr lang="en-US" dirty="0"/>
-              <a:t>Bike sharing riders use the system differently depending on the day of the week.</a:t>
-            </a:r>
-          </a:p>
-          <a:p>
-            <a:r>
-              <a:rPr lang="en-US" dirty="0"/>
-              <a:t>Null hypothesis: Day of the week has no effect on total ridership.</a:t>
-            </a:r>
-          </a:p>
-        </p:txBody>
-      </p:sp>
-      <p:sp>
-        <p:nvSpPr>
-          <p:cNvPr id="3" name="TextBox 2">
-            <a:extLst>
-              <a:ext uri="{FF2B5EF4-FFF2-40B4-BE49-F238E27FC236}">
-                <a16:creationId xmlns:a16="http://schemas.microsoft.com/office/drawing/2014/main" id="{1D91E938-8FD5-4BA7-8A52-2A75007EB978}"/>
-              </a:ext>
-            </a:extLst>
-          </p:cNvPr>
-          <p:cNvSpPr txBox="1"/>
-          <p:nvPr/>
+              <a:t>Further Questions to Explore</a:t>
+            </a:r>
+          </a:p>
+        </p:txBody>
+      </p:sp>
+      <p:sp>
+        <p:nvSpPr>
+          <p:cNvPr id="3" name="Content Placeholder 2">
+            <a:extLst>
+              <a:ext uri="{FF2B5EF4-FFF2-40B4-BE49-F238E27FC236}">
+                <a16:creationId xmlns:a16="http://schemas.microsoft.com/office/drawing/2014/main" id="{73D87309-5568-4B8F-9BDC-613A97E23CD5}"/>
+              </a:ext>
+            </a:extLst>
+          </p:cNvPr>
+          <p:cNvSpPr>
+            <a:spLocks noGrp="1"/>
+          </p:cNvSpPr>
+          <p:nvPr>
+            <p:ph idx="1"/>
+          </p:nvPr>
         </p:nvSpPr>
         <p:spPr>
           <a:xfrm>
-            <a:off x="564205" y="4002204"/>
-            <a:ext cx="11381362" cy="923330"/>
+            <a:off x="391551" y="942534"/>
+            <a:ext cx="11408898" cy="5767755"/>
           </a:xfrm>
-          <a:prstGeom prst="rect">
-            <a:avLst/>
-          </a:prstGeom>
-          <a:noFill/>
         </p:spPr>
         <p:txBody>
-          <a:bodyPr wrap="square" rtlCol="0">
-            <a:spAutoFit/>
-          </a:bodyPr>
+          <a:bodyPr/>
           <a:lstStyle/>
           <a:p>
             <a:r>
               <a:rPr lang="en-US" dirty="0"/>
-              <a:t>Hypothesis 3:</a:t>
-            </a:r>
-          </a:p>
-          <a:p>
+              <a:t>Do weather conditions affect ridership rates?</a:t>
+            </a:r>
+          </a:p>
+          <a:p>
+            <a:pPr lvl="1"/>
             <a:r>
               <a:rPr lang="en-US" dirty="0"/>
-              <a:t> Bike sharing riders use the system more during certain times of day (i.e. for commuting).</a:t>
+              <a:t>In L.A., where weather is relatively steady, it was hard to determine if this had an effect. When viewing weather vs. ridership in NYC, there was a plummet during the winter months. Slight declines were noted in our LA data with less of a decline in 2017-2018 than in 2016-2017? Was this due to a milder winter or a longer running program?</a:t>
             </a:r>
           </a:p>
           <a:p>
             <a:r>
               <a:rPr lang="en-US" dirty="0"/>
-              <a:t>Null hypothesis: Time of day does not affect rate of ridership.</a:t>
-            </a:r>
-          </a:p>
-        </p:txBody>
-      </p:sp>
-      <p:sp>
-        <p:nvSpPr>
-          <p:cNvPr id="4" name="TextBox 3">
-            <a:extLst>
-              <a:ext uri="{FF2B5EF4-FFF2-40B4-BE49-F238E27FC236}">
-                <a16:creationId xmlns:a16="http://schemas.microsoft.com/office/drawing/2014/main" id="{F7DE0AF4-B966-46D8-825B-B4A4631C0D81}"/>
-              </a:ext>
-            </a:extLst>
-          </p:cNvPr>
-          <p:cNvSpPr txBox="1"/>
-          <p:nvPr/>
-        </p:nvSpPr>
-        <p:spPr>
-          <a:xfrm>
-            <a:off x="564205" y="272374"/>
-            <a:ext cx="11245174" cy="1200329"/>
-          </a:xfrm>
-          <a:prstGeom prst="rect">
-            <a:avLst/>
-          </a:prstGeom>
-          <a:noFill/>
-        </p:spPr>
-        <p:txBody>
-          <a:bodyPr wrap="square" rtlCol="0">
-            <a:spAutoFit/>
-          </a:bodyPr>
-          <a:lstStyle/>
-          <a:p>
-            <a:r>
-              <a:rPr lang="en-US"/>
-              <a:t>1. Track daily total usage over time in LA to get started.</a:t>
-            </a:r>
-          </a:p>
-          <a:p>
-            <a:r>
-              <a:rPr lang="en-US"/>
-              <a:t>2. When is the most popular time of day for shared bike usage? Most popular day of the week?</a:t>
-            </a:r>
-          </a:p>
-          <a:p>
-            <a:r>
-              <a:rPr lang="en-US"/>
-              <a:t>3. Does temperature, precipitaiton, or air quality have an impact on number of daily rides?</a:t>
-            </a:r>
-          </a:p>
-          <a:p>
-            <a:r>
-              <a:rPr lang="en-US"/>
-              <a:t>4. Does the type of fare paid affect when bikes are being used?</a:t>
-            </a:r>
-          </a:p>
-        </p:txBody>
-      </p:sp>
-      <p:sp>
-        <p:nvSpPr>
-          <p:cNvPr id="5" name="TextBox 4">
-            <a:extLst>
-              <a:ext uri="{FF2B5EF4-FFF2-40B4-BE49-F238E27FC236}">
-                <a16:creationId xmlns:a16="http://schemas.microsoft.com/office/drawing/2014/main" id="{16C9A724-7A8C-4FFA-A4C6-1121EECACFC8}"/>
-              </a:ext>
-            </a:extLst>
-          </p:cNvPr>
-          <p:cNvSpPr txBox="1"/>
-          <p:nvPr/>
-        </p:nvSpPr>
-        <p:spPr>
-          <a:xfrm>
-            <a:off x="564205" y="1659988"/>
-            <a:ext cx="11013506" cy="646331"/>
-          </a:xfrm>
-          <a:prstGeom prst="rect">
-            <a:avLst/>
-          </a:prstGeom>
-          <a:noFill/>
-        </p:spPr>
-        <p:txBody>
-          <a:bodyPr wrap="square" rtlCol="0">
-            <a:spAutoFit/>
-          </a:bodyPr>
-          <a:lstStyle/>
-          <a:p>
+              <a:t>How does the lack of bike-friendliness/safety for riders in the city affect ridership?</a:t>
+            </a:r>
+          </a:p>
+          <a:p>
+            <a:pPr lvl="1"/>
             <a:r>
               <a:rPr lang="en-US" dirty="0"/>
-              <a:t>Hypothesis 1: Ridership has increased steadily over time following the opening of business in 2016.</a:t>
+              <a:t>This could be explored by comparing ridership numbers to ‘more bike safe’ cities.</a:t>
             </a:r>
           </a:p>
           <a:p>
             <a:r>
               <a:rPr lang="en-US" dirty="0"/>
-              <a:t>Null Hypothesis: Ridership has not shown a steady increase over time.</a:t>
-            </a:r>
+              <a:t>How does tourism affect ridership? </a:t>
+            </a:r>
+            <a:endParaRPr lang="en-US" sz="2400" dirty="0"/>
+          </a:p>
+          <a:p>
+            <a:pPr lvl="1"/>
+            <a:r>
+              <a:rPr lang="en-US" dirty="0"/>
+              <a:t>With more time, we would like to study the effect of tourism seasons and usage by station location to determine how much of the spike in afternoon ridership is attributable to self guided tourism. </a:t>
+            </a:r>
+          </a:p>
+          <a:p>
+            <a:pPr lvl="1"/>
+            <a:endParaRPr lang="en-US" dirty="0"/>
+          </a:p>
+          <a:p>
+            <a:endParaRPr lang="en-US" dirty="0"/>
+          </a:p>
+          <a:p>
+            <a:pPr marL="0" indent="0">
+              <a:buNone/>
+            </a:pPr>
+            <a:endParaRPr lang="en-US" dirty="0"/>
           </a:p>
         </p:txBody>
       </p:sp>
     </p:spTree>
     <p:extLst>
       <p:ext uri="{BB962C8B-B14F-4D97-AF65-F5344CB8AC3E}">
-        <p14:creationId xmlns:p14="http://schemas.microsoft.com/office/powerpoint/2010/main" val="4179177213"/>
+        <p14:creationId xmlns:p14="http://schemas.microsoft.com/office/powerpoint/2010/main" val="192108554"/>
       </p:ext>
     </p:extLst>
   </p:cSld>
@@ -4256,84 +4182,188 @@
       </p:grpSpPr>
       <p:sp>
         <p:nvSpPr>
-          <p:cNvPr id="2" name="Title 1">
-            <a:extLst>
-              <a:ext uri="{FF2B5EF4-FFF2-40B4-BE49-F238E27FC236}">
-                <a16:creationId xmlns:a16="http://schemas.microsoft.com/office/drawing/2014/main" id="{2F13DADD-EA7B-4457-9CC8-75A0701EA8AA}"/>
-              </a:ext>
-            </a:extLst>
-          </p:cNvPr>
-          <p:cNvSpPr>
-            <a:spLocks noGrp="1"/>
-          </p:cNvSpPr>
-          <p:nvPr>
-            <p:ph type="title"/>
-          </p:nvPr>
-        </p:nvSpPr>
-        <p:spPr/>
-        <p:txBody>
-          <a:bodyPr/>
+          <p:cNvPr id="2" name="TextBox 1">
+            <a:extLst>
+              <a:ext uri="{FF2B5EF4-FFF2-40B4-BE49-F238E27FC236}">
+                <a16:creationId xmlns:a16="http://schemas.microsoft.com/office/drawing/2014/main" id="{323349BF-52DF-4A53-9070-4573A7A04728}"/>
+              </a:ext>
+            </a:extLst>
+          </p:cNvPr>
+          <p:cNvSpPr txBox="1"/>
+          <p:nvPr/>
+        </p:nvSpPr>
+        <p:spPr>
+          <a:xfrm>
+            <a:off x="564206" y="2855796"/>
+            <a:ext cx="11381361" cy="923330"/>
+          </a:xfrm>
+          <a:prstGeom prst="rect">
+            <a:avLst/>
+          </a:prstGeom>
+          <a:noFill/>
+        </p:spPr>
+        <p:txBody>
+          <a:bodyPr wrap="square" rtlCol="0">
+            <a:spAutoFit/>
+          </a:bodyPr>
           <a:lstStyle/>
           <a:p>
             <a:r>
               <a:rPr lang="en-US" dirty="0"/>
-              <a:t>Further Questions we want to explore</a:t>
-            </a:r>
-          </a:p>
-        </p:txBody>
-      </p:sp>
-      <p:sp>
-        <p:nvSpPr>
-          <p:cNvPr id="3" name="Content Placeholder 2">
-            <a:extLst>
-              <a:ext uri="{FF2B5EF4-FFF2-40B4-BE49-F238E27FC236}">
-                <a16:creationId xmlns:a16="http://schemas.microsoft.com/office/drawing/2014/main" id="{73D87309-5568-4B8F-9BDC-613A97E23CD5}"/>
-              </a:ext>
-            </a:extLst>
-          </p:cNvPr>
-          <p:cNvSpPr>
-            <a:spLocks noGrp="1"/>
-          </p:cNvSpPr>
-          <p:nvPr>
-            <p:ph idx="1"/>
-          </p:nvPr>
-        </p:nvSpPr>
-        <p:spPr/>
-        <p:txBody>
-          <a:bodyPr/>
-          <a:lstStyle/>
+              <a:t>Hypothesis 2:</a:t>
+            </a:r>
+          </a:p>
           <a:p>
             <a:r>
               <a:rPr lang="en-US" dirty="0"/>
-              <a:t>Do weather conditions affect ridership rates?</a:t>
-            </a:r>
-          </a:p>
-          <a:p>
-            <a:pPr lvl="1"/>
+              <a:t>Bike sharing riders use the system differently depending on the day of the week.</a:t>
+            </a:r>
+          </a:p>
+          <a:p>
             <a:r>
               <a:rPr lang="en-US" dirty="0"/>
-              <a:t>In L.A., where weather is relatively steady, it is assumed this has no effect. When viewing weather vs. ridership in NYC, there was a steady </a:t>
-            </a:r>
-            <a:r>
-              <a:rPr lang="en-US" dirty="0" err="1"/>
-              <a:t>dropoff</a:t>
-            </a:r>
+              <a:t>Null hypothesis: Day of the week has no effect on total ridership.</a:t>
+            </a:r>
+          </a:p>
+        </p:txBody>
+      </p:sp>
+      <p:sp>
+        <p:nvSpPr>
+          <p:cNvPr id="3" name="TextBox 2">
+            <a:extLst>
+              <a:ext uri="{FF2B5EF4-FFF2-40B4-BE49-F238E27FC236}">
+                <a16:creationId xmlns:a16="http://schemas.microsoft.com/office/drawing/2014/main" id="{1D91E938-8FD5-4BA7-8A52-2A75007EB978}"/>
+              </a:ext>
+            </a:extLst>
+          </p:cNvPr>
+          <p:cNvSpPr txBox="1"/>
+          <p:nvPr/>
+        </p:nvSpPr>
+        <p:spPr>
+          <a:xfrm>
+            <a:off x="564205" y="4002204"/>
+            <a:ext cx="11381362" cy="923330"/>
+          </a:xfrm>
+          <a:prstGeom prst="rect">
+            <a:avLst/>
+          </a:prstGeom>
+          <a:noFill/>
+        </p:spPr>
+        <p:txBody>
+          <a:bodyPr wrap="square" rtlCol="0">
+            <a:spAutoFit/>
+          </a:bodyPr>
+          <a:lstStyle/>
+          <a:p>
             <a:r>
               <a:rPr lang="en-US" dirty="0"/>
-              <a:t> noted during the winter months</a:t>
+              <a:t>Hypothesis 3:</a:t>
             </a:r>
           </a:p>
           <a:p>
             <a:r>
               <a:rPr lang="en-US" dirty="0"/>
-              <a:t>How does the lack of bike-friendliness/safety for riders in the city affect ridership?</a:t>
-            </a:r>
-          </a:p>
-          <a:p>
-            <a:pPr lvl="1"/>
+              <a:t> Bike sharing riders use the system more during certain times of day (i.e. for commuting).</a:t>
+            </a:r>
+          </a:p>
+          <a:p>
             <a:r>
               <a:rPr lang="en-US" dirty="0"/>
-              <a:t>This could be explored by comparing ridership numbers to ‘more bike safe’ cities</a:t>
+              <a:t>Null hypothesis: Time of day does not affect rate of ridership.</a:t>
+            </a:r>
+          </a:p>
+        </p:txBody>
+      </p:sp>
+      <p:sp>
+        <p:nvSpPr>
+          <p:cNvPr id="4" name="TextBox 3">
+            <a:extLst>
+              <a:ext uri="{FF2B5EF4-FFF2-40B4-BE49-F238E27FC236}">
+                <a16:creationId xmlns:a16="http://schemas.microsoft.com/office/drawing/2014/main" id="{F7DE0AF4-B966-46D8-825B-B4A4631C0D81}"/>
+              </a:ext>
+            </a:extLst>
+          </p:cNvPr>
+          <p:cNvSpPr txBox="1"/>
+          <p:nvPr/>
+        </p:nvSpPr>
+        <p:spPr>
+          <a:xfrm>
+            <a:off x="564205" y="272374"/>
+            <a:ext cx="11245174" cy="1200329"/>
+          </a:xfrm>
+          <a:prstGeom prst="rect">
+            <a:avLst/>
+          </a:prstGeom>
+          <a:noFill/>
+        </p:spPr>
+        <p:txBody>
+          <a:bodyPr wrap="square" rtlCol="0">
+            <a:spAutoFit/>
+          </a:bodyPr>
+          <a:lstStyle/>
+          <a:p>
+            <a:r>
+              <a:rPr lang="en-US"/>
+              <a:t>1. Track daily total usage over time in LA to get started.</a:t>
+            </a:r>
+          </a:p>
+          <a:p>
+            <a:r>
+              <a:rPr lang="en-US"/>
+              <a:t>2. When is the most popular time of day for shared bike usage? Most popular day of the week?</a:t>
+            </a:r>
+          </a:p>
+          <a:p>
+            <a:r>
+              <a:rPr lang="en-US"/>
+              <a:t>3. Does temperature, precipitaiton, or air quality have an impact on number of daily rides?</a:t>
+            </a:r>
+          </a:p>
+          <a:p>
+            <a:r>
+              <a:rPr lang="en-US"/>
+              <a:t>4. Does the type of fare paid affect when bikes are being used?</a:t>
+            </a:r>
+          </a:p>
+        </p:txBody>
+      </p:sp>
+      <p:sp>
+        <p:nvSpPr>
+          <p:cNvPr id="5" name="TextBox 4">
+            <a:extLst>
+              <a:ext uri="{FF2B5EF4-FFF2-40B4-BE49-F238E27FC236}">
+                <a16:creationId xmlns:a16="http://schemas.microsoft.com/office/drawing/2014/main" id="{16C9A724-7A8C-4FFA-A4C6-1121EECACFC8}"/>
+              </a:ext>
+            </a:extLst>
+          </p:cNvPr>
+          <p:cNvSpPr txBox="1"/>
+          <p:nvPr/>
+        </p:nvSpPr>
+        <p:spPr>
+          <a:xfrm>
+            <a:off x="564205" y="1659988"/>
+            <a:ext cx="11013506" cy="646331"/>
+          </a:xfrm>
+          <a:prstGeom prst="rect">
+            <a:avLst/>
+          </a:prstGeom>
+          <a:noFill/>
+        </p:spPr>
+        <p:txBody>
+          <a:bodyPr wrap="square" rtlCol="0">
+            <a:spAutoFit/>
+          </a:bodyPr>
+          <a:lstStyle/>
+          <a:p>
+            <a:r>
+              <a:rPr lang="en-US" dirty="0"/>
+              <a:t>Hypothesis 1: Ridership has increased steadily over time following the opening of business in 2016.</a:t>
+            </a:r>
+          </a:p>
+          <a:p>
+            <a:r>
+              <a:rPr lang="en-US" dirty="0"/>
+              <a:t>Null Hypothesis: Ridership has not shown a steady increase over time.</a:t>
             </a:r>
           </a:p>
         </p:txBody>
@@ -4341,7 +4371,7 @@
     </p:spTree>
     <p:extLst>
       <p:ext uri="{BB962C8B-B14F-4D97-AF65-F5344CB8AC3E}">
-        <p14:creationId xmlns:p14="http://schemas.microsoft.com/office/powerpoint/2010/main" val="192108554"/>
+        <p14:creationId xmlns:p14="http://schemas.microsoft.com/office/powerpoint/2010/main" val="4179177213"/>
       </p:ext>
     </p:extLst>
   </p:cSld>
@@ -4640,7 +4670,7 @@
         </p:spPr>
         <p:txBody>
           <a:bodyPr>
-            <a:normAutofit lnSpcReduction="10000"/>
+            <a:normAutofit fontScale="92500" lnSpcReduction="10000"/>
           </a:bodyPr>
           <a:lstStyle/>
           <a:p>
@@ -4667,19 +4697,13 @@
           <a:p>
             <a:r>
               <a:rPr lang="en-US" sz="2400" dirty="0"/>
-              <a:t>Type of rides (passes or walk-up)</a:t>
+              <a:t>What part of the day sees the most rides? </a:t>
             </a:r>
           </a:p>
           <a:p>
             <a:r>
               <a:rPr lang="en-US" sz="2400" dirty="0"/>
-              <a:t> What part of the day sees the most rides? </a:t>
-            </a:r>
-          </a:p>
-          <a:p>
-            <a:r>
-              <a:rPr lang="en-US" sz="2400" dirty="0"/>
-              <a:t>Do weather conditions reduce ridership? </a:t>
+              <a:t>Do weather conditions or air quality affect ridership? </a:t>
             </a:r>
           </a:p>
           <a:p>
@@ -4687,6 +4711,15 @@
               <a:rPr lang="en-US" sz="2400" dirty="0"/>
               <a:t>How does this compare to longer established program in NYC?</a:t>
             </a:r>
+          </a:p>
+          <a:p>
+            <a:r>
+              <a:rPr lang="en-US" sz="2400" dirty="0"/>
+              <a:t>What types of rides (passes or walk-up) are used the most?</a:t>
+            </a:r>
+          </a:p>
+          <a:p>
+            <a:endParaRPr lang="en-US" sz="2400" dirty="0"/>
           </a:p>
         </p:txBody>
       </p:sp>
@@ -4719,7 +4752,7 @@
         </p:spPr>
         <p:txBody>
           <a:bodyPr>
-            <a:normAutofit lnSpcReduction="10000"/>
+            <a:normAutofit fontScale="92500" lnSpcReduction="10000"/>
           </a:bodyPr>
           <a:lstStyle/>
           <a:p>
@@ -4737,21 +4770,29 @@
             </a:r>
           </a:p>
           <a:p>
-            <a:endParaRPr lang="en-US" dirty="0"/>
-          </a:p>
-          <a:p>
             <a:r>
               <a:rPr lang="en-US" dirty="0"/>
-              <a:t>Analyze the ridership in relationship to weather conditions</a:t>
-            </a:r>
-          </a:p>
-          <a:p>
-            <a:endParaRPr lang="en-US" dirty="0"/>
-          </a:p>
-          <a:p>
+              <a:t>Acquired data from data.gov and the </a:t>
+            </a:r>
+            <a:r>
+              <a:rPr lang="en-US" dirty="0" err="1"/>
+              <a:t>MetroBike</a:t>
+            </a:r>
             <a:r>
               <a:rPr lang="en-US" dirty="0"/>
-              <a:t>***Did we find what we were looking for?*****</a:t>
+              <a:t> website data page, which required standardizing data formats.</a:t>
+            </a:r>
+          </a:p>
+          <a:p>
+            <a:r>
+              <a:rPr lang="en-US" dirty="0"/>
+              <a:t>Intended to analyze the ridership numbers in relationship to weather conditions, but only had time for general seasonal trends. We were unable to acquire data for air quality conditions. </a:t>
+            </a:r>
+          </a:p>
+          <a:p>
+            <a:r>
+              <a:rPr lang="en-US" dirty="0"/>
+              <a:t>Overall, we determined that we have more questions now than when we began this project. </a:t>
             </a:r>
           </a:p>
         </p:txBody>
@@ -4799,13 +4840,13 @@
             <a:spLocks noGrp="1"/>
           </p:cNvSpPr>
           <p:nvPr>
-            <p:ph type="title"/>
+            <p:ph type="title" idx="4294967295"/>
           </p:nvPr>
         </p:nvSpPr>
         <p:spPr>
           <a:xfrm>
-            <a:off x="936674" y="198352"/>
-            <a:ext cx="10515600" cy="675884"/>
+            <a:off x="0" y="198438"/>
+            <a:ext cx="6641607" cy="1194264"/>
           </a:xfrm>
         </p:spPr>
         <p:txBody>
@@ -4816,7 +4857,7 @@
           <a:p>
             <a:r>
               <a:rPr lang="en-US" dirty="0"/>
-              <a:t>Metro Bikeshare Downtown area bike dock map</a:t>
+              <a:t>Metro Bikeshare area bike dock maps</a:t>
             </a:r>
           </a:p>
         </p:txBody>
@@ -4834,7 +4875,7 @@
             <a:picLocks noGrp="1" noChangeAspect="1"/>
           </p:cNvPicPr>
           <p:nvPr>
-            <p:ph idx="1"/>
+            <p:ph idx="4294967295"/>
           </p:nvPr>
         </p:nvPicPr>
         <p:blipFill>
@@ -4863,11 +4904,212 @@
         </p:blipFill>
         <p:spPr>
           <a:xfrm>
-            <a:off x="1646580" y="874236"/>
-            <a:ext cx="8898839" cy="5846676"/>
+            <a:off x="163925" y="2247962"/>
+            <a:ext cx="6313756" cy="4149958"/>
           </a:xfrm>
         </p:spPr>
       </p:pic>
+      <p:pic>
+        <p:nvPicPr>
+          <p:cNvPr id="4" name="Picture 3">
+            <a:extLst>
+              <a:ext uri="{FF2B5EF4-FFF2-40B4-BE49-F238E27FC236}">
+                <a16:creationId xmlns:a16="http://schemas.microsoft.com/office/drawing/2014/main" id="{E5515F36-8BD3-4E39-96D8-24EDE7B88461}"/>
+              </a:ext>
+            </a:extLst>
+          </p:cNvPr>
+          <p:cNvPicPr>
+            <a:picLocks noChangeAspect="1"/>
+          </p:cNvPicPr>
+          <p:nvPr/>
+        </p:nvPicPr>
+        <p:blipFill>
+          <a:blip r:embed="rId4">
+            <a:extLst>
+              <a:ext uri="{BEBA8EAE-BF5A-486C-A8C5-ECC9F3942E4B}">
+                <a14:imgProps xmlns:a14="http://schemas.microsoft.com/office/drawing/2010/main">
+                  <a14:imgLayer r:embed="rId5">
+                    <a14:imgEffect>
+                      <a14:sharpenSoften amount="35000"/>
+                    </a14:imgEffect>
+                    <a14:imgEffect>
+                      <a14:brightnessContrast bright="4000" contrast="25000"/>
+                    </a14:imgEffect>
+                  </a14:imgLayer>
+                </a14:imgProps>
+              </a:ext>
+              <a:ext uri="{28A0092B-C50C-407E-A947-70E740481C1C}">
+                <a14:useLocalDpi xmlns:a14="http://schemas.microsoft.com/office/drawing/2010/main" val="0"/>
+              </a:ext>
+            </a:extLst>
+          </a:blip>
+          <a:stretch>
+            <a:fillRect/>
+          </a:stretch>
+        </p:blipFill>
+        <p:spPr>
+          <a:xfrm>
+            <a:off x="8310025" y="3644942"/>
+            <a:ext cx="3881976" cy="3213058"/>
+          </a:xfrm>
+          <a:prstGeom prst="rect">
+            <a:avLst/>
+          </a:prstGeom>
+        </p:spPr>
+      </p:pic>
+      <p:pic>
+        <p:nvPicPr>
+          <p:cNvPr id="6" name="Picture 5">
+            <a:extLst>
+              <a:ext uri="{FF2B5EF4-FFF2-40B4-BE49-F238E27FC236}">
+                <a16:creationId xmlns:a16="http://schemas.microsoft.com/office/drawing/2014/main" id="{A643BE67-3166-46A4-9081-6D4F77351A56}"/>
+              </a:ext>
+            </a:extLst>
+          </p:cNvPr>
+          <p:cNvPicPr>
+            <a:picLocks noChangeAspect="1"/>
+          </p:cNvPicPr>
+          <p:nvPr/>
+        </p:nvPicPr>
+        <p:blipFill>
+          <a:blip r:embed="rId6">
+            <a:extLst>
+              <a:ext uri="{BEBA8EAE-BF5A-486C-A8C5-ECC9F3942E4B}">
+                <a14:imgProps xmlns:a14="http://schemas.microsoft.com/office/drawing/2010/main">
+                  <a14:imgLayer r:embed="rId7">
+                    <a14:imgEffect>
+                      <a14:sharpenSoften amount="25000"/>
+                    </a14:imgEffect>
+                    <a14:imgEffect>
+                      <a14:brightnessContrast bright="9000" contrast="25000"/>
+                    </a14:imgEffect>
+                  </a14:imgLayer>
+                </a14:imgProps>
+              </a:ext>
+              <a:ext uri="{28A0092B-C50C-407E-A947-70E740481C1C}">
+                <a14:useLocalDpi xmlns:a14="http://schemas.microsoft.com/office/drawing/2010/main" val="0"/>
+              </a:ext>
+            </a:extLst>
+          </a:blip>
+          <a:stretch>
+            <a:fillRect/>
+          </a:stretch>
+        </p:blipFill>
+        <p:spPr>
+          <a:xfrm>
+            <a:off x="8310025" y="-1"/>
+            <a:ext cx="3718050" cy="3583735"/>
+          </a:xfrm>
+          <a:prstGeom prst="rect">
+            <a:avLst/>
+          </a:prstGeom>
+        </p:spPr>
+      </p:pic>
+      <p:sp>
+        <p:nvSpPr>
+          <p:cNvPr id="9" name="TextBox 8">
+            <a:extLst>
+              <a:ext uri="{FF2B5EF4-FFF2-40B4-BE49-F238E27FC236}">
+                <a16:creationId xmlns:a16="http://schemas.microsoft.com/office/drawing/2014/main" id="{01CC3F03-A97C-436D-B214-B77AFF216DCC}"/>
+              </a:ext>
+            </a:extLst>
+          </p:cNvPr>
+          <p:cNvSpPr txBox="1"/>
+          <p:nvPr/>
+        </p:nvSpPr>
+        <p:spPr>
+          <a:xfrm>
+            <a:off x="163925" y="1791867"/>
+            <a:ext cx="3718050" cy="369332"/>
+          </a:xfrm>
+          <a:prstGeom prst="rect">
+            <a:avLst/>
+          </a:prstGeom>
+          <a:noFill/>
+        </p:spPr>
+        <p:txBody>
+          <a:bodyPr wrap="square" rtlCol="0">
+            <a:spAutoFit/>
+          </a:bodyPr>
+          <a:lstStyle/>
+          <a:p>
+            <a:r>
+              <a:rPr lang="en-US" dirty="0"/>
+              <a:t>Downtown Los Angeles</a:t>
+            </a:r>
+          </a:p>
+        </p:txBody>
+      </p:sp>
+      <p:sp>
+        <p:nvSpPr>
+          <p:cNvPr id="10" name="TextBox 9">
+            <a:extLst>
+              <a:ext uri="{FF2B5EF4-FFF2-40B4-BE49-F238E27FC236}">
+                <a16:creationId xmlns:a16="http://schemas.microsoft.com/office/drawing/2014/main" id="{50B8DD33-1C48-47ED-8E73-DD50826E53A5}"/>
+              </a:ext>
+            </a:extLst>
+          </p:cNvPr>
+          <p:cNvSpPr txBox="1"/>
+          <p:nvPr/>
+        </p:nvSpPr>
+        <p:spPr>
+          <a:xfrm>
+            <a:off x="6641607" y="1088571"/>
+            <a:ext cx="1668418" cy="923330"/>
+          </a:xfrm>
+          <a:prstGeom prst="rect">
+            <a:avLst/>
+          </a:prstGeom>
+          <a:noFill/>
+        </p:spPr>
+        <p:txBody>
+          <a:bodyPr wrap="square" rtlCol="0">
+            <a:spAutoFit/>
+          </a:bodyPr>
+          <a:lstStyle/>
+          <a:p>
+            <a:r>
+              <a:rPr lang="en-US" dirty="0"/>
+              <a:t>Santa Monica and Venice Beach</a:t>
+            </a:r>
+          </a:p>
+        </p:txBody>
+      </p:sp>
+      <p:sp>
+        <p:nvSpPr>
+          <p:cNvPr id="11" name="TextBox 10">
+            <a:extLst>
+              <a:ext uri="{FF2B5EF4-FFF2-40B4-BE49-F238E27FC236}">
+                <a16:creationId xmlns:a16="http://schemas.microsoft.com/office/drawing/2014/main" id="{1BBAC46B-0E25-4811-8B60-B4B3230E056D}"/>
+              </a:ext>
+            </a:extLst>
+          </p:cNvPr>
+          <p:cNvSpPr txBox="1"/>
+          <p:nvPr/>
+        </p:nvSpPr>
+        <p:spPr>
+          <a:xfrm>
+            <a:off x="6821714" y="4180114"/>
+            <a:ext cx="1306286" cy="646331"/>
+          </a:xfrm>
+          <a:prstGeom prst="rect">
+            <a:avLst/>
+          </a:prstGeom>
+          <a:noFill/>
+        </p:spPr>
+        <p:txBody>
+          <a:bodyPr wrap="square" rtlCol="0">
+            <a:spAutoFit/>
+          </a:bodyPr>
+          <a:lstStyle/>
+          <a:p>
+            <a:r>
+              <a:rPr lang="en-US" dirty="0"/>
+              <a:t>Coast/ Port area</a:t>
+            </a:r>
+          </a:p>
+        </p:txBody>
+      </p:sp>
     </p:spTree>
     <p:extLst>
       <p:ext uri="{BB962C8B-B14F-4D97-AF65-F5344CB8AC3E}">
@@ -5022,7 +5264,7 @@
           <p:cNvPr id="2" name="Title 1">
             <a:extLst>
               <a:ext uri="{FF2B5EF4-FFF2-40B4-BE49-F238E27FC236}">
-                <a16:creationId xmlns:a16="http://schemas.microsoft.com/office/drawing/2014/main" id="{49927416-5A7C-45D6-89D8-1EC4F48EBC95}"/>
+                <a16:creationId xmlns:a16="http://schemas.microsoft.com/office/drawing/2014/main" id="{B7FF9985-FA3A-44EB-81F7-820AAD99B752}"/>
               </a:ext>
             </a:extLst>
           </p:cNvPr>
@@ -5035,50 +5277,8 @@
         </p:nvSpPr>
         <p:spPr>
           <a:xfrm>
-            <a:off x="838200" y="365126"/>
-            <a:ext cx="10515600" cy="915034"/>
-          </a:xfrm>
-        </p:spPr>
-        <p:txBody>
-          <a:bodyPr>
-            <a:normAutofit fontScale="90000"/>
-          </a:bodyPr>
-          <a:lstStyle/>
-          <a:p>
-            <a:r>
-              <a:rPr lang="en-US" sz="2400" dirty="0"/>
-              <a:t>Hypothesis: Weather conditions affect ridership, i.e. cold or rain/snow decrease usage.</a:t>
-            </a:r>
-            <a:br>
-              <a:rPr lang="en-US" sz="2400" dirty="0"/>
-            </a:br>
-            <a:r>
-              <a:rPr lang="en-US" sz="2400" dirty="0"/>
-              <a:t>Null Hypothesis: Weather does not affect usage of bike sharing.</a:t>
-            </a:r>
-          </a:p>
-        </p:txBody>
-      </p:sp>
-      <p:sp>
-        <p:nvSpPr>
-          <p:cNvPr id="3" name="Content Placeholder 2">
-            <a:extLst>
-              <a:ext uri="{FF2B5EF4-FFF2-40B4-BE49-F238E27FC236}">
-                <a16:creationId xmlns:a16="http://schemas.microsoft.com/office/drawing/2014/main" id="{20ADD5C2-366F-4F52-BA74-2503FD3D284B}"/>
-              </a:ext>
-            </a:extLst>
-          </p:cNvPr>
-          <p:cNvSpPr>
-            <a:spLocks noGrp="1"/>
-          </p:cNvSpPr>
-          <p:nvPr>
-            <p:ph idx="1"/>
-          </p:nvPr>
-        </p:nvSpPr>
-        <p:spPr>
-          <a:xfrm>
-            <a:off x="725659" y="1404228"/>
-            <a:ext cx="10515600" cy="5088646"/>
+            <a:off x="699795" y="211015"/>
+            <a:ext cx="10654005" cy="1095271"/>
           </a:xfrm>
         </p:spPr>
         <p:txBody>
@@ -5088,40 +5288,37 @@
           <a:lstStyle/>
           <a:p>
             <a:r>
-              <a:rPr lang="en-US" sz="1800" dirty="0"/>
-              <a:t>We analyzed data from the </a:t>
-            </a:r>
-            <a:r>
-              <a:rPr lang="en-US" sz="1800" dirty="0" err="1"/>
-              <a:t>CitiBike</a:t>
-            </a:r>
-            <a:r>
-              <a:rPr lang="en-US" sz="1800" dirty="0"/>
-              <a:t> program in New York City that has been running for more than a decade, with the assumption that relatively steady weather conditions in Los Angeles are less likely to affect ridership than the harsh winter conditions in New York. </a:t>
-            </a:r>
-          </a:p>
-          <a:p>
-            <a:endParaRPr lang="en-US" sz="2000" dirty="0"/>
+              <a:rPr lang="en-US" sz="2200" dirty="0"/>
+              <a:t>Hypothesis: Bike sharing riders use the system differently depending on the day of the  week.</a:t>
+            </a:r>
+            <a:br>
+              <a:rPr lang="en-US" sz="2200" dirty="0"/>
+            </a:br>
+            <a:r>
+              <a:rPr lang="en-US" sz="2200" dirty="0"/>
+              <a:t>Null hypothesis: Day of the week has no effect on total ridership.</a:t>
+            </a:r>
           </a:p>
         </p:txBody>
       </p:sp>
       <p:pic>
         <p:nvPicPr>
-          <p:cNvPr id="5" name="Picture 4">
-            <a:extLst>
-              <a:ext uri="{FF2B5EF4-FFF2-40B4-BE49-F238E27FC236}">
-                <a16:creationId xmlns:a16="http://schemas.microsoft.com/office/drawing/2014/main" id="{38FF4C04-4171-47E4-8BDF-2E004FB7564F}"/>
+          <p:cNvPr id="7" name="Content Placeholder 6">
+            <a:extLst>
+              <a:ext uri="{FF2B5EF4-FFF2-40B4-BE49-F238E27FC236}">
+                <a16:creationId xmlns:a16="http://schemas.microsoft.com/office/drawing/2014/main" id="{22F8AA73-4CD8-4BF2-856B-4B046E4A6BAB}"/>
               </a:ext>
             </a:extLst>
           </p:cNvPr>
           <p:cNvPicPr>
-            <a:picLocks noChangeAspect="1"/>
+            <a:picLocks noGrp="1" noChangeAspect="1"/>
           </p:cNvPicPr>
-          <p:nvPr/>
+          <p:nvPr>
+            <p:ph idx="1"/>
+          </p:nvPr>
         </p:nvPicPr>
         <p:blipFill>
           <a:blip r:embed="rId2">
-            <a:grayscl/>
             <a:extLst>
               <a:ext uri="{BEBA8EAE-BF5A-486C-A8C5-ECC9F3942E4B}">
                 <a14:imgProps xmlns:a14="http://schemas.microsoft.com/office/drawing/2010/main">
@@ -5130,10 +5327,7 @@
                       <a14:sharpenSoften amount="25000"/>
                     </a14:imgEffect>
                     <a14:imgEffect>
-                      <a14:saturation sat="200000"/>
-                    </a14:imgEffect>
-                    <a14:imgEffect>
-                      <a14:brightnessContrast contrast="-40000"/>
+                      <a14:brightnessContrast contrast="20000"/>
                     </a14:imgEffect>
                   </a14:imgLayer>
                 </a14:imgProps>
@@ -5149,18 +5343,15 @@
         </p:blipFill>
         <p:spPr>
           <a:xfrm>
-            <a:off x="1631853" y="2335237"/>
-            <a:ext cx="7923896" cy="4418064"/>
+            <a:off x="699795" y="1306286"/>
+            <a:ext cx="10515599" cy="5437163"/>
           </a:xfrm>
-          <a:prstGeom prst="rect">
-            <a:avLst/>
-          </a:prstGeom>
         </p:spPr>
       </p:pic>
     </p:spTree>
     <p:extLst>
       <p:ext uri="{BB962C8B-B14F-4D97-AF65-F5344CB8AC3E}">
-        <p14:creationId xmlns:p14="http://schemas.microsoft.com/office/powerpoint/2010/main" val="4237760704"/>
+        <p14:creationId xmlns:p14="http://schemas.microsoft.com/office/powerpoint/2010/main" val="417455639"/>
       </p:ext>
     </p:extLst>
   </p:cSld>
@@ -5192,7 +5383,7 @@
           <p:cNvPr id="2" name="Title 1">
             <a:extLst>
               <a:ext uri="{FF2B5EF4-FFF2-40B4-BE49-F238E27FC236}">
-                <a16:creationId xmlns:a16="http://schemas.microsoft.com/office/drawing/2014/main" id="{B7FF9985-FA3A-44EB-81F7-820AAD99B752}"/>
+                <a16:creationId xmlns:a16="http://schemas.microsoft.com/office/drawing/2014/main" id="{2DC88050-8777-47D4-97B3-AC32CFD4DBDE}"/>
               </a:ext>
             </a:extLst>
           </p:cNvPr>
@@ -5205,8 +5396,8 @@
         </p:nvSpPr>
         <p:spPr>
           <a:xfrm>
-            <a:off x="699795" y="211015"/>
-            <a:ext cx="10654005" cy="1095271"/>
+            <a:off x="838200" y="209056"/>
+            <a:ext cx="10515600" cy="1013509"/>
           </a:xfrm>
         </p:spPr>
         <p:txBody>
@@ -5216,25 +5407,62 @@
           <a:lstStyle/>
           <a:p>
             <a:r>
-              <a:rPr lang="en-US" sz="2200" dirty="0"/>
-              <a:t>Hypothesis: Bike sharing riders use the system differently depending on the day of the  week.</a:t>
-            </a:r>
-            <a:br>
-              <a:rPr lang="en-US" sz="2200" dirty="0"/>
-            </a:br>
-            <a:r>
-              <a:rPr lang="en-US" sz="2200" dirty="0"/>
-              <a:t>Null hypothesis: Day of the week has no effect on total ridership.</a:t>
+              <a:rPr lang="en-US" sz="2800" dirty="0"/>
+              <a:t>Notable trends: Why is there a large spike during October in both 2016 and 2017?</a:t>
+            </a:r>
+          </a:p>
+        </p:txBody>
+      </p:sp>
+      <p:sp>
+        <p:nvSpPr>
+          <p:cNvPr id="6" name="Text Placeholder 5">
+            <a:extLst>
+              <a:ext uri="{FF2B5EF4-FFF2-40B4-BE49-F238E27FC236}">
+                <a16:creationId xmlns:a16="http://schemas.microsoft.com/office/drawing/2014/main" id="{504B4854-AF6E-4A9B-ACD2-4852305F992D}"/>
+              </a:ext>
+            </a:extLst>
+          </p:cNvPr>
+          <p:cNvSpPr>
+            <a:spLocks noGrp="1"/>
+          </p:cNvSpPr>
+          <p:nvPr>
+            <p:ph type="body" idx="4294967295"/>
+          </p:nvPr>
+        </p:nvSpPr>
+        <p:spPr>
+          <a:xfrm>
+            <a:off x="946152" y="1222565"/>
+            <a:ext cx="10515600" cy="880183"/>
+          </a:xfrm>
+        </p:spPr>
+        <p:txBody>
+          <a:bodyPr>
+            <a:normAutofit fontScale="70000" lnSpcReduction="20000"/>
+          </a:bodyPr>
+          <a:lstStyle/>
+          <a:p>
+            <a:r>
+              <a:rPr lang="en-US" dirty="0">
+                <a:hlinkClick r:id="rId2"/>
+              </a:rPr>
+              <a:t>http://www.welikela.com/event/ciclavia-heart-la-10-16-2016/</a:t>
+            </a:r>
+            <a:endParaRPr lang="en-US" dirty="0"/>
+          </a:p>
+          <a:p>
+            <a:r>
+              <a:rPr lang="en-US" dirty="0"/>
+              <a:t>This is an annual event billed as a free street party that restricts road usage to pedestrians and bicycle traffic. Research shows that the festival for 2018 is scheduled for September 30, 2018.</a:t>
             </a:r>
           </a:p>
         </p:txBody>
       </p:sp>
       <p:pic>
         <p:nvPicPr>
-          <p:cNvPr id="7" name="Content Placeholder 6">
-            <a:extLst>
-              <a:ext uri="{FF2B5EF4-FFF2-40B4-BE49-F238E27FC236}">
-                <a16:creationId xmlns:a16="http://schemas.microsoft.com/office/drawing/2014/main" id="{22F8AA73-4CD8-4BF2-856B-4B046E4A6BAB}"/>
+          <p:cNvPr id="11" name="Content Placeholder 10">
+            <a:extLst>
+              <a:ext uri="{FF2B5EF4-FFF2-40B4-BE49-F238E27FC236}">
+                <a16:creationId xmlns:a16="http://schemas.microsoft.com/office/drawing/2014/main" id="{F5A42A68-5E42-4031-B37E-CA3BEDCE3BEE}"/>
               </a:ext>
             </a:extLst>
           </p:cNvPr>
@@ -5242,15 +5470,15 @@
             <a:picLocks noGrp="1" noChangeAspect="1"/>
           </p:cNvPicPr>
           <p:nvPr>
-            <p:ph idx="1"/>
+            <p:ph sz="half" idx="4294967295"/>
           </p:nvPr>
         </p:nvPicPr>
         <p:blipFill>
-          <a:blip r:embed="rId2">
+          <a:blip r:embed="rId3">
             <a:extLst>
               <a:ext uri="{BEBA8EAE-BF5A-486C-A8C5-ECC9F3942E4B}">
                 <a14:imgProps xmlns:a14="http://schemas.microsoft.com/office/drawing/2010/main">
-                  <a14:imgLayer r:embed="rId3">
+                  <a14:imgLayer r:embed="rId4">
                     <a14:imgEffect>
                       <a14:sharpenSoften amount="25000"/>
                     </a14:imgEffect>
@@ -5271,15 +5499,62 @@
         </p:blipFill>
         <p:spPr>
           <a:xfrm>
-            <a:off x="699795" y="1306286"/>
-            <a:ext cx="10515599" cy="5437163"/>
+            <a:off x="0" y="2080004"/>
+            <a:ext cx="5988050" cy="4121712"/>
+          </a:xfrm>
+        </p:spPr>
+      </p:pic>
+      <p:pic>
+        <p:nvPicPr>
+          <p:cNvPr id="13" name="Content Placeholder 12">
+            <a:extLst>
+              <a:ext uri="{FF2B5EF4-FFF2-40B4-BE49-F238E27FC236}">
+                <a16:creationId xmlns:a16="http://schemas.microsoft.com/office/drawing/2014/main" id="{E945EDCD-D04F-4C7D-8A07-BD5B7F44756E}"/>
+              </a:ext>
+            </a:extLst>
+          </p:cNvPr>
+          <p:cNvPicPr>
+            <a:picLocks noGrp="1" noChangeAspect="1"/>
+          </p:cNvPicPr>
+          <p:nvPr>
+            <p:ph sz="quarter" idx="4294967295"/>
+          </p:nvPr>
+        </p:nvPicPr>
+        <p:blipFill>
+          <a:blip r:embed="rId5">
+            <a:extLst>
+              <a:ext uri="{BEBA8EAE-BF5A-486C-A8C5-ECC9F3942E4B}">
+                <a14:imgProps xmlns:a14="http://schemas.microsoft.com/office/drawing/2010/main">
+                  <a14:imgLayer r:embed="rId6">
+                    <a14:imgEffect>
+                      <a14:sharpenSoften amount="25000"/>
+                    </a14:imgEffect>
+                    <a14:imgEffect>
+                      <a14:brightnessContrast contrast="26000"/>
+                    </a14:imgEffect>
+                  </a14:imgLayer>
+                </a14:imgProps>
+              </a:ext>
+              <a:ext uri="{28A0092B-C50C-407E-A947-70E740481C1C}">
+                <a14:useLocalDpi xmlns:a14="http://schemas.microsoft.com/office/drawing/2010/main" val="0"/>
+              </a:ext>
+            </a:extLst>
+          </a:blip>
+          <a:stretch>
+            <a:fillRect/>
+          </a:stretch>
+        </p:blipFill>
+        <p:spPr>
+          <a:xfrm>
+            <a:off x="6096000" y="2202546"/>
+            <a:ext cx="5988050" cy="3968067"/>
           </a:xfrm>
         </p:spPr>
       </p:pic>
     </p:spTree>
     <p:extLst>
       <p:ext uri="{BB962C8B-B14F-4D97-AF65-F5344CB8AC3E}">
-        <p14:creationId xmlns:p14="http://schemas.microsoft.com/office/powerpoint/2010/main" val="417455639"/>
+        <p14:creationId xmlns:p14="http://schemas.microsoft.com/office/powerpoint/2010/main" val="2576917738"/>
       </p:ext>
     </p:extLst>
   </p:cSld>
@@ -5311,7 +5586,7 @@
           <p:cNvPr id="2" name="Title 1">
             <a:extLst>
               <a:ext uri="{FF2B5EF4-FFF2-40B4-BE49-F238E27FC236}">
-                <a16:creationId xmlns:a16="http://schemas.microsoft.com/office/drawing/2014/main" id="{2DC88050-8777-47D4-97B3-AC32CFD4DBDE}"/>
+                <a16:creationId xmlns:a16="http://schemas.microsoft.com/office/drawing/2014/main" id="{A8D27B8B-2034-4720-8D04-9629CCD481DC}"/>
               </a:ext>
             </a:extLst>
           </p:cNvPr>
@@ -5322,75 +5597,33 @@
             <p:ph type="title"/>
           </p:nvPr>
         </p:nvSpPr>
-        <p:spPr>
-          <a:xfrm>
-            <a:off x="838200" y="209056"/>
-            <a:ext cx="10515600" cy="1013509"/>
-          </a:xfrm>
-        </p:spPr>
+        <p:spPr/>
         <p:txBody>
           <a:bodyPr>
-            <a:normAutofit/>
+            <a:noAutofit/>
           </a:bodyPr>
           <a:lstStyle/>
           <a:p>
             <a:r>
-              <a:rPr lang="en-US" sz="2800" dirty="0"/>
-              <a:t>Notable trends: Why is there a large spike during October in both 2016 and 2017?</a:t>
-            </a:r>
-          </a:p>
-        </p:txBody>
-      </p:sp>
-      <p:sp>
-        <p:nvSpPr>
-          <p:cNvPr id="6" name="Text Placeholder 5">
-            <a:extLst>
-              <a:ext uri="{FF2B5EF4-FFF2-40B4-BE49-F238E27FC236}">
-                <a16:creationId xmlns:a16="http://schemas.microsoft.com/office/drawing/2014/main" id="{504B4854-AF6E-4A9B-ACD2-4852305F992D}"/>
-              </a:ext>
-            </a:extLst>
-          </p:cNvPr>
-          <p:cNvSpPr>
-            <a:spLocks noGrp="1"/>
-          </p:cNvSpPr>
-          <p:nvPr>
-            <p:ph type="body" idx="4294967295"/>
-          </p:nvPr>
-        </p:nvSpPr>
-        <p:spPr>
-          <a:xfrm>
-            <a:off x="946152" y="1222565"/>
-            <a:ext cx="10515600" cy="880183"/>
-          </a:xfrm>
-        </p:spPr>
-        <p:txBody>
-          <a:bodyPr>
-            <a:normAutofit fontScale="70000" lnSpcReduction="20000"/>
-          </a:bodyPr>
-          <a:lstStyle/>
-          <a:p>
-            <a:r>
-              <a:rPr lang="en-US" dirty="0">
-                <a:hlinkClick r:id="rId2"/>
-              </a:rPr>
-              <a:t>http://www.welikela.com/event/ciclavia-heart-la-10-16-2016/</a:t>
-            </a:r>
-            <a:endParaRPr lang="en-US" dirty="0"/>
-          </a:p>
-          <a:p>
-            <a:r>
-              <a:rPr lang="en-US" dirty="0"/>
-              <a:t>This is an annual event billed as a free street party that restricts road usage to pedestrians and bicycle traffic. Research shows that the festival for 2018 is scheduled for September 30, 2018.</a:t>
+              <a:rPr lang="en-US" sz="2400" dirty="0"/>
+              <a:t>Hypothesis: Bike sharing riders use the system more during certain times of day (i.e. for commuting).</a:t>
+            </a:r>
+            <a:br>
+              <a:rPr lang="en-US" sz="2400" dirty="0"/>
+            </a:br>
+            <a:r>
+              <a:rPr lang="en-US" sz="2400" dirty="0"/>
+              <a:t>Null hypothesis: Time of day does not affect rate of ridership.</a:t>
             </a:r>
           </a:p>
         </p:txBody>
       </p:sp>
       <p:pic>
         <p:nvPicPr>
-          <p:cNvPr id="11" name="Content Placeholder 10">
-            <a:extLst>
-              <a:ext uri="{FF2B5EF4-FFF2-40B4-BE49-F238E27FC236}">
-                <a16:creationId xmlns:a16="http://schemas.microsoft.com/office/drawing/2014/main" id="{F5A42A68-5E42-4031-B37E-CA3BEDCE3BEE}"/>
+          <p:cNvPr id="5" name="Content Placeholder 4">
+            <a:extLst>
+              <a:ext uri="{FF2B5EF4-FFF2-40B4-BE49-F238E27FC236}">
+                <a16:creationId xmlns:a16="http://schemas.microsoft.com/office/drawing/2014/main" id="{98BD8DAC-9B1A-4D0F-BB91-91E4B95F991F}"/>
               </a:ext>
             </a:extLst>
           </p:cNvPr>
@@ -5398,15 +5631,15 @@
             <a:picLocks noGrp="1" noChangeAspect="1"/>
           </p:cNvPicPr>
           <p:nvPr>
-            <p:ph sz="half" idx="4294967295"/>
+            <p:ph idx="1"/>
           </p:nvPr>
         </p:nvPicPr>
         <p:blipFill>
-          <a:blip r:embed="rId3">
+          <a:blip r:embed="rId2">
             <a:extLst>
               <a:ext uri="{BEBA8EAE-BF5A-486C-A8C5-ECC9F3942E4B}">
                 <a14:imgProps xmlns:a14="http://schemas.microsoft.com/office/drawing/2010/main">
-                  <a14:imgLayer r:embed="rId4">
+                  <a14:imgLayer r:embed="rId3">
                     <a14:imgEffect>
                       <a14:sharpenSoften amount="25000"/>
                     </a14:imgEffect>
@@ -5427,62 +5660,15 @@
         </p:blipFill>
         <p:spPr>
           <a:xfrm>
-            <a:off x="0" y="2080004"/>
-            <a:ext cx="5988050" cy="4121712"/>
-          </a:xfrm>
-        </p:spPr>
-      </p:pic>
-      <p:pic>
-        <p:nvPicPr>
-          <p:cNvPr id="13" name="Content Placeholder 12">
-            <a:extLst>
-              <a:ext uri="{FF2B5EF4-FFF2-40B4-BE49-F238E27FC236}">
-                <a16:creationId xmlns:a16="http://schemas.microsoft.com/office/drawing/2014/main" id="{E945EDCD-D04F-4C7D-8A07-BD5B7F44756E}"/>
-              </a:ext>
-            </a:extLst>
-          </p:cNvPr>
-          <p:cNvPicPr>
-            <a:picLocks noGrp="1" noChangeAspect="1"/>
-          </p:cNvPicPr>
-          <p:nvPr>
-            <p:ph sz="quarter" idx="4294967295"/>
-          </p:nvPr>
-        </p:nvPicPr>
-        <p:blipFill>
-          <a:blip r:embed="rId5">
-            <a:extLst>
-              <a:ext uri="{BEBA8EAE-BF5A-486C-A8C5-ECC9F3942E4B}">
-                <a14:imgProps xmlns:a14="http://schemas.microsoft.com/office/drawing/2010/main">
-                  <a14:imgLayer r:embed="rId6">
-                    <a14:imgEffect>
-                      <a14:sharpenSoften amount="25000"/>
-                    </a14:imgEffect>
-                    <a14:imgEffect>
-                      <a14:brightnessContrast contrast="26000"/>
-                    </a14:imgEffect>
-                  </a14:imgLayer>
-                </a14:imgProps>
-              </a:ext>
-              <a:ext uri="{28A0092B-C50C-407E-A947-70E740481C1C}">
-                <a14:useLocalDpi xmlns:a14="http://schemas.microsoft.com/office/drawing/2010/main" val="0"/>
-              </a:ext>
-            </a:extLst>
-          </a:blip>
-          <a:stretch>
-            <a:fillRect/>
-          </a:stretch>
-        </p:blipFill>
-        <p:spPr>
-          <a:xfrm>
-            <a:off x="6096000" y="2202546"/>
-            <a:ext cx="5988050" cy="3968067"/>
+            <a:off x="697522" y="1872202"/>
+            <a:ext cx="10078330" cy="5070204"/>
           </a:xfrm>
         </p:spPr>
       </p:pic>
     </p:spTree>
     <p:extLst>
       <p:ext uri="{BB962C8B-B14F-4D97-AF65-F5344CB8AC3E}">
-        <p14:creationId xmlns:p14="http://schemas.microsoft.com/office/powerpoint/2010/main" val="2576917738"/>
+        <p14:creationId xmlns:p14="http://schemas.microsoft.com/office/powerpoint/2010/main" val="362478161"/>
       </p:ext>
     </p:extLst>
   </p:cSld>
@@ -5514,7 +5700,7 @@
           <p:cNvPr id="2" name="Title 1">
             <a:extLst>
               <a:ext uri="{FF2B5EF4-FFF2-40B4-BE49-F238E27FC236}">
-                <a16:creationId xmlns:a16="http://schemas.microsoft.com/office/drawing/2014/main" id="{A8D27B8B-2034-4720-8D04-9629CCD481DC}"/>
+                <a16:creationId xmlns:a16="http://schemas.microsoft.com/office/drawing/2014/main" id="{49927416-5A7C-45D6-89D8-1EC4F48EBC95}"/>
               </a:ext>
             </a:extLst>
           </p:cNvPr>
@@ -5525,45 +5711,95 @@
             <p:ph type="title"/>
           </p:nvPr>
         </p:nvSpPr>
-        <p:spPr/>
+        <p:spPr>
+          <a:xfrm>
+            <a:off x="838200" y="365126"/>
+            <a:ext cx="10515600" cy="915034"/>
+          </a:xfrm>
+        </p:spPr>
         <p:txBody>
           <a:bodyPr>
-            <a:noAutofit/>
+            <a:normAutofit fontScale="90000"/>
           </a:bodyPr>
           <a:lstStyle/>
           <a:p>
             <a:r>
               <a:rPr lang="en-US" sz="2400" dirty="0"/>
-              <a:t>Hypothesis: Bike sharing riders use the system more during certain times of day (i.e. for commuting).</a:t>
+              <a:t>Hypothesis: Weather conditions affect ridership, i.e. cold or rain/snow decrease usage.</a:t>
             </a:r>
             <a:br>
               <a:rPr lang="en-US" sz="2400" dirty="0"/>
             </a:br>
             <a:r>
               <a:rPr lang="en-US" sz="2400" dirty="0"/>
-              <a:t>Null hypothesis: Time of day does not affect rate of ridership.</a:t>
-            </a:r>
+              <a:t>Null Hypothesis: Weather does not affect usage of bike sharing.</a:t>
+            </a:r>
+          </a:p>
+        </p:txBody>
+      </p:sp>
+      <p:sp>
+        <p:nvSpPr>
+          <p:cNvPr id="3" name="Content Placeholder 2">
+            <a:extLst>
+              <a:ext uri="{FF2B5EF4-FFF2-40B4-BE49-F238E27FC236}">
+                <a16:creationId xmlns:a16="http://schemas.microsoft.com/office/drawing/2014/main" id="{20ADD5C2-366F-4F52-BA74-2503FD3D284B}"/>
+              </a:ext>
+            </a:extLst>
+          </p:cNvPr>
+          <p:cNvSpPr>
+            <a:spLocks noGrp="1"/>
+          </p:cNvSpPr>
+          <p:nvPr>
+            <p:ph idx="1"/>
+          </p:nvPr>
+        </p:nvSpPr>
+        <p:spPr>
+          <a:xfrm>
+            <a:off x="725659" y="1404228"/>
+            <a:ext cx="10515600" cy="5088646"/>
+          </a:xfrm>
+        </p:spPr>
+        <p:txBody>
+          <a:bodyPr>
+            <a:normAutofit/>
+          </a:bodyPr>
+          <a:lstStyle/>
+          <a:p>
+            <a:r>
+              <a:rPr lang="en-US" sz="1800" dirty="0"/>
+              <a:t>We analyzed data from the </a:t>
+            </a:r>
+            <a:r>
+              <a:rPr lang="en-US" sz="1800" dirty="0" err="1"/>
+              <a:t>CitiBike</a:t>
+            </a:r>
+            <a:r>
+              <a:rPr lang="en-US" sz="1800" dirty="0"/>
+              <a:t> program in New York City that has been running for more than a decade, with the assumption that relatively steady weather conditions in Los Angeles are less likely to affect ridership than the harsh winter conditions in New York. </a:t>
+            </a:r>
+          </a:p>
+          <a:p>
+            <a:endParaRPr lang="en-US" sz="2000" dirty="0"/>
           </a:p>
         </p:txBody>
       </p:sp>
       <p:pic>
         <p:nvPicPr>
-          <p:cNvPr id="5" name="Content Placeholder 4">
-            <a:extLst>
-              <a:ext uri="{FF2B5EF4-FFF2-40B4-BE49-F238E27FC236}">
-                <a16:creationId xmlns:a16="http://schemas.microsoft.com/office/drawing/2014/main" id="{98BD8DAC-9B1A-4D0F-BB91-91E4B95F991F}"/>
+          <p:cNvPr id="5" name="Picture 4">
+            <a:extLst>
+              <a:ext uri="{FF2B5EF4-FFF2-40B4-BE49-F238E27FC236}">
+                <a16:creationId xmlns:a16="http://schemas.microsoft.com/office/drawing/2014/main" id="{38FF4C04-4171-47E4-8BDF-2E004FB7564F}"/>
               </a:ext>
             </a:extLst>
           </p:cNvPr>
           <p:cNvPicPr>
-            <a:picLocks noGrp="1" noChangeAspect="1"/>
+            <a:picLocks noChangeAspect="1"/>
           </p:cNvPicPr>
-          <p:nvPr>
-            <p:ph idx="1"/>
-          </p:nvPr>
+          <p:nvPr/>
         </p:nvPicPr>
         <p:blipFill>
           <a:blip r:embed="rId2">
+            <a:grayscl/>
             <a:extLst>
               <a:ext uri="{BEBA8EAE-BF5A-486C-A8C5-ECC9F3942E4B}">
                 <a14:imgProps xmlns:a14="http://schemas.microsoft.com/office/drawing/2010/main">
@@ -5572,7 +5808,10 @@
                       <a14:sharpenSoften amount="25000"/>
                     </a14:imgEffect>
                     <a14:imgEffect>
-                      <a14:brightnessContrast contrast="20000"/>
+                      <a14:saturation sat="200000"/>
+                    </a14:imgEffect>
+                    <a14:imgEffect>
+                      <a14:brightnessContrast contrast="-40000"/>
                     </a14:imgEffect>
                   </a14:imgLayer>
                 </a14:imgProps>
@@ -5588,15 +5827,18 @@
         </p:blipFill>
         <p:spPr>
           <a:xfrm>
-            <a:off x="697522" y="1872202"/>
-            <a:ext cx="10078330" cy="5070204"/>
+            <a:off x="1631853" y="2335237"/>
+            <a:ext cx="7923896" cy="4418064"/>
           </a:xfrm>
+          <a:prstGeom prst="rect">
+            <a:avLst/>
+          </a:prstGeom>
         </p:spPr>
       </p:pic>
     </p:spTree>
     <p:extLst>
       <p:ext uri="{BB962C8B-B14F-4D97-AF65-F5344CB8AC3E}">
-        <p14:creationId xmlns:p14="http://schemas.microsoft.com/office/powerpoint/2010/main" val="362478161"/>
+        <p14:creationId xmlns:p14="http://schemas.microsoft.com/office/powerpoint/2010/main" val="4237760704"/>
       </p:ext>
     </p:extLst>
   </p:cSld>

--- a/If We Ran a Bike Sharing Company.pptx
+++ b/If We Ran a Bike Sharing Company.pptx
@@ -5,21 +5,22 @@
     <p:sldMasterId id="2147483648" r:id="rId1"/>
   </p:sldMasterIdLst>
   <p:notesMasterIdLst>
-    <p:notesMasterId r:id="rId14"/>
+    <p:notesMasterId r:id="rId15"/>
   </p:notesMasterIdLst>
   <p:sldIdLst>
-    <p:sldId id="256" r:id="rId2"/>
-    <p:sldId id="258" r:id="rId3"/>
-    <p:sldId id="267" r:id="rId4"/>
-    <p:sldId id="261" r:id="rId5"/>
-    <p:sldId id="259" r:id="rId6"/>
-    <p:sldId id="266" r:id="rId7"/>
-    <p:sldId id="263" r:id="rId8"/>
-    <p:sldId id="265" r:id="rId9"/>
-    <p:sldId id="262" r:id="rId10"/>
-    <p:sldId id="264" r:id="rId11"/>
-    <p:sldId id="257" r:id="rId12"/>
-    <p:sldId id="260" r:id="rId13"/>
+    <p:sldId id="268" r:id="rId2"/>
+    <p:sldId id="256" r:id="rId3"/>
+    <p:sldId id="258" r:id="rId4"/>
+    <p:sldId id="267" r:id="rId5"/>
+    <p:sldId id="261" r:id="rId6"/>
+    <p:sldId id="259" r:id="rId7"/>
+    <p:sldId id="266" r:id="rId8"/>
+    <p:sldId id="263" r:id="rId9"/>
+    <p:sldId id="265" r:id="rId10"/>
+    <p:sldId id="262" r:id="rId11"/>
+    <p:sldId id="264" r:id="rId12"/>
+    <p:sldId id="257" r:id="rId13"/>
+    <p:sldId id="260" r:id="rId14"/>
   </p:sldIdLst>
   <p:sldSz cx="12192000" cy="6858000"/>
   <p:notesSz cx="6858000" cy="9144000"/>
@@ -519,10 +520,7 @@
           <a:bodyPr/>
           <a:lstStyle/>
           <a:p>
-            <a:r>
-              <a:rPr lang="en-US" dirty="0"/>
-              <a:t>Do not use during slideshow/presentation….this was for working out questions/hypotheses. </a:t>
-            </a:r>
+            <a:endParaRPr lang="en-US" dirty="0"/>
           </a:p>
         </p:txBody>
       </p:sp>
@@ -543,7 +541,7 @@
           <a:p>
             <a:fld id="{2A26A812-FE51-474B-AFD0-254289DE170D}" type="slidenum">
               <a:rPr lang="en-US" smtClean="0"/>
-              <a:t>11</a:t>
+              <a:t>3</a:t>
             </a:fld>
             <a:endParaRPr lang="en-US"/>
           </a:p>
@@ -552,7 +550,7 @@
     </p:spTree>
     <p:extLst>
       <p:ext uri="{BB962C8B-B14F-4D97-AF65-F5344CB8AC3E}">
-        <p14:creationId xmlns:p14="http://schemas.microsoft.com/office/powerpoint/2010/main" val="1765937577"/>
+        <p14:creationId xmlns:p14="http://schemas.microsoft.com/office/powerpoint/2010/main" val="2307007556"/>
       </p:ext>
     </p:extLst>
   </p:cSld>
@@ -608,11 +606,8 @@
           <a:p>
             <a:r>
               <a:rPr lang="en-US" dirty="0"/>
-              <a:t>Ditching slide to use overall line graph from start of 2016 data through all of 2017 data</a:t>
-            </a:r>
-          </a:p>
-          <a:p>
-            <a:endParaRPr lang="en-US" dirty="0"/>
+              <a:t>Do not use during slideshow/presentation….this was for working out questions/hypotheses. </a:t>
+            </a:r>
           </a:p>
         </p:txBody>
       </p:sp>
@@ -634,6 +629,96 @@
             <a:fld id="{2A26A812-FE51-474B-AFD0-254289DE170D}" type="slidenum">
               <a:rPr lang="en-US" smtClean="0"/>
               <a:t>12</a:t>
+            </a:fld>
+            <a:endParaRPr lang="en-US"/>
+          </a:p>
+        </p:txBody>
+      </p:sp>
+    </p:spTree>
+    <p:extLst>
+      <p:ext uri="{BB962C8B-B14F-4D97-AF65-F5344CB8AC3E}">
+        <p14:creationId xmlns:p14="http://schemas.microsoft.com/office/powerpoint/2010/main" val="1765937577"/>
+      </p:ext>
+    </p:extLst>
+  </p:cSld>
+  <p:clrMapOvr>
+    <a:masterClrMapping/>
+  </p:clrMapOvr>
+</p:notes>
+</file>
+
+<file path=ppt/notesSlides/notesSlide3.xml><?xml version="1.0" encoding="utf-8"?>
+<p:notes xmlns:a="http://schemas.openxmlformats.org/drawingml/2006/main" xmlns:r="http://schemas.openxmlformats.org/officeDocument/2006/relationships" xmlns:p="http://schemas.openxmlformats.org/presentationml/2006/main">
+  <p:cSld>
+    <p:spTree>
+      <p:nvGrpSpPr>
+        <p:cNvPr id="1" name=""/>
+        <p:cNvGrpSpPr/>
+        <p:nvPr/>
+      </p:nvGrpSpPr>
+      <p:grpSpPr>
+        <a:xfrm>
+          <a:off x="0" y="0"/>
+          <a:ext cx="0" cy="0"/>
+          <a:chOff x="0" y="0"/>
+          <a:chExt cx="0" cy="0"/>
+        </a:xfrm>
+      </p:grpSpPr>
+      <p:sp>
+        <p:nvSpPr>
+          <p:cNvPr id="2" name="Slide Image Placeholder 1"/>
+          <p:cNvSpPr>
+            <a:spLocks noGrp="1" noRot="1" noChangeAspect="1"/>
+          </p:cNvSpPr>
+          <p:nvPr>
+            <p:ph type="sldImg"/>
+          </p:nvPr>
+        </p:nvSpPr>
+        <p:spPr/>
+      </p:sp>
+      <p:sp>
+        <p:nvSpPr>
+          <p:cNvPr id="3" name="Notes Placeholder 2"/>
+          <p:cNvSpPr>
+            <a:spLocks noGrp="1"/>
+          </p:cNvSpPr>
+          <p:nvPr>
+            <p:ph type="body" idx="1"/>
+          </p:nvPr>
+        </p:nvSpPr>
+        <p:spPr/>
+        <p:txBody>
+          <a:bodyPr/>
+          <a:lstStyle/>
+          <a:p>
+            <a:r>
+              <a:rPr lang="en-US" dirty="0"/>
+              <a:t>Ditching slide to use overall line graph from start of 2016 data through all of 2017 data</a:t>
+            </a:r>
+          </a:p>
+          <a:p>
+            <a:endParaRPr lang="en-US" dirty="0"/>
+          </a:p>
+        </p:txBody>
+      </p:sp>
+      <p:sp>
+        <p:nvSpPr>
+          <p:cNvPr id="4" name="Slide Number Placeholder 3"/>
+          <p:cNvSpPr>
+            <a:spLocks noGrp="1"/>
+          </p:cNvSpPr>
+          <p:nvPr>
+            <p:ph type="sldNum" sz="quarter" idx="10"/>
+          </p:nvPr>
+        </p:nvSpPr>
+        <p:spPr/>
+        <p:txBody>
+          <a:bodyPr/>
+          <a:lstStyle/>
+          <a:p>
+            <a:fld id="{2A26A812-FE51-474B-AFD0-254289DE170D}" type="slidenum">
+              <a:rPr lang="en-US" smtClean="0"/>
+              <a:t>13</a:t>
             </a:fld>
             <a:endParaRPr lang="en-US"/>
           </a:p>
@@ -3852,30 +3937,6 @@
 <file path=ppt/slides/slide1.xml><?xml version="1.0" encoding="utf-8"?>
 <p:sld xmlns:a="http://schemas.openxmlformats.org/drawingml/2006/main" xmlns:r="http://schemas.openxmlformats.org/officeDocument/2006/relationships" xmlns:p="http://schemas.openxmlformats.org/presentationml/2006/main">
   <p:cSld>
-    <p:bg>
-      <p:bgPr>
-        <a:blipFill dpi="0" rotWithShape="1">
-          <a:blip r:embed="rId2">
-            <a:extLst>
-              <a:ext uri="{BEBA8EAE-BF5A-486C-A8C5-ECC9F3942E4B}">
-                <a14:imgProps xmlns:a14="http://schemas.microsoft.com/office/drawing/2010/main">
-                  <a14:imgLayer r:embed="rId3">
-                    <a14:imgEffect>
-                      <a14:brightnessContrast contrast="-27000"/>
-                    </a14:imgEffect>
-                  </a14:imgLayer>
-                </a14:imgProps>
-              </a:ext>
-            </a:extLst>
-          </a:blip>
-          <a:srcRect/>
-          <a:stretch>
-            <a:fillRect t="-12000" b="-12000"/>
-          </a:stretch>
-        </a:blipFill>
-        <a:effectLst/>
-      </p:bgPr>
-    </p:bg>
     <p:spTree>
       <p:nvGrpSpPr>
         <p:cNvPr id="1" name=""/>
@@ -3890,118 +3951,117 @@
           <a:chExt cx="0" cy="0"/>
         </a:xfrm>
       </p:grpSpPr>
-      <p:sp>
-        <p:nvSpPr>
-          <p:cNvPr id="2" name="Title 1">
-            <a:extLst>
-              <a:ext uri="{FF2B5EF4-FFF2-40B4-BE49-F238E27FC236}">
-                <a16:creationId xmlns:a16="http://schemas.microsoft.com/office/drawing/2014/main" id="{87CFDEE9-FB92-40A9-A0A1-5553F1BC4F2B}"/>
-              </a:ext>
-            </a:extLst>
-          </p:cNvPr>
-          <p:cNvSpPr>
-            <a:spLocks noGrp="1"/>
-          </p:cNvSpPr>
-          <p:nvPr>
-            <p:ph type="ctrTitle"/>
-          </p:nvPr>
-        </p:nvSpPr>
-        <p:spPr/>
-        <p:txBody>
-          <a:bodyPr>
-            <a:normAutofit/>
+      <p:pic>
+        <p:nvPicPr>
+          <p:cNvPr id="3" name="Picture 2">
+            <a:extLst>
+              <a:ext uri="{FF2B5EF4-FFF2-40B4-BE49-F238E27FC236}">
+                <a16:creationId xmlns:a16="http://schemas.microsoft.com/office/drawing/2014/main" id="{5D2095F2-DC9E-4421-9825-8EB2D154C336}"/>
+              </a:ext>
+            </a:extLst>
+          </p:cNvPr>
+          <p:cNvPicPr>
+            <a:picLocks noChangeAspect="1"/>
+          </p:cNvPicPr>
+          <p:nvPr/>
+        </p:nvPicPr>
+        <p:blipFill>
+          <a:blip r:embed="rId2">
+            <a:extLst>
+              <a:ext uri="{28A0092B-C50C-407E-A947-70E740481C1C}">
+                <a14:useLocalDpi xmlns:a14="http://schemas.microsoft.com/office/drawing/2010/main" val="0"/>
+              </a:ext>
+            </a:extLst>
+          </a:blip>
+          <a:stretch>
+            <a:fillRect/>
+          </a:stretch>
+        </p:blipFill>
+        <p:spPr>
+          <a:xfrm>
+            <a:off x="4566139" y="0"/>
+            <a:ext cx="6858000" cy="6858000"/>
+          </a:xfrm>
+          <a:prstGeom prst="rect">
+            <a:avLst/>
+          </a:prstGeom>
+        </p:spPr>
+      </p:pic>
+      <p:sp>
+        <p:nvSpPr>
+          <p:cNvPr id="4" name="TextBox 3">
+            <a:extLst>
+              <a:ext uri="{FF2B5EF4-FFF2-40B4-BE49-F238E27FC236}">
+                <a16:creationId xmlns:a16="http://schemas.microsoft.com/office/drawing/2014/main" id="{CDB4EA10-DC6D-4587-ADB7-72191ACFCFD5}"/>
+              </a:ext>
+            </a:extLst>
+          </p:cNvPr>
+          <p:cNvSpPr txBox="1"/>
+          <p:nvPr/>
+        </p:nvSpPr>
+        <p:spPr>
+          <a:xfrm>
+            <a:off x="1195754" y="731521"/>
+            <a:ext cx="4093698" cy="5632311"/>
+          </a:xfrm>
+          <a:prstGeom prst="rect">
+            <a:avLst/>
+          </a:prstGeom>
+          <a:noFill/>
+        </p:spPr>
+        <p:txBody>
+          <a:bodyPr wrap="square" rtlCol="0">
+            <a:spAutoFit/>
           </a:bodyPr>
           <a:lstStyle/>
           <a:p>
             <a:r>
-              <a:rPr lang="en-US" sz="8000" b="1" dirty="0">
+              <a:rPr lang="en-US" sz="7200" dirty="0">
                 <a:solidFill>
-                  <a:srgbClr val="FAF400"/>
+                  <a:srgbClr val="FF0000"/>
                 </a:solidFill>
-                <a:effectLst>
-                  <a:outerShdw blurRad="38100" dist="38100" dir="2700000" algn="tl">
-                    <a:srgbClr val="000000">
-                      <a:alpha val="43137"/>
-                    </a:srgbClr>
-                  </a:outerShdw>
-                </a:effectLst>
               </a:rPr>
-              <a:t>When is Bike Sharing Popular?</a:t>
-            </a:r>
-          </a:p>
-        </p:txBody>
-      </p:sp>
-      <p:sp>
-        <p:nvSpPr>
-          <p:cNvPr id="3" name="Subtitle 2">
-            <a:extLst>
-              <a:ext uri="{FF2B5EF4-FFF2-40B4-BE49-F238E27FC236}">
-                <a16:creationId xmlns:a16="http://schemas.microsoft.com/office/drawing/2014/main" id="{51D926AD-C508-4CA0-990C-6A1D85EB6FB6}"/>
-              </a:ext>
-            </a:extLst>
-          </p:cNvPr>
-          <p:cNvSpPr>
-            <a:spLocks noGrp="1"/>
-          </p:cNvSpPr>
-          <p:nvPr>
-            <p:ph type="subTitle" idx="1"/>
-          </p:nvPr>
-        </p:nvSpPr>
-        <p:spPr/>
-        <p:txBody>
-          <a:bodyPr>
-            <a:noAutofit/>
-          </a:bodyPr>
-          <a:lstStyle/>
-          <a:p>
-            <a:r>
-              <a:rPr lang="en-US" sz="3200" b="1" dirty="0">
+              <a:t>FAIL</a:t>
+            </a:r>
+          </a:p>
+          <a:p>
+            <a:r>
+              <a:rPr lang="en-US" sz="7200" dirty="0">
                 <a:solidFill>
-                  <a:srgbClr val="FAF400"/>
+                  <a:srgbClr val="FF0000"/>
                 </a:solidFill>
-                <a:effectLst>
-                  <a:outerShdw blurRad="38100" dist="38100" dir="2700000" algn="tl">
-                    <a:srgbClr val="000000">
-                      <a:alpha val="43137"/>
-                    </a:srgbClr>
-                  </a:outerShdw>
-                </a:effectLst>
               </a:rPr>
-              <a:t>Jennifer Collins</a:t>
-            </a:r>
-          </a:p>
-          <a:p>
-            <a:r>
-              <a:rPr lang="en-US" sz="3200" b="1" dirty="0">
+              <a:t>FIRST </a:t>
+            </a:r>
+          </a:p>
+          <a:p>
+            <a:r>
+              <a:rPr lang="en-US" sz="7200" dirty="0">
                 <a:solidFill>
-                  <a:srgbClr val="FAF400"/>
+                  <a:srgbClr val="FF0000"/>
                 </a:solidFill>
-                <a:effectLst>
-                  <a:outerShdw blurRad="38100" dist="38100" dir="2700000" algn="tl">
-                    <a:srgbClr val="000000">
-                      <a:alpha val="43137"/>
-                    </a:srgbClr>
-                  </a:outerShdw>
-                </a:effectLst>
               </a:rPr>
-              <a:t>Ellen Hendricks</a:t>
-            </a:r>
-          </a:p>
-          <a:p>
-            <a:r>
-              <a:rPr lang="en-US" sz="3200" b="1" dirty="0">
+              <a:t>AND </a:t>
+            </a:r>
+          </a:p>
+          <a:p>
+            <a:r>
+              <a:rPr lang="en-US" sz="7200" dirty="0">
                 <a:solidFill>
-                  <a:srgbClr val="FAF400"/>
+                  <a:srgbClr val="FF0000"/>
                 </a:solidFill>
-                <a:effectLst>
-                  <a:outerShdw blurRad="38100" dist="38100" dir="2700000" algn="tl">
-                    <a:srgbClr val="000000">
-                      <a:alpha val="43137"/>
-                    </a:srgbClr>
-                  </a:outerShdw>
-                </a:effectLst>
               </a:rPr>
-              <a:t>Sarah Small</a:t>
+              <a:t>FAIL</a:t>
+            </a:r>
+          </a:p>
+          <a:p>
+            <a:r>
+              <a:rPr lang="en-US" sz="7200" dirty="0">
+                <a:solidFill>
+                  <a:srgbClr val="FF0000"/>
+                </a:solidFill>
+              </a:rPr>
+              <a:t>HARD</a:t>
             </a:r>
           </a:p>
         </p:txBody>
@@ -4009,7 +4069,7 @@
     </p:spTree>
     <p:extLst>
       <p:ext uri="{BB962C8B-B14F-4D97-AF65-F5344CB8AC3E}">
-        <p14:creationId xmlns:p14="http://schemas.microsoft.com/office/powerpoint/2010/main" val="1491437076"/>
+        <p14:creationId xmlns:p14="http://schemas.microsoft.com/office/powerpoint/2010/main" val="3205777345"/>
       </p:ext>
     </p:extLst>
   </p:cSld>
@@ -4041,7 +4101,7 @@
           <p:cNvPr id="2" name="Title 1">
             <a:extLst>
               <a:ext uri="{FF2B5EF4-FFF2-40B4-BE49-F238E27FC236}">
-                <a16:creationId xmlns:a16="http://schemas.microsoft.com/office/drawing/2014/main" id="{2F13DADD-EA7B-4457-9CC8-75A0701EA8AA}"/>
+                <a16:creationId xmlns:a16="http://schemas.microsoft.com/office/drawing/2014/main" id="{11F2A09A-ECFF-4D60-8FEF-4A755B6AD3F2}"/>
               </a:ext>
             </a:extLst>
           </p:cNvPr>
@@ -4052,20 +4112,14 @@
             <p:ph type="title"/>
           </p:nvPr>
         </p:nvSpPr>
-        <p:spPr>
-          <a:xfrm>
-            <a:off x="1400907" y="130795"/>
-            <a:ext cx="8966982" cy="811739"/>
-          </a:xfrm>
-        </p:spPr>
+        <p:spPr/>
         <p:txBody>
           <a:bodyPr/>
           <a:lstStyle/>
           <a:p>
-            <a:pPr algn="ctr"/>
             <a:r>
               <a:rPr lang="en-US" dirty="0"/>
-              <a:t>Further Questions to Explore</a:t>
+              <a:t>Are more rides purchased through passes or walk-up business?</a:t>
             </a:r>
           </a:p>
         </p:txBody>
@@ -4075,7 +4129,7 @@
           <p:cNvPr id="3" name="Content Placeholder 2">
             <a:extLst>
               <a:ext uri="{FF2B5EF4-FFF2-40B4-BE49-F238E27FC236}">
-                <a16:creationId xmlns:a16="http://schemas.microsoft.com/office/drawing/2014/main" id="{73D87309-5568-4B8F-9BDC-613A97E23CD5}"/>
+                <a16:creationId xmlns:a16="http://schemas.microsoft.com/office/drawing/2014/main" id="{C2C1558F-92E4-4717-B0F5-E7D0103FB599}"/>
               </a:ext>
             </a:extLst>
           </p:cNvPr>
@@ -4086,66 +4140,11 @@
             <p:ph idx="1"/>
           </p:nvPr>
         </p:nvSpPr>
-        <p:spPr>
-          <a:xfrm>
-            <a:off x="391551" y="942534"/>
-            <a:ext cx="11408898" cy="5767755"/>
-          </a:xfrm>
-        </p:spPr>
+        <p:spPr/>
         <p:txBody>
           <a:bodyPr/>
           <a:lstStyle/>
           <a:p>
-            <a:r>
-              <a:rPr lang="en-US" dirty="0"/>
-              <a:t>Do weather conditions affect ridership rates?</a:t>
-            </a:r>
-          </a:p>
-          <a:p>
-            <a:pPr lvl="1"/>
-            <a:r>
-              <a:rPr lang="en-US" dirty="0"/>
-              <a:t>In L.A., where weather is relatively steady, it was hard to determine if this had an effect. When viewing weather vs. ridership in NYC, there was a plummet during the winter months. Slight declines were noted in our LA data with less of a decline in 2017-2018 than in 2016-2017? Was this due to a milder winter or a longer running program?</a:t>
-            </a:r>
-          </a:p>
-          <a:p>
-            <a:r>
-              <a:rPr lang="en-US" dirty="0"/>
-              <a:t>How does the lack of bike-friendliness/safety for riders in the city affect ridership?</a:t>
-            </a:r>
-          </a:p>
-          <a:p>
-            <a:pPr lvl="1"/>
-            <a:r>
-              <a:rPr lang="en-US" dirty="0"/>
-              <a:t>This could be explored by comparing ridership numbers to ‘more bike safe’ cities.</a:t>
-            </a:r>
-          </a:p>
-          <a:p>
-            <a:r>
-              <a:rPr lang="en-US" dirty="0"/>
-              <a:t>How does tourism affect ridership? </a:t>
-            </a:r>
-            <a:endParaRPr lang="en-US" sz="2400" dirty="0"/>
-          </a:p>
-          <a:p>
-            <a:pPr lvl="1"/>
-            <a:r>
-              <a:rPr lang="en-US" dirty="0"/>
-              <a:t>With more time, we would like to study the effect of tourism seasons and usage by station location to determine how much of the spike in afternoon ridership is attributable to self guided tourism. </a:t>
-            </a:r>
-          </a:p>
-          <a:p>
-            <a:pPr lvl="1"/>
-            <a:endParaRPr lang="en-US" dirty="0"/>
-          </a:p>
-          <a:p>
-            <a:endParaRPr lang="en-US" dirty="0"/>
-          </a:p>
-          <a:p>
-            <a:pPr marL="0" indent="0">
-              <a:buNone/>
-            </a:pPr>
             <a:endParaRPr lang="en-US" dirty="0"/>
           </a:p>
         </p:txBody>
@@ -4153,7 +4152,7 @@
     </p:spTree>
     <p:extLst>
       <p:ext uri="{BB962C8B-B14F-4D97-AF65-F5344CB8AC3E}">
-        <p14:creationId xmlns:p14="http://schemas.microsoft.com/office/powerpoint/2010/main" val="192108554"/>
+        <p14:creationId xmlns:p14="http://schemas.microsoft.com/office/powerpoint/2010/main" val="2156547200"/>
       </p:ext>
     </p:extLst>
   </p:cSld>
@@ -4182,6 +4181,165 @@
       </p:grpSpPr>
       <p:sp>
         <p:nvSpPr>
+          <p:cNvPr id="2" name="Title 1">
+            <a:extLst>
+              <a:ext uri="{FF2B5EF4-FFF2-40B4-BE49-F238E27FC236}">
+                <a16:creationId xmlns:a16="http://schemas.microsoft.com/office/drawing/2014/main" id="{2F13DADD-EA7B-4457-9CC8-75A0701EA8AA}"/>
+              </a:ext>
+            </a:extLst>
+          </p:cNvPr>
+          <p:cNvSpPr>
+            <a:spLocks noGrp="1"/>
+          </p:cNvSpPr>
+          <p:nvPr>
+            <p:ph type="title"/>
+          </p:nvPr>
+        </p:nvSpPr>
+        <p:spPr>
+          <a:xfrm>
+            <a:off x="1400907" y="130795"/>
+            <a:ext cx="8966982" cy="811739"/>
+          </a:xfrm>
+        </p:spPr>
+        <p:txBody>
+          <a:bodyPr/>
+          <a:lstStyle/>
+          <a:p>
+            <a:pPr algn="ctr"/>
+            <a:r>
+              <a:rPr lang="en-US" dirty="0"/>
+              <a:t>Further Questions to Explore</a:t>
+            </a:r>
+          </a:p>
+        </p:txBody>
+      </p:sp>
+      <p:sp>
+        <p:nvSpPr>
+          <p:cNvPr id="3" name="Content Placeholder 2">
+            <a:extLst>
+              <a:ext uri="{FF2B5EF4-FFF2-40B4-BE49-F238E27FC236}">
+                <a16:creationId xmlns:a16="http://schemas.microsoft.com/office/drawing/2014/main" id="{73D87309-5568-4B8F-9BDC-613A97E23CD5}"/>
+              </a:ext>
+            </a:extLst>
+          </p:cNvPr>
+          <p:cNvSpPr>
+            <a:spLocks noGrp="1"/>
+          </p:cNvSpPr>
+          <p:nvPr>
+            <p:ph idx="1"/>
+          </p:nvPr>
+        </p:nvSpPr>
+        <p:spPr>
+          <a:xfrm>
+            <a:off x="391551" y="942534"/>
+            <a:ext cx="11408898" cy="5767755"/>
+          </a:xfrm>
+        </p:spPr>
+        <p:txBody>
+          <a:bodyPr>
+            <a:normAutofit/>
+          </a:bodyPr>
+          <a:lstStyle/>
+          <a:p>
+            <a:r>
+              <a:rPr lang="en-US" sz="2400" dirty="0"/>
+              <a:t>Do weather conditions affect ridership rates?</a:t>
+            </a:r>
+          </a:p>
+          <a:p>
+            <a:pPr lvl="1"/>
+            <a:r>
+              <a:rPr lang="en-US" sz="2000" dirty="0"/>
+              <a:t>In L.A., where weather is relatively steady, it was hard to determine if this had an effect. When viewing weather vs. ridership in NYC, there was a plummet during the winter months. Slight declines were noted in our LA data with less of a decline in 2017-2018 than in 2016-2017? Was this due to a milder winter or a longer running program?</a:t>
+            </a:r>
+          </a:p>
+          <a:p>
+            <a:r>
+              <a:rPr lang="en-US" sz="2400" dirty="0"/>
+              <a:t>How does tourism affect ridership? </a:t>
+            </a:r>
+          </a:p>
+          <a:p>
+            <a:pPr lvl="1"/>
+            <a:r>
+              <a:rPr lang="en-US" sz="2000" dirty="0"/>
+              <a:t>With more time, we would like to study the effect of tourism seasons and usage by station location to determine how much of the spike in afternoon ridership is attributable to self guided tourism. </a:t>
+            </a:r>
+          </a:p>
+          <a:p>
+            <a:r>
+              <a:rPr lang="en-US" sz="2400" dirty="0"/>
+              <a:t>Is there a way to explore factors like bike safety and ‘bike culture’ in analyzing bike sharing program success? We discovered articles about a lack of safety for bicycle users in Los Angeles.</a:t>
+            </a:r>
+          </a:p>
+          <a:p>
+            <a:pPr marL="0" indent="0">
+              <a:buNone/>
+            </a:pPr>
+            <a:r>
+              <a:rPr lang="en-US" sz="1800" dirty="0">
+                <a:hlinkClick r:id="rId2"/>
+              </a:rPr>
+              <a:t>https://la.curbed.com/2018/7/2/17528250/lebron-james-lakers-los-angeles-biking</a:t>
+            </a:r>
+            <a:endParaRPr lang="en-US" sz="1800" dirty="0"/>
+          </a:p>
+          <a:p>
+            <a:pPr marL="0" indent="0">
+              <a:buNone/>
+            </a:pPr>
+            <a:r>
+              <a:rPr lang="en-US" sz="1800" dirty="0"/>
+              <a:t>“The number cyclists and pedestrians killed on LA’s streets has risen sharply. From 2013 to 2017, 489 walkers and cyclists were killed on LA’s streets. In some underserved communities, the increases are even more dramatic. In some parts of South LA, for example, collisions that involve bikes have increased by 70 percent.”</a:t>
+            </a:r>
+          </a:p>
+          <a:p>
+            <a:pPr lvl="1"/>
+            <a:endParaRPr lang="en-US" dirty="0"/>
+          </a:p>
+          <a:p>
+            <a:endParaRPr lang="en-US" dirty="0"/>
+          </a:p>
+          <a:p>
+            <a:pPr marL="0" indent="0">
+              <a:buNone/>
+            </a:pPr>
+            <a:endParaRPr lang="en-US" dirty="0"/>
+          </a:p>
+        </p:txBody>
+      </p:sp>
+    </p:spTree>
+    <p:extLst>
+      <p:ext uri="{BB962C8B-B14F-4D97-AF65-F5344CB8AC3E}">
+        <p14:creationId xmlns:p14="http://schemas.microsoft.com/office/powerpoint/2010/main" val="192108554"/>
+      </p:ext>
+    </p:extLst>
+  </p:cSld>
+  <p:clrMapOvr>
+    <a:masterClrMapping/>
+  </p:clrMapOvr>
+</p:sld>
+</file>
+
+<file path=ppt/slides/slide12.xml><?xml version="1.0" encoding="utf-8"?>
+<p:sld xmlns:a="http://schemas.openxmlformats.org/drawingml/2006/main" xmlns:r="http://schemas.openxmlformats.org/officeDocument/2006/relationships" xmlns:p="http://schemas.openxmlformats.org/presentationml/2006/main">
+  <p:cSld>
+    <p:spTree>
+      <p:nvGrpSpPr>
+        <p:cNvPr id="1" name=""/>
+        <p:cNvGrpSpPr/>
+        <p:nvPr/>
+      </p:nvGrpSpPr>
+      <p:grpSpPr>
+        <a:xfrm>
+          <a:off x="0" y="0"/>
+          <a:ext cx="0" cy="0"/>
+          <a:chOff x="0" y="0"/>
+          <a:chExt cx="0" cy="0"/>
+        </a:xfrm>
+      </p:grpSpPr>
+      <p:sp>
+        <p:nvSpPr>
           <p:cNvPr id="2" name="TextBox 1">
             <a:extLst>
               <a:ext uri="{FF2B5EF4-FFF2-40B4-BE49-F238E27FC236}">
@@ -4381,7 +4539,7 @@
 </p:sld>
 </file>
 
-<file path=ppt/slides/slide12.xml><?xml version="1.0" encoding="utf-8"?>
+<file path=ppt/slides/slide13.xml><?xml version="1.0" encoding="utf-8"?>
 <p:sld xmlns:a="http://schemas.openxmlformats.org/drawingml/2006/main" xmlns:r="http://schemas.openxmlformats.org/officeDocument/2006/relationships" xmlns:p="http://schemas.openxmlformats.org/presentationml/2006/main">
   <p:cSld>
     <p:spTree>
@@ -4588,6 +4746,30 @@
 <file path=ppt/slides/slide2.xml><?xml version="1.0" encoding="utf-8"?>
 <p:sld xmlns:a="http://schemas.openxmlformats.org/drawingml/2006/main" xmlns:r="http://schemas.openxmlformats.org/officeDocument/2006/relationships" xmlns:p="http://schemas.openxmlformats.org/presentationml/2006/main">
   <p:cSld>
+    <p:bg>
+      <p:bgPr>
+        <a:blipFill dpi="0" rotWithShape="1">
+          <a:blip r:embed="rId2">
+            <a:extLst>
+              <a:ext uri="{BEBA8EAE-BF5A-486C-A8C5-ECC9F3942E4B}">
+                <a14:imgProps xmlns:a14="http://schemas.microsoft.com/office/drawing/2010/main">
+                  <a14:imgLayer r:embed="rId3">
+                    <a14:imgEffect>
+                      <a14:brightnessContrast contrast="-27000"/>
+                    </a14:imgEffect>
+                  </a14:imgLayer>
+                </a14:imgProps>
+              </a:ext>
+            </a:extLst>
+          </a:blip>
+          <a:srcRect/>
+          <a:stretch>
+            <a:fillRect t="-12000" b="-12000"/>
+          </a:stretch>
+        </a:blipFill>
+        <a:effectLst/>
+      </p:bgPr>
+    </p:bg>
     <p:spTree>
       <p:nvGrpSpPr>
         <p:cNvPr id="1" name=""/>
@@ -4607,192 +4789,113 @@
           <p:cNvPr id="2" name="Title 1">
             <a:extLst>
               <a:ext uri="{FF2B5EF4-FFF2-40B4-BE49-F238E27FC236}">
-                <a16:creationId xmlns:a16="http://schemas.microsoft.com/office/drawing/2014/main" id="{9A02539E-9025-4E5A-978B-1BD12080CF96}"/>
-              </a:ext>
-            </a:extLst>
-          </p:cNvPr>
-          <p:cNvSpPr>
-            <a:spLocks noGrp="1"/>
-          </p:cNvSpPr>
-          <p:nvPr>
-            <p:ph type="title"/>
-          </p:nvPr>
-        </p:nvSpPr>
-        <p:spPr>
-          <a:xfrm>
-            <a:off x="0" y="0"/>
-            <a:ext cx="12192000" cy="892408"/>
-          </a:xfrm>
-          <a:solidFill>
-            <a:srgbClr val="F8F200"/>
-          </a:solidFill>
-        </p:spPr>
+                <a16:creationId xmlns:a16="http://schemas.microsoft.com/office/drawing/2014/main" id="{87CFDEE9-FB92-40A9-A0A1-5553F1BC4F2B}"/>
+              </a:ext>
+            </a:extLst>
+          </p:cNvPr>
+          <p:cNvSpPr>
+            <a:spLocks noGrp="1"/>
+          </p:cNvSpPr>
+          <p:nvPr>
+            <p:ph type="ctrTitle"/>
+          </p:nvPr>
+        </p:nvSpPr>
+        <p:spPr/>
         <p:txBody>
           <a:bodyPr>
             <a:normAutofit/>
           </a:bodyPr>
           <a:lstStyle/>
           <a:p>
-            <a:pPr algn="ctr"/>
-            <a:r>
-              <a:rPr lang="en-US" dirty="0"/>
-              <a:t>Motivation and Summary</a:t>
-            </a:r>
-          </a:p>
-        </p:txBody>
-      </p:sp>
-      <p:sp>
-        <p:nvSpPr>
-          <p:cNvPr id="3" name="Content Placeholder 2">
-            <a:extLst>
-              <a:ext uri="{FF2B5EF4-FFF2-40B4-BE49-F238E27FC236}">
-                <a16:creationId xmlns:a16="http://schemas.microsoft.com/office/drawing/2014/main" id="{40ECE2FE-AE3D-4A7E-BAFE-66E4E4D19E6C}"/>
-              </a:ext>
-            </a:extLst>
-          </p:cNvPr>
-          <p:cNvSpPr>
-            <a:spLocks noGrp="1"/>
-          </p:cNvSpPr>
-          <p:nvPr>
-            <p:ph sz="half" idx="1"/>
-          </p:nvPr>
-        </p:nvSpPr>
-        <p:spPr>
-          <a:xfrm>
-            <a:off x="0" y="892408"/>
-            <a:ext cx="6096000" cy="5965592"/>
-          </a:xfrm>
-          <a:solidFill>
-            <a:srgbClr val="00CC00">
-              <a:alpha val="64000"/>
-            </a:srgbClr>
-          </a:solidFill>
-        </p:spPr>
+            <a:r>
+              <a:rPr lang="en-US" sz="8000" b="1" dirty="0">
+                <a:solidFill>
+                  <a:srgbClr val="FAF400"/>
+                </a:solidFill>
+                <a:effectLst>
+                  <a:outerShdw blurRad="38100" dist="38100" dir="2700000" algn="tl">
+                    <a:srgbClr val="000000">
+                      <a:alpha val="43137"/>
+                    </a:srgbClr>
+                  </a:outerShdw>
+                </a:effectLst>
+              </a:rPr>
+              <a:t>When is Bike Sharing Popular?</a:t>
+            </a:r>
+          </a:p>
+        </p:txBody>
+      </p:sp>
+      <p:sp>
+        <p:nvSpPr>
+          <p:cNvPr id="3" name="Subtitle 2">
+            <a:extLst>
+              <a:ext uri="{FF2B5EF4-FFF2-40B4-BE49-F238E27FC236}">
+                <a16:creationId xmlns:a16="http://schemas.microsoft.com/office/drawing/2014/main" id="{51D926AD-C508-4CA0-990C-6A1D85EB6FB6}"/>
+              </a:ext>
+            </a:extLst>
+          </p:cNvPr>
+          <p:cNvSpPr>
+            <a:spLocks noGrp="1"/>
+          </p:cNvSpPr>
+          <p:nvPr>
+            <p:ph type="subTitle" idx="1"/>
+          </p:nvPr>
+        </p:nvSpPr>
+        <p:spPr/>
         <p:txBody>
           <a:bodyPr>
-            <a:normAutofit fontScale="92500" lnSpcReduction="10000"/>
+            <a:noAutofit/>
           </a:bodyPr>
           <a:lstStyle/>
           <a:p>
             <a:r>
-              <a:rPr lang="en-US" sz="2400" dirty="0"/>
-              <a:t>With the arrival of Bike Sharing in St. Louis, we are interested in analyzing the trends in bike sharing programs to determine when people are most likely to use the service, and if the day of the week or weather conditions affect ridership.  If we started a bike sharing program, what trends could we use to determine our success?</a:t>
-            </a:r>
-          </a:p>
-          <a:p>
-            <a:endParaRPr lang="en-US" sz="2400" dirty="0"/>
-          </a:p>
-          <a:p>
-            <a:r>
-              <a:rPr lang="en-US" sz="2400" dirty="0"/>
-              <a:t>How has ridership increased over time?</a:t>
-            </a:r>
-          </a:p>
-          <a:p>
-            <a:r>
-              <a:rPr lang="en-US" sz="2400" dirty="0"/>
-              <a:t>Does business decrease over the weekends?</a:t>
-            </a:r>
-          </a:p>
-          <a:p>
-            <a:r>
-              <a:rPr lang="en-US" sz="2400" dirty="0"/>
-              <a:t>What part of the day sees the most rides? </a:t>
-            </a:r>
-          </a:p>
-          <a:p>
-            <a:r>
-              <a:rPr lang="en-US" sz="2400" dirty="0"/>
-              <a:t>Do weather conditions or air quality affect ridership? </a:t>
-            </a:r>
-          </a:p>
-          <a:p>
-            <a:r>
-              <a:rPr lang="en-US" sz="2400" dirty="0"/>
-              <a:t>How does this compare to longer established program in NYC?</a:t>
-            </a:r>
-          </a:p>
-          <a:p>
-            <a:r>
-              <a:rPr lang="en-US" sz="2400" dirty="0"/>
-              <a:t>What types of rides (passes or walk-up) are used the most?</a:t>
-            </a:r>
-          </a:p>
-          <a:p>
-            <a:endParaRPr lang="en-US" sz="2400" dirty="0"/>
-          </a:p>
-        </p:txBody>
-      </p:sp>
-      <p:sp>
-        <p:nvSpPr>
-          <p:cNvPr id="4" name="Content Placeholder 3">
-            <a:extLst>
-              <a:ext uri="{FF2B5EF4-FFF2-40B4-BE49-F238E27FC236}">
-                <a16:creationId xmlns:a16="http://schemas.microsoft.com/office/drawing/2014/main" id="{48CC5F8A-B8A4-4BC2-B4AA-EADCCCAD951D}"/>
-              </a:ext>
-            </a:extLst>
-          </p:cNvPr>
-          <p:cNvSpPr>
-            <a:spLocks noGrp="1"/>
-          </p:cNvSpPr>
-          <p:nvPr>
-            <p:ph sz="half" idx="2"/>
-          </p:nvPr>
-        </p:nvSpPr>
-        <p:spPr>
-          <a:xfrm>
-            <a:off x="6096000" y="892408"/>
-            <a:ext cx="6096000" cy="5965592"/>
-          </a:xfrm>
-          <a:solidFill>
-            <a:srgbClr val="66FF33">
-              <a:alpha val="76000"/>
-            </a:srgbClr>
-          </a:solidFill>
-        </p:spPr>
-        <p:txBody>
-          <a:bodyPr>
-            <a:normAutofit fontScale="92500" lnSpcReduction="10000"/>
-          </a:bodyPr>
-          <a:lstStyle/>
-          <a:p>
-            <a:r>
-              <a:rPr lang="en-US" dirty="0"/>
-              <a:t>Analyze data from </a:t>
-            </a:r>
-            <a:r>
-              <a:rPr lang="en-US" dirty="0" err="1"/>
-              <a:t>MetroBike</a:t>
-            </a:r>
-            <a:r>
-              <a:rPr lang="en-US" dirty="0"/>
-              <a:t> in Los Angeles, looking for trends in daily and monthly rides from 2016 and 2017, as the program was opened to the public and established over time.</a:t>
-            </a:r>
-          </a:p>
-          <a:p>
-            <a:r>
-              <a:rPr lang="en-US" dirty="0"/>
-              <a:t>Acquired data from data.gov and the </a:t>
-            </a:r>
-            <a:r>
-              <a:rPr lang="en-US" dirty="0" err="1"/>
-              <a:t>MetroBike</a:t>
-            </a:r>
-            <a:r>
-              <a:rPr lang="en-US" dirty="0"/>
-              <a:t> website data page, which required standardizing data formats.</a:t>
-            </a:r>
-          </a:p>
-          <a:p>
-            <a:r>
-              <a:rPr lang="en-US" dirty="0"/>
-              <a:t>Intended to analyze the ridership numbers in relationship to weather conditions, but only had time for general seasonal trends. We were unable to acquire data for air quality conditions. </a:t>
-            </a:r>
-          </a:p>
-          <a:p>
-            <a:r>
-              <a:rPr lang="en-US" dirty="0"/>
-              <a:t>Overall, we determined that we have more questions now than when we began this project. </a:t>
+              <a:rPr lang="en-US" sz="3200" b="1" dirty="0">
+                <a:solidFill>
+                  <a:srgbClr val="FAF400"/>
+                </a:solidFill>
+                <a:effectLst>
+                  <a:outerShdw blurRad="38100" dist="38100" dir="2700000" algn="tl">
+                    <a:srgbClr val="000000">
+                      <a:alpha val="43137"/>
+                    </a:srgbClr>
+                  </a:outerShdw>
+                </a:effectLst>
+              </a:rPr>
+              <a:t>Jennifer Collins</a:t>
+            </a:r>
+          </a:p>
+          <a:p>
+            <a:r>
+              <a:rPr lang="en-US" sz="3200" b="1" dirty="0">
+                <a:solidFill>
+                  <a:srgbClr val="FAF400"/>
+                </a:solidFill>
+                <a:effectLst>
+                  <a:outerShdw blurRad="38100" dist="38100" dir="2700000" algn="tl">
+                    <a:srgbClr val="000000">
+                      <a:alpha val="43137"/>
+                    </a:srgbClr>
+                  </a:outerShdw>
+                </a:effectLst>
+              </a:rPr>
+              <a:t>Ellen Hendricks</a:t>
+            </a:r>
+          </a:p>
+          <a:p>
+            <a:r>
+              <a:rPr lang="en-US" sz="3200" b="1" dirty="0">
+                <a:solidFill>
+                  <a:srgbClr val="FAF400"/>
+                </a:solidFill>
+                <a:effectLst>
+                  <a:outerShdw blurRad="38100" dist="38100" dir="2700000" algn="tl">
+                    <a:srgbClr val="000000">
+                      <a:alpha val="43137"/>
+                    </a:srgbClr>
+                  </a:outerShdw>
+                </a:effectLst>
+              </a:rPr>
+              <a:t>Sarah Small</a:t>
             </a:r>
           </a:p>
         </p:txBody>
@@ -4800,7 +4903,7 @@
     </p:spTree>
     <p:extLst>
       <p:ext uri="{BB962C8B-B14F-4D97-AF65-F5344CB8AC3E}">
-        <p14:creationId xmlns:p14="http://schemas.microsoft.com/office/powerpoint/2010/main" val="872037563"/>
+        <p14:creationId xmlns:p14="http://schemas.microsoft.com/office/powerpoint/2010/main" val="1491437076"/>
       </p:ext>
     </p:extLst>
   </p:cSld>
@@ -4832,280 +4935,192 @@
           <p:cNvPr id="2" name="Title 1">
             <a:extLst>
               <a:ext uri="{FF2B5EF4-FFF2-40B4-BE49-F238E27FC236}">
-                <a16:creationId xmlns:a16="http://schemas.microsoft.com/office/drawing/2014/main" id="{52E16A1A-0E0F-4CEA-90B3-1DC6705090C6}"/>
-              </a:ext>
-            </a:extLst>
-          </p:cNvPr>
-          <p:cNvSpPr>
-            <a:spLocks noGrp="1"/>
-          </p:cNvSpPr>
-          <p:nvPr>
-            <p:ph type="title" idx="4294967295"/>
+                <a16:creationId xmlns:a16="http://schemas.microsoft.com/office/drawing/2014/main" id="{9A02539E-9025-4E5A-978B-1BD12080CF96}"/>
+              </a:ext>
+            </a:extLst>
+          </p:cNvPr>
+          <p:cNvSpPr>
+            <a:spLocks noGrp="1"/>
+          </p:cNvSpPr>
+          <p:nvPr>
+            <p:ph type="title"/>
           </p:nvPr>
         </p:nvSpPr>
         <p:spPr>
           <a:xfrm>
-            <a:off x="0" y="198438"/>
-            <a:ext cx="6641607" cy="1194264"/>
+            <a:off x="0" y="0"/>
+            <a:ext cx="12192000" cy="892408"/>
           </a:xfrm>
+          <a:solidFill>
+            <a:srgbClr val="F8F200"/>
+          </a:solidFill>
         </p:spPr>
         <p:txBody>
           <a:bodyPr>
-            <a:normAutofit fontScale="90000"/>
+            <a:normAutofit/>
           </a:bodyPr>
           <a:lstStyle/>
           <a:p>
+            <a:pPr algn="ctr"/>
             <a:r>
               <a:rPr lang="en-US" dirty="0"/>
-              <a:t>Metro Bikeshare area bike dock maps</a:t>
-            </a:r>
-          </a:p>
-        </p:txBody>
-      </p:sp>
-      <p:pic>
-        <p:nvPicPr>
-          <p:cNvPr id="7" name="Content Placeholder 6">
-            <a:extLst>
-              <a:ext uri="{FF2B5EF4-FFF2-40B4-BE49-F238E27FC236}">
-                <a16:creationId xmlns:a16="http://schemas.microsoft.com/office/drawing/2014/main" id="{CA05C881-B0B9-4545-82C5-5E54ED2F7148}"/>
-              </a:ext>
-            </a:extLst>
-          </p:cNvPr>
-          <p:cNvPicPr>
-            <a:picLocks noGrp="1" noChangeAspect="1"/>
-          </p:cNvPicPr>
-          <p:nvPr>
-            <p:ph idx="4294967295"/>
-          </p:nvPr>
-        </p:nvPicPr>
-        <p:blipFill>
-          <a:blip r:embed="rId2">
-            <a:extLst>
-              <a:ext uri="{BEBA8EAE-BF5A-486C-A8C5-ECC9F3942E4B}">
-                <a14:imgProps xmlns:a14="http://schemas.microsoft.com/office/drawing/2010/main">
-                  <a14:imgLayer r:embed="rId3">
-                    <a14:imgEffect>
-                      <a14:sharpenSoften amount="25000"/>
-                    </a14:imgEffect>
-                    <a14:imgEffect>
-                      <a14:brightnessContrast contrast="40000"/>
-                    </a14:imgEffect>
-                  </a14:imgLayer>
-                </a14:imgProps>
-              </a:ext>
-              <a:ext uri="{28A0092B-C50C-407E-A947-70E740481C1C}">
-                <a14:useLocalDpi xmlns:a14="http://schemas.microsoft.com/office/drawing/2010/main" val="0"/>
-              </a:ext>
-            </a:extLst>
-          </a:blip>
-          <a:stretch>
-            <a:fillRect/>
-          </a:stretch>
-        </p:blipFill>
+              <a:t>Motivation and Summary</a:t>
+            </a:r>
+          </a:p>
+        </p:txBody>
+      </p:sp>
+      <p:sp>
+        <p:nvSpPr>
+          <p:cNvPr id="3" name="Content Placeholder 2">
+            <a:extLst>
+              <a:ext uri="{FF2B5EF4-FFF2-40B4-BE49-F238E27FC236}">
+                <a16:creationId xmlns:a16="http://schemas.microsoft.com/office/drawing/2014/main" id="{40ECE2FE-AE3D-4A7E-BAFE-66E4E4D19E6C}"/>
+              </a:ext>
+            </a:extLst>
+          </p:cNvPr>
+          <p:cNvSpPr>
+            <a:spLocks noGrp="1"/>
+          </p:cNvSpPr>
+          <p:nvPr>
+            <p:ph sz="half" idx="1"/>
+          </p:nvPr>
+        </p:nvSpPr>
         <p:spPr>
           <a:xfrm>
-            <a:off x="163925" y="2247962"/>
-            <a:ext cx="6313756" cy="4149958"/>
+            <a:off x="0" y="892408"/>
+            <a:ext cx="6096000" cy="5965592"/>
           </a:xfrm>
+          <a:solidFill>
+            <a:srgbClr val="00CC00">
+              <a:alpha val="64000"/>
+            </a:srgbClr>
+          </a:solidFill>
         </p:spPr>
-      </p:pic>
-      <p:pic>
-        <p:nvPicPr>
-          <p:cNvPr id="4" name="Picture 3">
-            <a:extLst>
-              <a:ext uri="{FF2B5EF4-FFF2-40B4-BE49-F238E27FC236}">
-                <a16:creationId xmlns:a16="http://schemas.microsoft.com/office/drawing/2014/main" id="{E5515F36-8BD3-4E39-96D8-24EDE7B88461}"/>
-              </a:ext>
-            </a:extLst>
-          </p:cNvPr>
-          <p:cNvPicPr>
-            <a:picLocks noChangeAspect="1"/>
-          </p:cNvPicPr>
-          <p:nvPr/>
-        </p:nvPicPr>
-        <p:blipFill>
-          <a:blip r:embed="rId4">
-            <a:extLst>
-              <a:ext uri="{BEBA8EAE-BF5A-486C-A8C5-ECC9F3942E4B}">
-                <a14:imgProps xmlns:a14="http://schemas.microsoft.com/office/drawing/2010/main">
-                  <a14:imgLayer r:embed="rId5">
-                    <a14:imgEffect>
-                      <a14:sharpenSoften amount="35000"/>
-                    </a14:imgEffect>
-                    <a14:imgEffect>
-                      <a14:brightnessContrast bright="4000" contrast="25000"/>
-                    </a14:imgEffect>
-                  </a14:imgLayer>
-                </a14:imgProps>
-              </a:ext>
-              <a:ext uri="{28A0092B-C50C-407E-A947-70E740481C1C}">
-                <a14:useLocalDpi xmlns:a14="http://schemas.microsoft.com/office/drawing/2010/main" val="0"/>
-              </a:ext>
-            </a:extLst>
-          </a:blip>
-          <a:stretch>
-            <a:fillRect/>
-          </a:stretch>
-        </p:blipFill>
+        <p:txBody>
+          <a:bodyPr>
+            <a:normAutofit fontScale="92500" lnSpcReduction="10000"/>
+          </a:bodyPr>
+          <a:lstStyle/>
+          <a:p>
+            <a:r>
+              <a:rPr lang="en-US" sz="2400" dirty="0"/>
+              <a:t>With the arrival of Bike Sharing in St. Louis, we are interested in analyzing the trends in bike sharing programs to determine when people are most likely to use the service, and if the day of the week or weather conditions affect ridership.  If we started a bike sharing program, what trends could we use to determine our success?</a:t>
+            </a:r>
+          </a:p>
+          <a:p>
+            <a:endParaRPr lang="en-US" sz="2400" dirty="0"/>
+          </a:p>
+          <a:p>
+            <a:r>
+              <a:rPr lang="en-US" sz="2400" dirty="0"/>
+              <a:t>How has ridership increased over time?</a:t>
+            </a:r>
+          </a:p>
+          <a:p>
+            <a:r>
+              <a:rPr lang="en-US" sz="2400" dirty="0"/>
+              <a:t>Does business increase or decrease over the weekends?</a:t>
+            </a:r>
+          </a:p>
+          <a:p>
+            <a:r>
+              <a:rPr lang="en-US" sz="2400" dirty="0"/>
+              <a:t>What part of the day sees the most rides? </a:t>
+            </a:r>
+          </a:p>
+          <a:p>
+            <a:r>
+              <a:rPr lang="en-US" sz="2400" dirty="0"/>
+              <a:t>Do weather conditions or air quality affect ridership? </a:t>
+            </a:r>
+          </a:p>
+          <a:p>
+            <a:r>
+              <a:rPr lang="en-US" sz="2400" dirty="0"/>
+              <a:t>How does this compare to longer established program in NYC?</a:t>
+            </a:r>
+          </a:p>
+          <a:p>
+            <a:r>
+              <a:rPr lang="en-US" sz="2400" dirty="0"/>
+              <a:t>What types of rides (passes or walk-up) are used the most?</a:t>
+            </a:r>
+          </a:p>
+          <a:p>
+            <a:endParaRPr lang="en-US" sz="2400" dirty="0"/>
+          </a:p>
+        </p:txBody>
+      </p:sp>
+      <p:sp>
+        <p:nvSpPr>
+          <p:cNvPr id="4" name="Content Placeholder 3">
+            <a:extLst>
+              <a:ext uri="{FF2B5EF4-FFF2-40B4-BE49-F238E27FC236}">
+                <a16:creationId xmlns:a16="http://schemas.microsoft.com/office/drawing/2014/main" id="{48CC5F8A-B8A4-4BC2-B4AA-EADCCCAD951D}"/>
+              </a:ext>
+            </a:extLst>
+          </p:cNvPr>
+          <p:cNvSpPr>
+            <a:spLocks noGrp="1"/>
+          </p:cNvSpPr>
+          <p:nvPr>
+            <p:ph sz="half" idx="2"/>
+          </p:nvPr>
+        </p:nvSpPr>
         <p:spPr>
           <a:xfrm>
-            <a:off x="8310025" y="3644942"/>
-            <a:ext cx="3881976" cy="3213058"/>
+            <a:off x="6096000" y="892408"/>
+            <a:ext cx="6096000" cy="5965592"/>
           </a:xfrm>
-          <a:prstGeom prst="rect">
-            <a:avLst/>
-          </a:prstGeom>
+          <a:solidFill>
+            <a:srgbClr val="66FF33">
+              <a:alpha val="76000"/>
+            </a:srgbClr>
+          </a:solidFill>
         </p:spPr>
-      </p:pic>
-      <p:pic>
-        <p:nvPicPr>
-          <p:cNvPr id="6" name="Picture 5">
-            <a:extLst>
-              <a:ext uri="{FF2B5EF4-FFF2-40B4-BE49-F238E27FC236}">
-                <a16:creationId xmlns:a16="http://schemas.microsoft.com/office/drawing/2014/main" id="{A643BE67-3166-46A4-9081-6D4F77351A56}"/>
-              </a:ext>
-            </a:extLst>
-          </p:cNvPr>
-          <p:cNvPicPr>
-            <a:picLocks noChangeAspect="1"/>
-          </p:cNvPicPr>
-          <p:nvPr/>
-        </p:nvPicPr>
-        <p:blipFill>
-          <a:blip r:embed="rId6">
-            <a:extLst>
-              <a:ext uri="{BEBA8EAE-BF5A-486C-A8C5-ECC9F3942E4B}">
-                <a14:imgProps xmlns:a14="http://schemas.microsoft.com/office/drawing/2010/main">
-                  <a14:imgLayer r:embed="rId7">
-                    <a14:imgEffect>
-                      <a14:sharpenSoften amount="25000"/>
-                    </a14:imgEffect>
-                    <a14:imgEffect>
-                      <a14:brightnessContrast bright="9000" contrast="25000"/>
-                    </a14:imgEffect>
-                  </a14:imgLayer>
-                </a14:imgProps>
-              </a:ext>
-              <a:ext uri="{28A0092B-C50C-407E-A947-70E740481C1C}">
-                <a14:useLocalDpi xmlns:a14="http://schemas.microsoft.com/office/drawing/2010/main" val="0"/>
-              </a:ext>
-            </a:extLst>
-          </a:blip>
-          <a:stretch>
-            <a:fillRect/>
-          </a:stretch>
-        </p:blipFill>
-        <p:spPr>
-          <a:xfrm>
-            <a:off x="8310025" y="-1"/>
-            <a:ext cx="3718050" cy="3583735"/>
-          </a:xfrm>
-          <a:prstGeom prst="rect">
-            <a:avLst/>
-          </a:prstGeom>
-        </p:spPr>
-      </p:pic>
-      <p:sp>
-        <p:nvSpPr>
-          <p:cNvPr id="9" name="TextBox 8">
-            <a:extLst>
-              <a:ext uri="{FF2B5EF4-FFF2-40B4-BE49-F238E27FC236}">
-                <a16:creationId xmlns:a16="http://schemas.microsoft.com/office/drawing/2014/main" id="{01CC3F03-A97C-436D-B214-B77AFF216DCC}"/>
-              </a:ext>
-            </a:extLst>
-          </p:cNvPr>
-          <p:cNvSpPr txBox="1"/>
-          <p:nvPr/>
-        </p:nvSpPr>
-        <p:spPr>
-          <a:xfrm>
-            <a:off x="163925" y="1791867"/>
-            <a:ext cx="3718050" cy="369332"/>
-          </a:xfrm>
-          <a:prstGeom prst="rect">
-            <a:avLst/>
-          </a:prstGeom>
-          <a:noFill/>
-        </p:spPr>
-        <p:txBody>
-          <a:bodyPr wrap="square" rtlCol="0">
-            <a:spAutoFit/>
+        <p:txBody>
+          <a:bodyPr>
+            <a:normAutofit fontScale="92500" lnSpcReduction="10000"/>
           </a:bodyPr>
           <a:lstStyle/>
           <a:p>
             <a:r>
               <a:rPr lang="en-US" dirty="0"/>
-              <a:t>Downtown Los Angeles</a:t>
-            </a:r>
-          </a:p>
-        </p:txBody>
-      </p:sp>
-      <p:sp>
-        <p:nvSpPr>
-          <p:cNvPr id="10" name="TextBox 9">
-            <a:extLst>
-              <a:ext uri="{FF2B5EF4-FFF2-40B4-BE49-F238E27FC236}">
-                <a16:creationId xmlns:a16="http://schemas.microsoft.com/office/drawing/2014/main" id="{50B8DD33-1C48-47ED-8E73-DD50826E53A5}"/>
-              </a:ext>
-            </a:extLst>
-          </p:cNvPr>
-          <p:cNvSpPr txBox="1"/>
-          <p:nvPr/>
-        </p:nvSpPr>
-        <p:spPr>
-          <a:xfrm>
-            <a:off x="6641607" y="1088571"/>
-            <a:ext cx="1668418" cy="923330"/>
-          </a:xfrm>
-          <a:prstGeom prst="rect">
-            <a:avLst/>
-          </a:prstGeom>
-          <a:noFill/>
-        </p:spPr>
-        <p:txBody>
-          <a:bodyPr wrap="square" rtlCol="0">
-            <a:spAutoFit/>
-          </a:bodyPr>
-          <a:lstStyle/>
-          <a:p>
+              <a:t>Analyze data from </a:t>
+            </a:r>
+            <a:r>
+              <a:rPr lang="en-US" dirty="0" err="1"/>
+              <a:t>MetroBike</a:t>
+            </a:r>
             <a:r>
               <a:rPr lang="en-US" dirty="0"/>
-              <a:t>Santa Monica and Venice Beach</a:t>
-            </a:r>
-          </a:p>
-        </p:txBody>
-      </p:sp>
-      <p:sp>
-        <p:nvSpPr>
-          <p:cNvPr id="11" name="TextBox 10">
-            <a:extLst>
-              <a:ext uri="{FF2B5EF4-FFF2-40B4-BE49-F238E27FC236}">
-                <a16:creationId xmlns:a16="http://schemas.microsoft.com/office/drawing/2014/main" id="{1BBAC46B-0E25-4811-8B60-B4B3230E056D}"/>
-              </a:ext>
-            </a:extLst>
-          </p:cNvPr>
-          <p:cNvSpPr txBox="1"/>
-          <p:nvPr/>
-        </p:nvSpPr>
-        <p:spPr>
-          <a:xfrm>
-            <a:off x="6821714" y="4180114"/>
-            <a:ext cx="1306286" cy="646331"/>
-          </a:xfrm>
-          <a:prstGeom prst="rect">
-            <a:avLst/>
-          </a:prstGeom>
-          <a:noFill/>
-        </p:spPr>
-        <p:txBody>
-          <a:bodyPr wrap="square" rtlCol="0">
-            <a:spAutoFit/>
-          </a:bodyPr>
-          <a:lstStyle/>
+              <a:t> in Los Angeles, looking for trends in daily and monthly rides from 2016 and 2017, as the program was opened to the public and established over time.</a:t>
+            </a:r>
+          </a:p>
           <a:p>
             <a:r>
               <a:rPr lang="en-US" dirty="0"/>
-              <a:t>Coast/ Port area</a:t>
+              <a:t>Acquired data from data.gov and the </a:t>
+            </a:r>
+            <a:r>
+              <a:rPr lang="en-US" dirty="0" err="1"/>
+              <a:t>MetroBike</a:t>
+            </a:r>
+            <a:r>
+              <a:rPr lang="en-US" dirty="0"/>
+              <a:t> website data page, which required standardizing data formats.</a:t>
+            </a:r>
+          </a:p>
+          <a:p>
+            <a:r>
+              <a:rPr lang="en-US" dirty="0"/>
+              <a:t>Intended to analyze the ridership numbers in relationship to weather conditions, but only had time for general seasonal trends. We were unable to acquire data for air quality conditions. </a:t>
+            </a:r>
+          </a:p>
+          <a:p>
+            <a:r>
+              <a:rPr lang="en-US" dirty="0"/>
+              <a:t>Overall, we determined that we have more questions now than when we began this project. </a:t>
             </a:r>
           </a:p>
         </p:txBody>
@@ -5113,7 +5128,7 @@
     </p:spTree>
     <p:extLst>
       <p:ext uri="{BB962C8B-B14F-4D97-AF65-F5344CB8AC3E}">
-        <p14:creationId xmlns:p14="http://schemas.microsoft.com/office/powerpoint/2010/main" val="2726492229"/>
+        <p14:creationId xmlns:p14="http://schemas.microsoft.com/office/powerpoint/2010/main" val="872037563"/>
       </p:ext>
     </p:extLst>
   </p:cSld>
@@ -5145,49 +5160,42 @@
           <p:cNvPr id="2" name="Title 1">
             <a:extLst>
               <a:ext uri="{FF2B5EF4-FFF2-40B4-BE49-F238E27FC236}">
-                <a16:creationId xmlns:a16="http://schemas.microsoft.com/office/drawing/2014/main" id="{34C276C5-1E3C-4475-B6E1-40C73A48FE5A}"/>
-              </a:ext>
-            </a:extLst>
-          </p:cNvPr>
-          <p:cNvSpPr>
-            <a:spLocks noGrp="1"/>
-          </p:cNvSpPr>
-          <p:nvPr>
-            <p:ph type="title"/>
+                <a16:creationId xmlns:a16="http://schemas.microsoft.com/office/drawing/2014/main" id="{52E16A1A-0E0F-4CEA-90B3-1DC6705090C6}"/>
+              </a:ext>
+            </a:extLst>
+          </p:cNvPr>
+          <p:cNvSpPr>
+            <a:spLocks noGrp="1"/>
+          </p:cNvSpPr>
+          <p:nvPr>
+            <p:ph type="title" idx="4294967295"/>
           </p:nvPr>
         </p:nvSpPr>
         <p:spPr>
           <a:xfrm>
-            <a:off x="838200" y="193113"/>
-            <a:ext cx="10515600" cy="1325563"/>
+            <a:off x="0" y="198438"/>
+            <a:ext cx="6641607" cy="1194264"/>
           </a:xfrm>
         </p:spPr>
         <p:txBody>
           <a:bodyPr>
-            <a:normAutofit/>
+            <a:normAutofit fontScale="90000"/>
           </a:bodyPr>
           <a:lstStyle/>
           <a:p>
             <a:r>
-              <a:rPr lang="en-US" sz="2400" dirty="0"/>
-              <a:t>Hypothesis 1: Ridership has increased steadily over time following the opening of business in 2016.</a:t>
-            </a:r>
-            <a:br>
-              <a:rPr lang="en-US" sz="2400" dirty="0"/>
-            </a:br>
-            <a:r>
-              <a:rPr lang="en-US" sz="2400" dirty="0"/>
-              <a:t>Null Hypothesis: Ridership has not shown a steady increase over time.</a:t>
+              <a:rPr lang="en-US" dirty="0"/>
+              <a:t>Metro Bikeshare area bike dock maps</a:t>
             </a:r>
           </a:p>
         </p:txBody>
       </p:sp>
       <p:pic>
         <p:nvPicPr>
-          <p:cNvPr id="5" name="Content Placeholder 4">
-            <a:extLst>
-              <a:ext uri="{FF2B5EF4-FFF2-40B4-BE49-F238E27FC236}">
-                <a16:creationId xmlns:a16="http://schemas.microsoft.com/office/drawing/2014/main" id="{667667D2-A9F4-4FF4-9B27-7E571920B45F}"/>
+          <p:cNvPr id="7" name="Content Placeholder 6">
+            <a:extLst>
+              <a:ext uri="{FF2B5EF4-FFF2-40B4-BE49-F238E27FC236}">
+                <a16:creationId xmlns:a16="http://schemas.microsoft.com/office/drawing/2014/main" id="{CA05C881-B0B9-4545-82C5-5E54ED2F7148}"/>
               </a:ext>
             </a:extLst>
           </p:cNvPr>
@@ -5195,7 +5203,7 @@
             <a:picLocks noGrp="1" noChangeAspect="1"/>
           </p:cNvPicPr>
           <p:nvPr>
-            <p:ph idx="1"/>
+            <p:ph idx="4294967295"/>
           </p:nvPr>
         </p:nvPicPr>
         <p:blipFill>
@@ -5208,7 +5216,7 @@
                       <a14:sharpenSoften amount="25000"/>
                     </a14:imgEffect>
                     <a14:imgEffect>
-                      <a14:brightnessContrast contrast="-40000"/>
+                      <a14:brightnessContrast contrast="40000"/>
                     </a14:imgEffect>
                   </a14:imgLayer>
                 </a14:imgProps>
@@ -5224,15 +5232,216 @@
         </p:blipFill>
         <p:spPr>
           <a:xfrm>
-            <a:off x="655320" y="1518676"/>
-            <a:ext cx="10289344" cy="5001700"/>
+            <a:off x="163925" y="2247962"/>
+            <a:ext cx="6313756" cy="4149958"/>
           </a:xfrm>
         </p:spPr>
       </p:pic>
+      <p:pic>
+        <p:nvPicPr>
+          <p:cNvPr id="4" name="Picture 3">
+            <a:extLst>
+              <a:ext uri="{FF2B5EF4-FFF2-40B4-BE49-F238E27FC236}">
+                <a16:creationId xmlns:a16="http://schemas.microsoft.com/office/drawing/2014/main" id="{E5515F36-8BD3-4E39-96D8-24EDE7B88461}"/>
+              </a:ext>
+            </a:extLst>
+          </p:cNvPr>
+          <p:cNvPicPr>
+            <a:picLocks noChangeAspect="1"/>
+          </p:cNvPicPr>
+          <p:nvPr/>
+        </p:nvPicPr>
+        <p:blipFill>
+          <a:blip r:embed="rId4">
+            <a:extLst>
+              <a:ext uri="{BEBA8EAE-BF5A-486C-A8C5-ECC9F3942E4B}">
+                <a14:imgProps xmlns:a14="http://schemas.microsoft.com/office/drawing/2010/main">
+                  <a14:imgLayer r:embed="rId5">
+                    <a14:imgEffect>
+                      <a14:sharpenSoften amount="35000"/>
+                    </a14:imgEffect>
+                    <a14:imgEffect>
+                      <a14:brightnessContrast bright="4000" contrast="25000"/>
+                    </a14:imgEffect>
+                  </a14:imgLayer>
+                </a14:imgProps>
+              </a:ext>
+              <a:ext uri="{28A0092B-C50C-407E-A947-70E740481C1C}">
+                <a14:useLocalDpi xmlns:a14="http://schemas.microsoft.com/office/drawing/2010/main" val="0"/>
+              </a:ext>
+            </a:extLst>
+          </a:blip>
+          <a:stretch>
+            <a:fillRect/>
+          </a:stretch>
+        </p:blipFill>
+        <p:spPr>
+          <a:xfrm>
+            <a:off x="8310025" y="3644942"/>
+            <a:ext cx="3881976" cy="3213058"/>
+          </a:xfrm>
+          <a:prstGeom prst="rect">
+            <a:avLst/>
+          </a:prstGeom>
+        </p:spPr>
+      </p:pic>
+      <p:pic>
+        <p:nvPicPr>
+          <p:cNvPr id="6" name="Picture 5">
+            <a:extLst>
+              <a:ext uri="{FF2B5EF4-FFF2-40B4-BE49-F238E27FC236}">
+                <a16:creationId xmlns:a16="http://schemas.microsoft.com/office/drawing/2014/main" id="{A643BE67-3166-46A4-9081-6D4F77351A56}"/>
+              </a:ext>
+            </a:extLst>
+          </p:cNvPr>
+          <p:cNvPicPr>
+            <a:picLocks noChangeAspect="1"/>
+          </p:cNvPicPr>
+          <p:nvPr/>
+        </p:nvPicPr>
+        <p:blipFill>
+          <a:blip r:embed="rId6">
+            <a:extLst>
+              <a:ext uri="{BEBA8EAE-BF5A-486C-A8C5-ECC9F3942E4B}">
+                <a14:imgProps xmlns:a14="http://schemas.microsoft.com/office/drawing/2010/main">
+                  <a14:imgLayer r:embed="rId7">
+                    <a14:imgEffect>
+                      <a14:sharpenSoften amount="25000"/>
+                    </a14:imgEffect>
+                    <a14:imgEffect>
+                      <a14:brightnessContrast bright="9000" contrast="25000"/>
+                    </a14:imgEffect>
+                  </a14:imgLayer>
+                </a14:imgProps>
+              </a:ext>
+              <a:ext uri="{28A0092B-C50C-407E-A947-70E740481C1C}">
+                <a14:useLocalDpi xmlns:a14="http://schemas.microsoft.com/office/drawing/2010/main" val="0"/>
+              </a:ext>
+            </a:extLst>
+          </a:blip>
+          <a:stretch>
+            <a:fillRect/>
+          </a:stretch>
+        </p:blipFill>
+        <p:spPr>
+          <a:xfrm>
+            <a:off x="8310025" y="-1"/>
+            <a:ext cx="3718050" cy="3583735"/>
+          </a:xfrm>
+          <a:prstGeom prst="rect">
+            <a:avLst/>
+          </a:prstGeom>
+        </p:spPr>
+      </p:pic>
+      <p:sp>
+        <p:nvSpPr>
+          <p:cNvPr id="9" name="TextBox 8">
+            <a:extLst>
+              <a:ext uri="{FF2B5EF4-FFF2-40B4-BE49-F238E27FC236}">
+                <a16:creationId xmlns:a16="http://schemas.microsoft.com/office/drawing/2014/main" id="{01CC3F03-A97C-436D-B214-B77AFF216DCC}"/>
+              </a:ext>
+            </a:extLst>
+          </p:cNvPr>
+          <p:cNvSpPr txBox="1"/>
+          <p:nvPr/>
+        </p:nvSpPr>
+        <p:spPr>
+          <a:xfrm>
+            <a:off x="163925" y="1791867"/>
+            <a:ext cx="3718050" cy="369332"/>
+          </a:xfrm>
+          <a:prstGeom prst="rect">
+            <a:avLst/>
+          </a:prstGeom>
+          <a:noFill/>
+        </p:spPr>
+        <p:txBody>
+          <a:bodyPr wrap="square" rtlCol="0">
+            <a:spAutoFit/>
+          </a:bodyPr>
+          <a:lstStyle/>
+          <a:p>
+            <a:r>
+              <a:rPr lang="en-US" dirty="0"/>
+              <a:t>Downtown Los Angeles</a:t>
+            </a:r>
+          </a:p>
+        </p:txBody>
+      </p:sp>
+      <p:sp>
+        <p:nvSpPr>
+          <p:cNvPr id="10" name="TextBox 9">
+            <a:extLst>
+              <a:ext uri="{FF2B5EF4-FFF2-40B4-BE49-F238E27FC236}">
+                <a16:creationId xmlns:a16="http://schemas.microsoft.com/office/drawing/2014/main" id="{50B8DD33-1C48-47ED-8E73-DD50826E53A5}"/>
+              </a:ext>
+            </a:extLst>
+          </p:cNvPr>
+          <p:cNvSpPr txBox="1"/>
+          <p:nvPr/>
+        </p:nvSpPr>
+        <p:spPr>
+          <a:xfrm>
+            <a:off x="6641607" y="1088571"/>
+            <a:ext cx="1668418" cy="923330"/>
+          </a:xfrm>
+          <a:prstGeom prst="rect">
+            <a:avLst/>
+          </a:prstGeom>
+          <a:noFill/>
+        </p:spPr>
+        <p:txBody>
+          <a:bodyPr wrap="square" rtlCol="0">
+            <a:spAutoFit/>
+          </a:bodyPr>
+          <a:lstStyle/>
+          <a:p>
+            <a:r>
+              <a:rPr lang="en-US" dirty="0"/>
+              <a:t>Santa Monica and Venice Beach</a:t>
+            </a:r>
+          </a:p>
+        </p:txBody>
+      </p:sp>
+      <p:sp>
+        <p:nvSpPr>
+          <p:cNvPr id="11" name="TextBox 10">
+            <a:extLst>
+              <a:ext uri="{FF2B5EF4-FFF2-40B4-BE49-F238E27FC236}">
+                <a16:creationId xmlns:a16="http://schemas.microsoft.com/office/drawing/2014/main" id="{1BBAC46B-0E25-4811-8B60-B4B3230E056D}"/>
+              </a:ext>
+            </a:extLst>
+          </p:cNvPr>
+          <p:cNvSpPr txBox="1"/>
+          <p:nvPr/>
+        </p:nvSpPr>
+        <p:spPr>
+          <a:xfrm>
+            <a:off x="6821714" y="4180114"/>
+            <a:ext cx="1306286" cy="646331"/>
+          </a:xfrm>
+          <a:prstGeom prst="rect">
+            <a:avLst/>
+          </a:prstGeom>
+          <a:noFill/>
+        </p:spPr>
+        <p:txBody>
+          <a:bodyPr wrap="square" rtlCol="0">
+            <a:spAutoFit/>
+          </a:bodyPr>
+          <a:lstStyle/>
+          <a:p>
+            <a:r>
+              <a:rPr lang="en-US" dirty="0"/>
+              <a:t>Coast/ Port area</a:t>
+            </a:r>
+          </a:p>
+        </p:txBody>
+      </p:sp>
     </p:spTree>
     <p:extLst>
       <p:ext uri="{BB962C8B-B14F-4D97-AF65-F5344CB8AC3E}">
-        <p14:creationId xmlns:p14="http://schemas.microsoft.com/office/powerpoint/2010/main" val="326783521"/>
+        <p14:creationId xmlns:p14="http://schemas.microsoft.com/office/powerpoint/2010/main" val="2726492229"/>
       </p:ext>
     </p:extLst>
   </p:cSld>
@@ -5264,7 +5473,7 @@
           <p:cNvPr id="2" name="Title 1">
             <a:extLst>
               <a:ext uri="{FF2B5EF4-FFF2-40B4-BE49-F238E27FC236}">
-                <a16:creationId xmlns:a16="http://schemas.microsoft.com/office/drawing/2014/main" id="{B7FF9985-FA3A-44EB-81F7-820AAD99B752}"/>
+                <a16:creationId xmlns:a16="http://schemas.microsoft.com/office/drawing/2014/main" id="{34C276C5-1E3C-4475-B6E1-40C73A48FE5A}"/>
               </a:ext>
             </a:extLst>
           </p:cNvPr>
@@ -5277,8 +5486,8 @@
         </p:nvSpPr>
         <p:spPr>
           <a:xfrm>
-            <a:off x="699795" y="211015"/>
-            <a:ext cx="10654005" cy="1095271"/>
+            <a:off x="838200" y="193113"/>
+            <a:ext cx="10515600" cy="1325563"/>
           </a:xfrm>
         </p:spPr>
         <p:txBody>
@@ -5288,25 +5497,25 @@
           <a:lstStyle/>
           <a:p>
             <a:r>
-              <a:rPr lang="en-US" sz="2200" dirty="0"/>
-              <a:t>Hypothesis: Bike sharing riders use the system differently depending on the day of the  week.</a:t>
+              <a:rPr lang="en-US" sz="2400" dirty="0"/>
+              <a:t>Hypothesis 1: Ridership has increased steadily over time following the opening of business in 2016.</a:t>
             </a:r>
             <a:br>
-              <a:rPr lang="en-US" sz="2200" dirty="0"/>
+              <a:rPr lang="en-US" sz="2400" dirty="0"/>
             </a:br>
             <a:r>
-              <a:rPr lang="en-US" sz="2200" dirty="0"/>
-              <a:t>Null hypothesis: Day of the week has no effect on total ridership.</a:t>
+              <a:rPr lang="en-US" sz="2400" dirty="0"/>
+              <a:t>Null Hypothesis: Ridership has not shown a steady increase over time.</a:t>
             </a:r>
           </a:p>
         </p:txBody>
       </p:sp>
       <p:pic>
         <p:nvPicPr>
-          <p:cNvPr id="7" name="Content Placeholder 6">
-            <a:extLst>
-              <a:ext uri="{FF2B5EF4-FFF2-40B4-BE49-F238E27FC236}">
-                <a16:creationId xmlns:a16="http://schemas.microsoft.com/office/drawing/2014/main" id="{22F8AA73-4CD8-4BF2-856B-4B046E4A6BAB}"/>
+          <p:cNvPr id="5" name="Content Placeholder 4">
+            <a:extLst>
+              <a:ext uri="{FF2B5EF4-FFF2-40B4-BE49-F238E27FC236}">
+                <a16:creationId xmlns:a16="http://schemas.microsoft.com/office/drawing/2014/main" id="{667667D2-A9F4-4FF4-9B27-7E571920B45F}"/>
               </a:ext>
             </a:extLst>
           </p:cNvPr>
@@ -5327,7 +5536,7 @@
                       <a14:sharpenSoften amount="25000"/>
                     </a14:imgEffect>
                     <a14:imgEffect>
-                      <a14:brightnessContrast contrast="20000"/>
+                      <a14:brightnessContrast contrast="-40000"/>
                     </a14:imgEffect>
                   </a14:imgLayer>
                 </a14:imgProps>
@@ -5343,15 +5552,15 @@
         </p:blipFill>
         <p:spPr>
           <a:xfrm>
-            <a:off x="699795" y="1306286"/>
-            <a:ext cx="10515599" cy="5437163"/>
+            <a:off x="655320" y="1518676"/>
+            <a:ext cx="10289344" cy="5001700"/>
           </a:xfrm>
         </p:spPr>
       </p:pic>
     </p:spTree>
     <p:extLst>
       <p:ext uri="{BB962C8B-B14F-4D97-AF65-F5344CB8AC3E}">
-        <p14:creationId xmlns:p14="http://schemas.microsoft.com/office/powerpoint/2010/main" val="417455639"/>
+        <p14:creationId xmlns:p14="http://schemas.microsoft.com/office/powerpoint/2010/main" val="326783521"/>
       </p:ext>
     </p:extLst>
   </p:cSld>
@@ -5383,7 +5592,7 @@
           <p:cNvPr id="2" name="Title 1">
             <a:extLst>
               <a:ext uri="{FF2B5EF4-FFF2-40B4-BE49-F238E27FC236}">
-                <a16:creationId xmlns:a16="http://schemas.microsoft.com/office/drawing/2014/main" id="{2DC88050-8777-47D4-97B3-AC32CFD4DBDE}"/>
+                <a16:creationId xmlns:a16="http://schemas.microsoft.com/office/drawing/2014/main" id="{B7FF9985-FA3A-44EB-81F7-820AAD99B752}"/>
               </a:ext>
             </a:extLst>
           </p:cNvPr>
@@ -5396,8 +5605,8 @@
         </p:nvSpPr>
         <p:spPr>
           <a:xfrm>
-            <a:off x="838200" y="209056"/>
-            <a:ext cx="10515600" cy="1013509"/>
+            <a:off x="699795" y="211015"/>
+            <a:ext cx="10654005" cy="1095271"/>
           </a:xfrm>
         </p:spPr>
         <p:txBody>
@@ -5407,62 +5616,25 @@
           <a:lstStyle/>
           <a:p>
             <a:r>
-              <a:rPr lang="en-US" sz="2800" dirty="0"/>
-              <a:t>Notable trends: Why is there a large spike during October in both 2016 and 2017?</a:t>
-            </a:r>
-          </a:p>
-        </p:txBody>
-      </p:sp>
-      <p:sp>
-        <p:nvSpPr>
-          <p:cNvPr id="6" name="Text Placeholder 5">
-            <a:extLst>
-              <a:ext uri="{FF2B5EF4-FFF2-40B4-BE49-F238E27FC236}">
-                <a16:creationId xmlns:a16="http://schemas.microsoft.com/office/drawing/2014/main" id="{504B4854-AF6E-4A9B-ACD2-4852305F992D}"/>
-              </a:ext>
-            </a:extLst>
-          </p:cNvPr>
-          <p:cNvSpPr>
-            <a:spLocks noGrp="1"/>
-          </p:cNvSpPr>
-          <p:nvPr>
-            <p:ph type="body" idx="4294967295"/>
-          </p:nvPr>
-        </p:nvSpPr>
-        <p:spPr>
-          <a:xfrm>
-            <a:off x="946152" y="1222565"/>
-            <a:ext cx="10515600" cy="880183"/>
-          </a:xfrm>
-        </p:spPr>
-        <p:txBody>
-          <a:bodyPr>
-            <a:normAutofit fontScale="70000" lnSpcReduction="20000"/>
-          </a:bodyPr>
-          <a:lstStyle/>
-          <a:p>
-            <a:r>
-              <a:rPr lang="en-US" dirty="0">
-                <a:hlinkClick r:id="rId2"/>
-              </a:rPr>
-              <a:t>http://www.welikela.com/event/ciclavia-heart-la-10-16-2016/</a:t>
-            </a:r>
-            <a:endParaRPr lang="en-US" dirty="0"/>
-          </a:p>
-          <a:p>
-            <a:r>
-              <a:rPr lang="en-US" dirty="0"/>
-              <a:t>This is an annual event billed as a free street party that restricts road usage to pedestrians and bicycle traffic. Research shows that the festival for 2018 is scheduled for September 30, 2018.</a:t>
+              <a:rPr lang="en-US" sz="2200" dirty="0"/>
+              <a:t>Hypothesis: Bike sharing riders use the system differently depending on the day of the  week.</a:t>
+            </a:r>
+            <a:br>
+              <a:rPr lang="en-US" sz="2200" dirty="0"/>
+            </a:br>
+            <a:r>
+              <a:rPr lang="en-US" sz="2200" dirty="0"/>
+              <a:t>Null hypothesis: Day of the week has no effect on total ridership.</a:t>
             </a:r>
           </a:p>
         </p:txBody>
       </p:sp>
       <p:pic>
         <p:nvPicPr>
-          <p:cNvPr id="11" name="Content Placeholder 10">
-            <a:extLst>
-              <a:ext uri="{FF2B5EF4-FFF2-40B4-BE49-F238E27FC236}">
-                <a16:creationId xmlns:a16="http://schemas.microsoft.com/office/drawing/2014/main" id="{F5A42A68-5E42-4031-B37E-CA3BEDCE3BEE}"/>
+          <p:cNvPr id="7" name="Content Placeholder 6">
+            <a:extLst>
+              <a:ext uri="{FF2B5EF4-FFF2-40B4-BE49-F238E27FC236}">
+                <a16:creationId xmlns:a16="http://schemas.microsoft.com/office/drawing/2014/main" id="{22F8AA73-4CD8-4BF2-856B-4B046E4A6BAB}"/>
               </a:ext>
             </a:extLst>
           </p:cNvPr>
@@ -5470,15 +5642,15 @@
             <a:picLocks noGrp="1" noChangeAspect="1"/>
           </p:cNvPicPr>
           <p:nvPr>
-            <p:ph sz="half" idx="4294967295"/>
+            <p:ph idx="1"/>
           </p:nvPr>
         </p:nvPicPr>
         <p:blipFill>
-          <a:blip r:embed="rId3">
+          <a:blip r:embed="rId2">
             <a:extLst>
               <a:ext uri="{BEBA8EAE-BF5A-486C-A8C5-ECC9F3942E4B}">
                 <a14:imgProps xmlns:a14="http://schemas.microsoft.com/office/drawing/2010/main">
-                  <a14:imgLayer r:embed="rId4">
+                  <a14:imgLayer r:embed="rId3">
                     <a14:imgEffect>
                       <a14:sharpenSoften amount="25000"/>
                     </a14:imgEffect>
@@ -5499,62 +5671,15 @@
         </p:blipFill>
         <p:spPr>
           <a:xfrm>
-            <a:off x="0" y="2080004"/>
-            <a:ext cx="5988050" cy="4121712"/>
-          </a:xfrm>
-        </p:spPr>
-      </p:pic>
-      <p:pic>
-        <p:nvPicPr>
-          <p:cNvPr id="13" name="Content Placeholder 12">
-            <a:extLst>
-              <a:ext uri="{FF2B5EF4-FFF2-40B4-BE49-F238E27FC236}">
-                <a16:creationId xmlns:a16="http://schemas.microsoft.com/office/drawing/2014/main" id="{E945EDCD-D04F-4C7D-8A07-BD5B7F44756E}"/>
-              </a:ext>
-            </a:extLst>
-          </p:cNvPr>
-          <p:cNvPicPr>
-            <a:picLocks noGrp="1" noChangeAspect="1"/>
-          </p:cNvPicPr>
-          <p:nvPr>
-            <p:ph sz="quarter" idx="4294967295"/>
-          </p:nvPr>
-        </p:nvPicPr>
-        <p:blipFill>
-          <a:blip r:embed="rId5">
-            <a:extLst>
-              <a:ext uri="{BEBA8EAE-BF5A-486C-A8C5-ECC9F3942E4B}">
-                <a14:imgProps xmlns:a14="http://schemas.microsoft.com/office/drawing/2010/main">
-                  <a14:imgLayer r:embed="rId6">
-                    <a14:imgEffect>
-                      <a14:sharpenSoften amount="25000"/>
-                    </a14:imgEffect>
-                    <a14:imgEffect>
-                      <a14:brightnessContrast contrast="26000"/>
-                    </a14:imgEffect>
-                  </a14:imgLayer>
-                </a14:imgProps>
-              </a:ext>
-              <a:ext uri="{28A0092B-C50C-407E-A947-70E740481C1C}">
-                <a14:useLocalDpi xmlns:a14="http://schemas.microsoft.com/office/drawing/2010/main" val="0"/>
-              </a:ext>
-            </a:extLst>
-          </a:blip>
-          <a:stretch>
-            <a:fillRect/>
-          </a:stretch>
-        </p:blipFill>
-        <p:spPr>
-          <a:xfrm>
-            <a:off x="6096000" y="2202546"/>
-            <a:ext cx="5988050" cy="3968067"/>
+            <a:off x="699795" y="1306286"/>
+            <a:ext cx="10515599" cy="5437163"/>
           </a:xfrm>
         </p:spPr>
       </p:pic>
     </p:spTree>
     <p:extLst>
       <p:ext uri="{BB962C8B-B14F-4D97-AF65-F5344CB8AC3E}">
-        <p14:creationId xmlns:p14="http://schemas.microsoft.com/office/powerpoint/2010/main" val="2576917738"/>
+        <p14:creationId xmlns:p14="http://schemas.microsoft.com/office/powerpoint/2010/main" val="417455639"/>
       </p:ext>
     </p:extLst>
   </p:cSld>
@@ -5586,7 +5711,7 @@
           <p:cNvPr id="2" name="Title 1">
             <a:extLst>
               <a:ext uri="{FF2B5EF4-FFF2-40B4-BE49-F238E27FC236}">
-                <a16:creationId xmlns:a16="http://schemas.microsoft.com/office/drawing/2014/main" id="{A8D27B8B-2034-4720-8D04-9629CCD481DC}"/>
+                <a16:creationId xmlns:a16="http://schemas.microsoft.com/office/drawing/2014/main" id="{2DC88050-8777-47D4-97B3-AC32CFD4DBDE}"/>
               </a:ext>
             </a:extLst>
           </p:cNvPr>
@@ -5597,33 +5722,75 @@
             <p:ph type="title"/>
           </p:nvPr>
         </p:nvSpPr>
-        <p:spPr/>
+        <p:spPr>
+          <a:xfrm>
+            <a:off x="838200" y="209056"/>
+            <a:ext cx="10515600" cy="1013509"/>
+          </a:xfrm>
+        </p:spPr>
         <p:txBody>
           <a:bodyPr>
-            <a:noAutofit/>
+            <a:normAutofit/>
           </a:bodyPr>
           <a:lstStyle/>
           <a:p>
             <a:r>
-              <a:rPr lang="en-US" sz="2400" dirty="0"/>
-              <a:t>Hypothesis: Bike sharing riders use the system more during certain times of day (i.e. for commuting).</a:t>
-            </a:r>
-            <a:br>
-              <a:rPr lang="en-US" sz="2400" dirty="0"/>
-            </a:br>
-            <a:r>
-              <a:rPr lang="en-US" sz="2400" dirty="0"/>
-              <a:t>Null hypothesis: Time of day does not affect rate of ridership.</a:t>
+              <a:rPr lang="en-US" sz="2800" dirty="0"/>
+              <a:t>Notable trends: Why is there a large spike during October in both 2016 and 2017?</a:t>
+            </a:r>
+          </a:p>
+        </p:txBody>
+      </p:sp>
+      <p:sp>
+        <p:nvSpPr>
+          <p:cNvPr id="6" name="Text Placeholder 5">
+            <a:extLst>
+              <a:ext uri="{FF2B5EF4-FFF2-40B4-BE49-F238E27FC236}">
+                <a16:creationId xmlns:a16="http://schemas.microsoft.com/office/drawing/2014/main" id="{504B4854-AF6E-4A9B-ACD2-4852305F992D}"/>
+              </a:ext>
+            </a:extLst>
+          </p:cNvPr>
+          <p:cNvSpPr>
+            <a:spLocks noGrp="1"/>
+          </p:cNvSpPr>
+          <p:nvPr>
+            <p:ph type="body" idx="4294967295"/>
+          </p:nvPr>
+        </p:nvSpPr>
+        <p:spPr>
+          <a:xfrm>
+            <a:off x="946152" y="1222565"/>
+            <a:ext cx="10515600" cy="880183"/>
+          </a:xfrm>
+        </p:spPr>
+        <p:txBody>
+          <a:bodyPr>
+            <a:normAutofit fontScale="70000" lnSpcReduction="20000"/>
+          </a:bodyPr>
+          <a:lstStyle/>
+          <a:p>
+            <a:r>
+              <a:rPr lang="en-US" dirty="0">
+                <a:hlinkClick r:id="rId2"/>
+              </a:rPr>
+              <a:t>http://www.welikela.com/event/ciclavia-heart-la-10-16-2016/</a:t>
+            </a:r>
+            <a:endParaRPr lang="en-US" dirty="0"/>
+          </a:p>
+          <a:p>
+            <a:r>
+              <a:rPr lang="en-US" dirty="0"/>
+              <a:t>This is an annual event billed as a free street party that restricts road usage to pedestrians and bicycle traffic. Research shows that the festival for 2018 is scheduled for September 30, 2018.</a:t>
             </a:r>
           </a:p>
         </p:txBody>
       </p:sp>
       <p:pic>
         <p:nvPicPr>
-          <p:cNvPr id="5" name="Content Placeholder 4">
-            <a:extLst>
-              <a:ext uri="{FF2B5EF4-FFF2-40B4-BE49-F238E27FC236}">
-                <a16:creationId xmlns:a16="http://schemas.microsoft.com/office/drawing/2014/main" id="{98BD8DAC-9B1A-4D0F-BB91-91E4B95F991F}"/>
+          <p:cNvPr id="11" name="Content Placeholder 10">
+            <a:extLst>
+              <a:ext uri="{FF2B5EF4-FFF2-40B4-BE49-F238E27FC236}">
+                <a16:creationId xmlns:a16="http://schemas.microsoft.com/office/drawing/2014/main" id="{F5A42A68-5E42-4031-B37E-CA3BEDCE3BEE}"/>
               </a:ext>
             </a:extLst>
           </p:cNvPr>
@@ -5631,15 +5798,15 @@
             <a:picLocks noGrp="1" noChangeAspect="1"/>
           </p:cNvPicPr>
           <p:nvPr>
-            <p:ph idx="1"/>
+            <p:ph sz="half" idx="4294967295"/>
           </p:nvPr>
         </p:nvPicPr>
         <p:blipFill>
-          <a:blip r:embed="rId2">
+          <a:blip r:embed="rId3">
             <a:extLst>
               <a:ext uri="{BEBA8EAE-BF5A-486C-A8C5-ECC9F3942E4B}">
                 <a14:imgProps xmlns:a14="http://schemas.microsoft.com/office/drawing/2010/main">
-                  <a14:imgLayer r:embed="rId3">
+                  <a14:imgLayer r:embed="rId4">
                     <a14:imgEffect>
                       <a14:sharpenSoften amount="25000"/>
                     </a14:imgEffect>
@@ -5660,15 +5827,62 @@
         </p:blipFill>
         <p:spPr>
           <a:xfrm>
-            <a:off x="697522" y="1872202"/>
-            <a:ext cx="10078330" cy="5070204"/>
+            <a:off x="0" y="2080004"/>
+            <a:ext cx="5988050" cy="4121712"/>
+          </a:xfrm>
+        </p:spPr>
+      </p:pic>
+      <p:pic>
+        <p:nvPicPr>
+          <p:cNvPr id="13" name="Content Placeholder 12">
+            <a:extLst>
+              <a:ext uri="{FF2B5EF4-FFF2-40B4-BE49-F238E27FC236}">
+                <a16:creationId xmlns:a16="http://schemas.microsoft.com/office/drawing/2014/main" id="{E945EDCD-D04F-4C7D-8A07-BD5B7F44756E}"/>
+              </a:ext>
+            </a:extLst>
+          </p:cNvPr>
+          <p:cNvPicPr>
+            <a:picLocks noGrp="1" noChangeAspect="1"/>
+          </p:cNvPicPr>
+          <p:nvPr>
+            <p:ph sz="quarter" idx="4294967295"/>
+          </p:nvPr>
+        </p:nvPicPr>
+        <p:blipFill>
+          <a:blip r:embed="rId5">
+            <a:extLst>
+              <a:ext uri="{BEBA8EAE-BF5A-486C-A8C5-ECC9F3942E4B}">
+                <a14:imgProps xmlns:a14="http://schemas.microsoft.com/office/drawing/2010/main">
+                  <a14:imgLayer r:embed="rId6">
+                    <a14:imgEffect>
+                      <a14:sharpenSoften amount="25000"/>
+                    </a14:imgEffect>
+                    <a14:imgEffect>
+                      <a14:brightnessContrast contrast="26000"/>
+                    </a14:imgEffect>
+                  </a14:imgLayer>
+                </a14:imgProps>
+              </a:ext>
+              <a:ext uri="{28A0092B-C50C-407E-A947-70E740481C1C}">
+                <a14:useLocalDpi xmlns:a14="http://schemas.microsoft.com/office/drawing/2010/main" val="0"/>
+              </a:ext>
+            </a:extLst>
+          </a:blip>
+          <a:stretch>
+            <a:fillRect/>
+          </a:stretch>
+        </p:blipFill>
+        <p:spPr>
+          <a:xfrm>
+            <a:off x="6096000" y="2202546"/>
+            <a:ext cx="5988050" cy="3968067"/>
           </a:xfrm>
         </p:spPr>
       </p:pic>
     </p:spTree>
     <p:extLst>
       <p:ext uri="{BB962C8B-B14F-4D97-AF65-F5344CB8AC3E}">
-        <p14:creationId xmlns:p14="http://schemas.microsoft.com/office/powerpoint/2010/main" val="362478161"/>
+        <p14:creationId xmlns:p14="http://schemas.microsoft.com/office/powerpoint/2010/main" val="2576917738"/>
       </p:ext>
     </p:extLst>
   </p:cSld>
@@ -5700,7 +5914,7 @@
           <p:cNvPr id="2" name="Title 1">
             <a:extLst>
               <a:ext uri="{FF2B5EF4-FFF2-40B4-BE49-F238E27FC236}">
-                <a16:creationId xmlns:a16="http://schemas.microsoft.com/office/drawing/2014/main" id="{49927416-5A7C-45D6-89D8-1EC4F48EBC95}"/>
+                <a16:creationId xmlns:a16="http://schemas.microsoft.com/office/drawing/2014/main" id="{A8D27B8B-2034-4720-8D04-9629CCD481DC}"/>
               </a:ext>
             </a:extLst>
           </p:cNvPr>
@@ -5711,95 +5925,45 @@
             <p:ph type="title"/>
           </p:nvPr>
         </p:nvSpPr>
-        <p:spPr>
-          <a:xfrm>
-            <a:off x="838200" y="365126"/>
-            <a:ext cx="10515600" cy="915034"/>
-          </a:xfrm>
-        </p:spPr>
+        <p:spPr/>
         <p:txBody>
           <a:bodyPr>
-            <a:normAutofit fontScale="90000"/>
+            <a:noAutofit/>
           </a:bodyPr>
           <a:lstStyle/>
           <a:p>
             <a:r>
               <a:rPr lang="en-US" sz="2400" dirty="0"/>
-              <a:t>Hypothesis: Weather conditions affect ridership, i.e. cold or rain/snow decrease usage.</a:t>
+              <a:t>Hypothesis: Bike sharing riders use the system more during certain times of day (i.e. for commuting).</a:t>
             </a:r>
             <a:br>
               <a:rPr lang="en-US" sz="2400" dirty="0"/>
             </a:br>
             <a:r>
               <a:rPr lang="en-US" sz="2400" dirty="0"/>
-              <a:t>Null Hypothesis: Weather does not affect usage of bike sharing.</a:t>
-            </a:r>
-          </a:p>
-        </p:txBody>
-      </p:sp>
-      <p:sp>
-        <p:nvSpPr>
-          <p:cNvPr id="3" name="Content Placeholder 2">
-            <a:extLst>
-              <a:ext uri="{FF2B5EF4-FFF2-40B4-BE49-F238E27FC236}">
-                <a16:creationId xmlns:a16="http://schemas.microsoft.com/office/drawing/2014/main" id="{20ADD5C2-366F-4F52-BA74-2503FD3D284B}"/>
-              </a:ext>
-            </a:extLst>
-          </p:cNvPr>
-          <p:cNvSpPr>
-            <a:spLocks noGrp="1"/>
-          </p:cNvSpPr>
-          <p:nvPr>
-            <p:ph idx="1"/>
-          </p:nvPr>
-        </p:nvSpPr>
-        <p:spPr>
-          <a:xfrm>
-            <a:off x="725659" y="1404228"/>
-            <a:ext cx="10515600" cy="5088646"/>
-          </a:xfrm>
-        </p:spPr>
-        <p:txBody>
-          <a:bodyPr>
-            <a:normAutofit/>
-          </a:bodyPr>
-          <a:lstStyle/>
-          <a:p>
-            <a:r>
-              <a:rPr lang="en-US" sz="1800" dirty="0"/>
-              <a:t>We analyzed data from the </a:t>
-            </a:r>
-            <a:r>
-              <a:rPr lang="en-US" sz="1800" dirty="0" err="1"/>
-              <a:t>CitiBike</a:t>
-            </a:r>
-            <a:r>
-              <a:rPr lang="en-US" sz="1800" dirty="0"/>
-              <a:t> program in New York City that has been running for more than a decade, with the assumption that relatively steady weather conditions in Los Angeles are less likely to affect ridership than the harsh winter conditions in New York. </a:t>
-            </a:r>
-          </a:p>
-          <a:p>
-            <a:endParaRPr lang="en-US" sz="2000" dirty="0"/>
+              <a:t>Null hypothesis: Time of day does not affect rate of ridership.</a:t>
+            </a:r>
           </a:p>
         </p:txBody>
       </p:sp>
       <p:pic>
         <p:nvPicPr>
-          <p:cNvPr id="5" name="Picture 4">
-            <a:extLst>
-              <a:ext uri="{FF2B5EF4-FFF2-40B4-BE49-F238E27FC236}">
-                <a16:creationId xmlns:a16="http://schemas.microsoft.com/office/drawing/2014/main" id="{38FF4C04-4171-47E4-8BDF-2E004FB7564F}"/>
+          <p:cNvPr id="5" name="Content Placeholder 4">
+            <a:extLst>
+              <a:ext uri="{FF2B5EF4-FFF2-40B4-BE49-F238E27FC236}">
+                <a16:creationId xmlns:a16="http://schemas.microsoft.com/office/drawing/2014/main" id="{98BD8DAC-9B1A-4D0F-BB91-91E4B95F991F}"/>
               </a:ext>
             </a:extLst>
           </p:cNvPr>
           <p:cNvPicPr>
-            <a:picLocks noChangeAspect="1"/>
+            <a:picLocks noGrp="1" noChangeAspect="1"/>
           </p:cNvPicPr>
-          <p:nvPr/>
+          <p:nvPr>
+            <p:ph idx="1"/>
+          </p:nvPr>
         </p:nvPicPr>
         <p:blipFill>
           <a:blip r:embed="rId2">
-            <a:grayscl/>
             <a:extLst>
               <a:ext uri="{BEBA8EAE-BF5A-486C-A8C5-ECC9F3942E4B}">
                 <a14:imgProps xmlns:a14="http://schemas.microsoft.com/office/drawing/2010/main">
@@ -5808,10 +5972,7 @@
                       <a14:sharpenSoften amount="25000"/>
                     </a14:imgEffect>
                     <a14:imgEffect>
-                      <a14:saturation sat="200000"/>
-                    </a14:imgEffect>
-                    <a14:imgEffect>
-                      <a14:brightnessContrast contrast="-40000"/>
+                      <a14:brightnessContrast contrast="20000"/>
                     </a14:imgEffect>
                   </a14:imgLayer>
                 </a14:imgProps>
@@ -5827,18 +5988,15 @@
         </p:blipFill>
         <p:spPr>
           <a:xfrm>
-            <a:off x="1631853" y="2335237"/>
-            <a:ext cx="7923896" cy="4418064"/>
+            <a:off x="697522" y="1872202"/>
+            <a:ext cx="10078330" cy="5070204"/>
           </a:xfrm>
-          <a:prstGeom prst="rect">
-            <a:avLst/>
-          </a:prstGeom>
         </p:spPr>
       </p:pic>
     </p:spTree>
     <p:extLst>
       <p:ext uri="{BB962C8B-B14F-4D97-AF65-F5344CB8AC3E}">
-        <p14:creationId xmlns:p14="http://schemas.microsoft.com/office/powerpoint/2010/main" val="4237760704"/>
+        <p14:creationId xmlns:p14="http://schemas.microsoft.com/office/powerpoint/2010/main" val="362478161"/>
       </p:ext>
     </p:extLst>
   </p:cSld>
@@ -5870,7 +6028,7 @@
           <p:cNvPr id="2" name="Title 1">
             <a:extLst>
               <a:ext uri="{FF2B5EF4-FFF2-40B4-BE49-F238E27FC236}">
-                <a16:creationId xmlns:a16="http://schemas.microsoft.com/office/drawing/2014/main" id="{11F2A09A-ECFF-4D60-8FEF-4A755B6AD3F2}"/>
+                <a16:creationId xmlns:a16="http://schemas.microsoft.com/office/drawing/2014/main" id="{49927416-5A7C-45D6-89D8-1EC4F48EBC95}"/>
               </a:ext>
             </a:extLst>
           </p:cNvPr>
@@ -5881,14 +6039,22 @@
             <p:ph type="title"/>
           </p:nvPr>
         </p:nvSpPr>
-        <p:spPr/>
-        <p:txBody>
-          <a:bodyPr/>
-          <a:lstStyle/>
-          <a:p>
-            <a:r>
-              <a:rPr lang="en-US" dirty="0"/>
-              <a:t>Are more rides purchased through passes or walk-up business?</a:t>
+        <p:spPr>
+          <a:xfrm>
+            <a:off x="725659" y="377712"/>
+            <a:ext cx="10515600" cy="915034"/>
+          </a:xfrm>
+        </p:spPr>
+        <p:txBody>
+          <a:bodyPr>
+            <a:normAutofit/>
+          </a:bodyPr>
+          <a:lstStyle/>
+          <a:p>
+            <a:pPr algn="ctr"/>
+            <a:r>
+              <a:rPr lang="en-US" sz="2400" dirty="0"/>
+              <a:t>Fun with other data sets</a:t>
             </a:r>
           </a:p>
         </p:txBody>
@@ -5898,7 +6064,7 @@
           <p:cNvPr id="3" name="Content Placeholder 2">
             <a:extLst>
               <a:ext uri="{FF2B5EF4-FFF2-40B4-BE49-F238E27FC236}">
-                <a16:creationId xmlns:a16="http://schemas.microsoft.com/office/drawing/2014/main" id="{C2C1558F-92E4-4717-B0F5-E7D0103FB599}"/>
+                <a16:creationId xmlns:a16="http://schemas.microsoft.com/office/drawing/2014/main" id="{20ADD5C2-366F-4F52-BA74-2503FD3D284B}"/>
               </a:ext>
             </a:extLst>
           </p:cNvPr>
@@ -5909,19 +6075,100 @@
             <p:ph idx="1"/>
           </p:nvPr>
         </p:nvSpPr>
-        <p:spPr/>
-        <p:txBody>
-          <a:bodyPr/>
-          <a:lstStyle/>
-          <a:p>
-            <a:endParaRPr lang="en-US" dirty="0"/>
-          </a:p>
-        </p:txBody>
-      </p:sp>
+        <p:spPr>
+          <a:xfrm>
+            <a:off x="725659" y="1404228"/>
+            <a:ext cx="10515600" cy="5088646"/>
+          </a:xfrm>
+        </p:spPr>
+        <p:txBody>
+          <a:bodyPr>
+            <a:normAutofit/>
+          </a:bodyPr>
+          <a:lstStyle/>
+          <a:p>
+            <a:r>
+              <a:rPr lang="en-US" sz="1800" dirty="0"/>
+              <a:t>We analyzed a small amount of data from the </a:t>
+            </a:r>
+            <a:r>
+              <a:rPr lang="en-US" sz="1800" dirty="0" err="1"/>
+              <a:t>CitiBike</a:t>
+            </a:r>
+            <a:r>
+              <a:rPr lang="en-US" sz="1800" dirty="0"/>
+              <a:t> program in New York City that has been running for more than a decade. This data was only available in a total rides per day format, so meaningful comparison to </a:t>
+            </a:r>
+            <a:r>
+              <a:rPr lang="en-US" sz="1800" dirty="0" err="1"/>
+              <a:t>MetroBike</a:t>
+            </a:r>
+            <a:r>
+              <a:rPr lang="en-US" sz="1800" dirty="0"/>
+              <a:t> in Los Angeles was not possible.</a:t>
+            </a:r>
+          </a:p>
+          <a:p>
+            <a:endParaRPr lang="en-US" sz="2000" dirty="0"/>
+          </a:p>
+        </p:txBody>
+      </p:sp>
+      <p:pic>
+        <p:nvPicPr>
+          <p:cNvPr id="5" name="Picture 4">
+            <a:extLst>
+              <a:ext uri="{FF2B5EF4-FFF2-40B4-BE49-F238E27FC236}">
+                <a16:creationId xmlns:a16="http://schemas.microsoft.com/office/drawing/2014/main" id="{38FF4C04-4171-47E4-8BDF-2E004FB7564F}"/>
+              </a:ext>
+            </a:extLst>
+          </p:cNvPr>
+          <p:cNvPicPr>
+            <a:picLocks noChangeAspect="1"/>
+          </p:cNvPicPr>
+          <p:nvPr/>
+        </p:nvPicPr>
+        <p:blipFill>
+          <a:blip r:embed="rId2">
+            <a:grayscl/>
+            <a:extLst>
+              <a:ext uri="{BEBA8EAE-BF5A-486C-A8C5-ECC9F3942E4B}">
+                <a14:imgProps xmlns:a14="http://schemas.microsoft.com/office/drawing/2010/main">
+                  <a14:imgLayer r:embed="rId3">
+                    <a14:imgEffect>
+                      <a14:sharpenSoften amount="25000"/>
+                    </a14:imgEffect>
+                    <a14:imgEffect>
+                      <a14:saturation sat="200000"/>
+                    </a14:imgEffect>
+                    <a14:imgEffect>
+                      <a14:brightnessContrast contrast="-40000"/>
+                    </a14:imgEffect>
+                  </a14:imgLayer>
+                </a14:imgProps>
+              </a:ext>
+              <a:ext uri="{28A0092B-C50C-407E-A947-70E740481C1C}">
+                <a14:useLocalDpi xmlns:a14="http://schemas.microsoft.com/office/drawing/2010/main" val="0"/>
+              </a:ext>
+            </a:extLst>
+          </a:blip>
+          <a:stretch>
+            <a:fillRect/>
+          </a:stretch>
+        </p:blipFill>
+        <p:spPr>
+          <a:xfrm>
+            <a:off x="1631853" y="2335237"/>
+            <a:ext cx="7923896" cy="4418064"/>
+          </a:xfrm>
+          <a:prstGeom prst="rect">
+            <a:avLst/>
+          </a:prstGeom>
+        </p:spPr>
+      </p:pic>
     </p:spTree>
     <p:extLst>
       <p:ext uri="{BB962C8B-B14F-4D97-AF65-F5344CB8AC3E}">
-        <p14:creationId xmlns:p14="http://schemas.microsoft.com/office/powerpoint/2010/main" val="2156547200"/>
+        <p14:creationId xmlns:p14="http://schemas.microsoft.com/office/powerpoint/2010/main" val="4237760704"/>
       </p:ext>
     </p:extLst>
   </p:cSld>

--- a/If We Ran a Bike Sharing Company.pptx
+++ b/If We Ran a Bike Sharing Company.pptx
@@ -4124,31 +4124,53 @@
           </a:p>
         </p:txBody>
       </p:sp>
-      <p:sp>
-        <p:nvSpPr>
-          <p:cNvPr id="3" name="Content Placeholder 2">
-            <a:extLst>
-              <a:ext uri="{FF2B5EF4-FFF2-40B4-BE49-F238E27FC236}">
-                <a16:creationId xmlns:a16="http://schemas.microsoft.com/office/drawing/2014/main" id="{C2C1558F-92E4-4717-B0F5-E7D0103FB599}"/>
-              </a:ext>
-            </a:extLst>
-          </p:cNvPr>
-          <p:cNvSpPr>
-            <a:spLocks noGrp="1"/>
-          </p:cNvSpPr>
+      <p:pic>
+        <p:nvPicPr>
+          <p:cNvPr id="5" name="Content Placeholder 4">
+            <a:extLst>
+              <a:ext uri="{FF2B5EF4-FFF2-40B4-BE49-F238E27FC236}">
+                <a16:creationId xmlns:a16="http://schemas.microsoft.com/office/drawing/2014/main" id="{E76E7590-76DF-4AB6-979B-64051307F236}"/>
+              </a:ext>
+            </a:extLst>
+          </p:cNvPr>
+          <p:cNvPicPr>
+            <a:picLocks noGrp="1" noChangeAspect="1"/>
+          </p:cNvPicPr>
           <p:nvPr>
             <p:ph idx="1"/>
           </p:nvPr>
-        </p:nvSpPr>
-        <p:spPr/>
-        <p:txBody>
-          <a:bodyPr/>
-          <a:lstStyle/>
-          <a:p>
-            <a:endParaRPr lang="en-US" dirty="0"/>
-          </a:p>
-        </p:txBody>
-      </p:sp>
+        </p:nvPicPr>
+        <p:blipFill>
+          <a:blip r:embed="rId2">
+            <a:extLst>
+              <a:ext uri="{BEBA8EAE-BF5A-486C-A8C5-ECC9F3942E4B}">
+                <a14:imgProps xmlns:a14="http://schemas.microsoft.com/office/drawing/2010/main">
+                  <a14:imgLayer r:embed="rId3">
+                    <a14:imgEffect>
+                      <a14:sharpenSoften amount="25000"/>
+                    </a14:imgEffect>
+                    <a14:imgEffect>
+                      <a14:brightnessContrast contrast="-20000"/>
+                    </a14:imgEffect>
+                  </a14:imgLayer>
+                </a14:imgProps>
+              </a:ext>
+              <a:ext uri="{28A0092B-C50C-407E-A947-70E740481C1C}">
+                <a14:useLocalDpi xmlns:a14="http://schemas.microsoft.com/office/drawing/2010/main" val="0"/>
+              </a:ext>
+            </a:extLst>
+          </a:blip>
+          <a:stretch>
+            <a:fillRect/>
+          </a:stretch>
+        </p:blipFill>
+        <p:spPr>
+          <a:xfrm>
+            <a:off x="1630497" y="1509311"/>
+            <a:ext cx="8295701" cy="5069110"/>
+          </a:xfrm>
+        </p:spPr>
+      </p:pic>
     </p:spTree>
     <p:extLst>
       <p:ext uri="{BB962C8B-B14F-4D97-AF65-F5344CB8AC3E}">
@@ -4820,7 +4842,37 @@
                   </a:outerShdw>
                 </a:effectLst>
               </a:rPr>
-              <a:t>When is Bike Sharing Popular?</a:t>
+              <a:t>When is Bike Sharing </a:t>
+            </a:r>
+            <a:r>
+              <a:rPr lang="en-US" sz="8000" b="1">
+                <a:solidFill>
+                  <a:srgbClr val="FAF400"/>
+                </a:solidFill>
+                <a:effectLst>
+                  <a:outerShdw blurRad="38100" dist="38100" dir="2700000" algn="tl">
+                    <a:srgbClr val="000000">
+                      <a:alpha val="43137"/>
+                    </a:srgbClr>
+                  </a:outerShdw>
+                </a:effectLst>
+              </a:rPr>
+              <a:t>in LA Popular</a:t>
+            </a:r>
+            <a:r>
+              <a:rPr lang="en-US" sz="8000" b="1" dirty="0">
+                <a:solidFill>
+                  <a:srgbClr val="FAF400"/>
+                </a:solidFill>
+                <a:effectLst>
+                  <a:outerShdw blurRad="38100" dist="38100" dir="2700000" algn="tl">
+                    <a:srgbClr val="000000">
+                      <a:alpha val="43137"/>
+                    </a:srgbClr>
+                  </a:outerShdw>
+                </a:effectLst>
+              </a:rPr>
+              <a:t>?</a:t>
             </a:r>
           </a:p>
         </p:txBody>

--- a/If We Ran a Bike Sharing Company.pptx
+++ b/If We Ran a Bike Sharing Company.pptx
@@ -5,22 +5,23 @@
     <p:sldMasterId id="2147483648" r:id="rId1"/>
   </p:sldMasterIdLst>
   <p:notesMasterIdLst>
-    <p:notesMasterId r:id="rId15"/>
+    <p:notesMasterId r:id="rId16"/>
   </p:notesMasterIdLst>
   <p:sldIdLst>
     <p:sldId id="268" r:id="rId2"/>
     <p:sldId id="256" r:id="rId3"/>
     <p:sldId id="258" r:id="rId4"/>
-    <p:sldId id="267" r:id="rId5"/>
-    <p:sldId id="261" r:id="rId6"/>
-    <p:sldId id="259" r:id="rId7"/>
-    <p:sldId id="266" r:id="rId8"/>
-    <p:sldId id="263" r:id="rId9"/>
-    <p:sldId id="265" r:id="rId10"/>
-    <p:sldId id="262" r:id="rId11"/>
-    <p:sldId id="264" r:id="rId12"/>
-    <p:sldId id="257" r:id="rId13"/>
-    <p:sldId id="260" r:id="rId14"/>
+    <p:sldId id="269" r:id="rId5"/>
+    <p:sldId id="267" r:id="rId6"/>
+    <p:sldId id="261" r:id="rId7"/>
+    <p:sldId id="259" r:id="rId8"/>
+    <p:sldId id="266" r:id="rId9"/>
+    <p:sldId id="263" r:id="rId10"/>
+    <p:sldId id="265" r:id="rId11"/>
+    <p:sldId id="262" r:id="rId12"/>
+    <p:sldId id="264" r:id="rId13"/>
+    <p:sldId id="257" r:id="rId14"/>
+    <p:sldId id="260" r:id="rId15"/>
   </p:sldIdLst>
   <p:sldSz cx="12192000" cy="6858000"/>
   <p:notesSz cx="6858000" cy="9144000"/>
@@ -628,7 +629,7 @@
           <a:p>
             <a:fld id="{2A26A812-FE51-474B-AFD0-254289DE170D}" type="slidenum">
               <a:rPr lang="en-US" smtClean="0"/>
-              <a:t>12</a:t>
+              <a:t>13</a:t>
             </a:fld>
             <a:endParaRPr lang="en-US"/>
           </a:p>
@@ -718,7 +719,7 @@
           <a:p>
             <a:fld id="{2A26A812-FE51-474B-AFD0-254289DE170D}" type="slidenum">
               <a:rPr lang="en-US" smtClean="0"/>
-              <a:t>13</a:t>
+              <a:t>14</a:t>
             </a:fld>
             <a:endParaRPr lang="en-US"/>
           </a:p>
@@ -4101,7 +4102,7 @@
           <p:cNvPr id="2" name="Title 1">
             <a:extLst>
               <a:ext uri="{FF2B5EF4-FFF2-40B4-BE49-F238E27FC236}">
-                <a16:creationId xmlns:a16="http://schemas.microsoft.com/office/drawing/2014/main" id="{11F2A09A-ECFF-4D60-8FEF-4A755B6AD3F2}"/>
+                <a16:creationId xmlns:a16="http://schemas.microsoft.com/office/drawing/2014/main" id="{49927416-5A7C-45D6-89D8-1EC4F48EBC95}"/>
               </a:ext>
             </a:extLst>
           </p:cNvPr>
@@ -4112,36 +4113,97 @@
             <p:ph type="title"/>
           </p:nvPr>
         </p:nvSpPr>
-        <p:spPr/>
-        <p:txBody>
-          <a:bodyPr/>
-          <a:lstStyle/>
-          <a:p>
-            <a:r>
-              <a:rPr lang="en-US" dirty="0"/>
-              <a:t>Are more rides purchased through passes or walk-up business?</a:t>
-            </a:r>
+        <p:spPr>
+          <a:xfrm>
+            <a:off x="725659" y="377712"/>
+            <a:ext cx="10515600" cy="915034"/>
+          </a:xfrm>
+        </p:spPr>
+        <p:txBody>
+          <a:bodyPr>
+            <a:normAutofit/>
+          </a:bodyPr>
+          <a:lstStyle/>
+          <a:p>
+            <a:pPr algn="ctr"/>
+            <a:r>
+              <a:rPr lang="en-US" sz="2400" dirty="0"/>
+              <a:t>Fun with other data sets</a:t>
+            </a:r>
+          </a:p>
+        </p:txBody>
+      </p:sp>
+      <p:sp>
+        <p:nvSpPr>
+          <p:cNvPr id="3" name="Content Placeholder 2">
+            <a:extLst>
+              <a:ext uri="{FF2B5EF4-FFF2-40B4-BE49-F238E27FC236}">
+                <a16:creationId xmlns:a16="http://schemas.microsoft.com/office/drawing/2014/main" id="{20ADD5C2-366F-4F52-BA74-2503FD3D284B}"/>
+              </a:ext>
+            </a:extLst>
+          </p:cNvPr>
+          <p:cNvSpPr>
+            <a:spLocks noGrp="1"/>
+          </p:cNvSpPr>
+          <p:nvPr>
+            <p:ph idx="1"/>
+          </p:nvPr>
+        </p:nvSpPr>
+        <p:spPr>
+          <a:xfrm>
+            <a:off x="725659" y="1404228"/>
+            <a:ext cx="10515600" cy="5088646"/>
+          </a:xfrm>
+        </p:spPr>
+        <p:txBody>
+          <a:bodyPr>
+            <a:normAutofit/>
+          </a:bodyPr>
+          <a:lstStyle/>
+          <a:p>
+            <a:r>
+              <a:rPr lang="en-US" sz="1800" dirty="0"/>
+              <a:t>We analyzed a small amount of data from the </a:t>
+            </a:r>
+            <a:r>
+              <a:rPr lang="en-US" sz="1800" dirty="0" err="1"/>
+              <a:t>CitiBike</a:t>
+            </a:r>
+            <a:r>
+              <a:rPr lang="en-US" sz="1800" dirty="0"/>
+              <a:t> program in New York City that has been running for more than a decade. This data was only available in a total rides per day format, so meaningful comparison to </a:t>
+            </a:r>
+            <a:r>
+              <a:rPr lang="en-US" sz="1800" dirty="0" err="1"/>
+              <a:t>MetroBike</a:t>
+            </a:r>
+            <a:r>
+              <a:rPr lang="en-US" sz="1800" dirty="0"/>
+              <a:t> in Los Angeles was not possible.</a:t>
+            </a:r>
+          </a:p>
+          <a:p>
+            <a:endParaRPr lang="en-US" sz="2000" dirty="0"/>
           </a:p>
         </p:txBody>
       </p:sp>
       <p:pic>
         <p:nvPicPr>
-          <p:cNvPr id="5" name="Content Placeholder 4">
-            <a:extLst>
-              <a:ext uri="{FF2B5EF4-FFF2-40B4-BE49-F238E27FC236}">
-                <a16:creationId xmlns:a16="http://schemas.microsoft.com/office/drawing/2014/main" id="{E76E7590-76DF-4AB6-979B-64051307F236}"/>
+          <p:cNvPr id="5" name="Picture 4">
+            <a:extLst>
+              <a:ext uri="{FF2B5EF4-FFF2-40B4-BE49-F238E27FC236}">
+                <a16:creationId xmlns:a16="http://schemas.microsoft.com/office/drawing/2014/main" id="{38FF4C04-4171-47E4-8BDF-2E004FB7564F}"/>
               </a:ext>
             </a:extLst>
           </p:cNvPr>
           <p:cNvPicPr>
-            <a:picLocks noGrp="1" noChangeAspect="1"/>
+            <a:picLocks noChangeAspect="1"/>
           </p:cNvPicPr>
-          <p:nvPr>
-            <p:ph idx="1"/>
-          </p:nvPr>
+          <p:nvPr/>
         </p:nvPicPr>
         <p:blipFill>
           <a:blip r:embed="rId2">
+            <a:grayscl/>
             <a:extLst>
               <a:ext uri="{BEBA8EAE-BF5A-486C-A8C5-ECC9F3942E4B}">
                 <a14:imgProps xmlns:a14="http://schemas.microsoft.com/office/drawing/2010/main">
@@ -4150,7 +4212,10 @@
                       <a14:sharpenSoften amount="25000"/>
                     </a14:imgEffect>
                     <a14:imgEffect>
-                      <a14:brightnessContrast contrast="-20000"/>
+                      <a14:saturation sat="200000"/>
+                    </a14:imgEffect>
+                    <a14:imgEffect>
+                      <a14:brightnessContrast contrast="-40000"/>
                     </a14:imgEffect>
                   </a14:imgLayer>
                 </a14:imgProps>
@@ -4166,15 +4231,18 @@
         </p:blipFill>
         <p:spPr>
           <a:xfrm>
-            <a:off x="1630497" y="1509311"/>
-            <a:ext cx="8295701" cy="5069110"/>
+            <a:off x="1631853" y="2335237"/>
+            <a:ext cx="7923896" cy="4418064"/>
           </a:xfrm>
+          <a:prstGeom prst="rect">
+            <a:avLst/>
+          </a:prstGeom>
         </p:spPr>
       </p:pic>
     </p:spTree>
     <p:extLst>
       <p:ext uri="{BB962C8B-B14F-4D97-AF65-F5344CB8AC3E}">
-        <p14:creationId xmlns:p14="http://schemas.microsoft.com/office/powerpoint/2010/main" val="2156547200"/>
+        <p14:creationId xmlns:p14="http://schemas.microsoft.com/office/powerpoint/2010/main" val="4237760704"/>
       </p:ext>
     </p:extLst>
   </p:cSld>
@@ -4206,7 +4274,7 @@
           <p:cNvPr id="2" name="Title 1">
             <a:extLst>
               <a:ext uri="{FF2B5EF4-FFF2-40B4-BE49-F238E27FC236}">
-                <a16:creationId xmlns:a16="http://schemas.microsoft.com/office/drawing/2014/main" id="{2F13DADD-EA7B-4457-9CC8-75A0701EA8AA}"/>
+                <a16:creationId xmlns:a16="http://schemas.microsoft.com/office/drawing/2014/main" id="{11F2A09A-ECFF-4D60-8FEF-4A755B6AD3F2}"/>
               </a:ext>
             </a:extLst>
           </p:cNvPr>
@@ -4217,123 +4285,69 @@
             <p:ph type="title"/>
           </p:nvPr>
         </p:nvSpPr>
+        <p:spPr/>
+        <p:txBody>
+          <a:bodyPr/>
+          <a:lstStyle/>
+          <a:p>
+            <a:r>
+              <a:rPr lang="en-US" dirty="0"/>
+              <a:t>Are more rides purchased through passes or walk-up business?</a:t>
+            </a:r>
+          </a:p>
+        </p:txBody>
+      </p:sp>
+      <p:pic>
+        <p:nvPicPr>
+          <p:cNvPr id="5" name="Content Placeholder 4">
+            <a:extLst>
+              <a:ext uri="{FF2B5EF4-FFF2-40B4-BE49-F238E27FC236}">
+                <a16:creationId xmlns:a16="http://schemas.microsoft.com/office/drawing/2014/main" id="{E76E7590-76DF-4AB6-979B-64051307F236}"/>
+              </a:ext>
+            </a:extLst>
+          </p:cNvPr>
+          <p:cNvPicPr>
+            <a:picLocks noGrp="1" noChangeAspect="1"/>
+          </p:cNvPicPr>
+          <p:nvPr>
+            <p:ph idx="1"/>
+          </p:nvPr>
+        </p:nvPicPr>
+        <p:blipFill>
+          <a:blip r:embed="rId2">
+            <a:extLst>
+              <a:ext uri="{BEBA8EAE-BF5A-486C-A8C5-ECC9F3942E4B}">
+                <a14:imgProps xmlns:a14="http://schemas.microsoft.com/office/drawing/2010/main">
+                  <a14:imgLayer r:embed="rId3">
+                    <a14:imgEffect>
+                      <a14:sharpenSoften amount="25000"/>
+                    </a14:imgEffect>
+                    <a14:imgEffect>
+                      <a14:brightnessContrast contrast="-20000"/>
+                    </a14:imgEffect>
+                  </a14:imgLayer>
+                </a14:imgProps>
+              </a:ext>
+              <a:ext uri="{28A0092B-C50C-407E-A947-70E740481C1C}">
+                <a14:useLocalDpi xmlns:a14="http://schemas.microsoft.com/office/drawing/2010/main" val="0"/>
+              </a:ext>
+            </a:extLst>
+          </a:blip>
+          <a:stretch>
+            <a:fillRect/>
+          </a:stretch>
+        </p:blipFill>
         <p:spPr>
           <a:xfrm>
-            <a:off x="1400907" y="130795"/>
-            <a:ext cx="8966982" cy="811739"/>
+            <a:off x="1630497" y="1509311"/>
+            <a:ext cx="8295701" cy="5069110"/>
           </a:xfrm>
         </p:spPr>
-        <p:txBody>
-          <a:bodyPr/>
-          <a:lstStyle/>
-          <a:p>
-            <a:pPr algn="ctr"/>
-            <a:r>
-              <a:rPr lang="en-US" dirty="0"/>
-              <a:t>Further Questions to Explore</a:t>
-            </a:r>
-          </a:p>
-        </p:txBody>
-      </p:sp>
-      <p:sp>
-        <p:nvSpPr>
-          <p:cNvPr id="3" name="Content Placeholder 2">
-            <a:extLst>
-              <a:ext uri="{FF2B5EF4-FFF2-40B4-BE49-F238E27FC236}">
-                <a16:creationId xmlns:a16="http://schemas.microsoft.com/office/drawing/2014/main" id="{73D87309-5568-4B8F-9BDC-613A97E23CD5}"/>
-              </a:ext>
-            </a:extLst>
-          </p:cNvPr>
-          <p:cNvSpPr>
-            <a:spLocks noGrp="1"/>
-          </p:cNvSpPr>
-          <p:nvPr>
-            <p:ph idx="1"/>
-          </p:nvPr>
-        </p:nvSpPr>
-        <p:spPr>
-          <a:xfrm>
-            <a:off x="391551" y="942534"/>
-            <a:ext cx="11408898" cy="5767755"/>
-          </a:xfrm>
-        </p:spPr>
-        <p:txBody>
-          <a:bodyPr>
-            <a:normAutofit/>
-          </a:bodyPr>
-          <a:lstStyle/>
-          <a:p>
-            <a:r>
-              <a:rPr lang="en-US" sz="2400" dirty="0"/>
-              <a:t>Do weather conditions affect ridership rates?</a:t>
-            </a:r>
-          </a:p>
-          <a:p>
-            <a:pPr lvl="1"/>
-            <a:r>
-              <a:rPr lang="en-US" sz="2000" dirty="0"/>
-              <a:t>In L.A., where weather is relatively steady, it was hard to determine if this had an effect. When viewing weather vs. ridership in NYC, there was a plummet during the winter months. Slight declines were noted in our LA data with less of a decline in 2017-2018 than in 2016-2017? Was this due to a milder winter or a longer running program?</a:t>
-            </a:r>
-          </a:p>
-          <a:p>
-            <a:r>
-              <a:rPr lang="en-US" sz="2400" dirty="0"/>
-              <a:t>How does tourism affect ridership? </a:t>
-            </a:r>
-          </a:p>
-          <a:p>
-            <a:pPr lvl="1"/>
-            <a:r>
-              <a:rPr lang="en-US" sz="2000" dirty="0"/>
-              <a:t>With more time, we would like to study the effect of tourism seasons and usage by station location to determine how much of the spike in afternoon ridership is attributable to self guided tourism. </a:t>
-            </a:r>
-          </a:p>
-          <a:p>
-            <a:r>
-              <a:rPr lang="en-US" sz="2400" dirty="0"/>
-              <a:t>Is there a way to explore factors like bike safety and ‘bike culture’ in analyzing bike sharing program success? We discovered articles about a lack of safety for bicycle users in Los Angeles.</a:t>
-            </a:r>
-          </a:p>
-          <a:p>
-            <a:pPr marL="0" indent="0">
-              <a:buNone/>
-            </a:pPr>
-            <a:r>
-              <a:rPr lang="en-US" sz="1800" dirty="0">
-                <a:hlinkClick r:id="rId2"/>
-              </a:rPr>
-              <a:t>https://la.curbed.com/2018/7/2/17528250/lebron-james-lakers-los-angeles-biking</a:t>
-            </a:r>
-            <a:endParaRPr lang="en-US" sz="1800" dirty="0"/>
-          </a:p>
-          <a:p>
-            <a:pPr marL="0" indent="0">
-              <a:buNone/>
-            </a:pPr>
-            <a:r>
-              <a:rPr lang="en-US" sz="1800" dirty="0"/>
-              <a:t>“The number cyclists and pedestrians killed on LA’s streets has risen sharply. From 2013 to 2017, 489 walkers and cyclists were killed on LA’s streets. In some underserved communities, the increases are even more dramatic. In some parts of South LA, for example, collisions that involve bikes have increased by 70 percent.”</a:t>
-            </a:r>
-          </a:p>
-          <a:p>
-            <a:pPr lvl="1"/>
-            <a:endParaRPr lang="en-US" dirty="0"/>
-          </a:p>
-          <a:p>
-            <a:endParaRPr lang="en-US" dirty="0"/>
-          </a:p>
-          <a:p>
-            <a:pPr marL="0" indent="0">
-              <a:buNone/>
-            </a:pPr>
-            <a:endParaRPr lang="en-US" dirty="0"/>
-          </a:p>
-        </p:txBody>
-      </p:sp>
+      </p:pic>
     </p:spTree>
     <p:extLst>
       <p:ext uri="{BB962C8B-B14F-4D97-AF65-F5344CB8AC3E}">
-        <p14:creationId xmlns:p14="http://schemas.microsoft.com/office/powerpoint/2010/main" val="192108554"/>
+        <p14:creationId xmlns:p14="http://schemas.microsoft.com/office/powerpoint/2010/main" val="2156547200"/>
       </p:ext>
     </p:extLst>
   </p:cSld>
@@ -4362,6 +4376,165 @@
       </p:grpSpPr>
       <p:sp>
         <p:nvSpPr>
+          <p:cNvPr id="2" name="Title 1">
+            <a:extLst>
+              <a:ext uri="{FF2B5EF4-FFF2-40B4-BE49-F238E27FC236}">
+                <a16:creationId xmlns:a16="http://schemas.microsoft.com/office/drawing/2014/main" id="{2F13DADD-EA7B-4457-9CC8-75A0701EA8AA}"/>
+              </a:ext>
+            </a:extLst>
+          </p:cNvPr>
+          <p:cNvSpPr>
+            <a:spLocks noGrp="1"/>
+          </p:cNvSpPr>
+          <p:nvPr>
+            <p:ph type="title"/>
+          </p:nvPr>
+        </p:nvSpPr>
+        <p:spPr>
+          <a:xfrm>
+            <a:off x="1400907" y="130795"/>
+            <a:ext cx="8966982" cy="811739"/>
+          </a:xfrm>
+        </p:spPr>
+        <p:txBody>
+          <a:bodyPr/>
+          <a:lstStyle/>
+          <a:p>
+            <a:pPr algn="ctr"/>
+            <a:r>
+              <a:rPr lang="en-US" dirty="0"/>
+              <a:t>Further Questions to Explore</a:t>
+            </a:r>
+          </a:p>
+        </p:txBody>
+      </p:sp>
+      <p:sp>
+        <p:nvSpPr>
+          <p:cNvPr id="3" name="Content Placeholder 2">
+            <a:extLst>
+              <a:ext uri="{FF2B5EF4-FFF2-40B4-BE49-F238E27FC236}">
+                <a16:creationId xmlns:a16="http://schemas.microsoft.com/office/drawing/2014/main" id="{73D87309-5568-4B8F-9BDC-613A97E23CD5}"/>
+              </a:ext>
+            </a:extLst>
+          </p:cNvPr>
+          <p:cNvSpPr>
+            <a:spLocks noGrp="1"/>
+          </p:cNvSpPr>
+          <p:nvPr>
+            <p:ph idx="1"/>
+          </p:nvPr>
+        </p:nvSpPr>
+        <p:spPr>
+          <a:xfrm>
+            <a:off x="391551" y="942534"/>
+            <a:ext cx="11408898" cy="5767755"/>
+          </a:xfrm>
+        </p:spPr>
+        <p:txBody>
+          <a:bodyPr>
+            <a:normAutofit/>
+          </a:bodyPr>
+          <a:lstStyle/>
+          <a:p>
+            <a:r>
+              <a:rPr lang="en-US" sz="2400" dirty="0"/>
+              <a:t>Do weather conditions affect ridership rates?</a:t>
+            </a:r>
+          </a:p>
+          <a:p>
+            <a:pPr lvl="1"/>
+            <a:r>
+              <a:rPr lang="en-US" sz="2000" dirty="0"/>
+              <a:t>In L.A., where weather is relatively steady, it was hard to determine if this had an effect. When viewing weather vs. ridership in NYC, there was a plummet during the winter months. Slight declines were noted in our LA data with less of a decline in 2017-2018 than in 2016-2017? Was this due to a milder winter or a longer running program?</a:t>
+            </a:r>
+          </a:p>
+          <a:p>
+            <a:r>
+              <a:rPr lang="en-US" sz="2400" dirty="0"/>
+              <a:t>How does tourism affect ridership? </a:t>
+            </a:r>
+          </a:p>
+          <a:p>
+            <a:pPr lvl="1"/>
+            <a:r>
+              <a:rPr lang="en-US" sz="2000" dirty="0"/>
+              <a:t>With more time, we would like to study the effect of tourism seasons and usage by station location to determine how much of the spike in afternoon ridership is attributable to self guided tourism. </a:t>
+            </a:r>
+          </a:p>
+          <a:p>
+            <a:r>
+              <a:rPr lang="en-US" sz="2400" dirty="0"/>
+              <a:t>Is there a way to explore factors like bike safety and ‘bike culture’ in analyzing bike sharing program success? We discovered articles about a lack of safety for bicycle users in Los Angeles.</a:t>
+            </a:r>
+          </a:p>
+          <a:p>
+            <a:pPr marL="0" indent="0">
+              <a:buNone/>
+            </a:pPr>
+            <a:r>
+              <a:rPr lang="en-US" sz="1800" dirty="0">
+                <a:hlinkClick r:id="rId2"/>
+              </a:rPr>
+              <a:t>https://la.curbed.com/2018/7/2/17528250/lebron-james-lakers-los-angeles-biking</a:t>
+            </a:r>
+            <a:endParaRPr lang="en-US" sz="1800" dirty="0"/>
+          </a:p>
+          <a:p>
+            <a:pPr marL="0" indent="0">
+              <a:buNone/>
+            </a:pPr>
+            <a:r>
+              <a:rPr lang="en-US" sz="1800" dirty="0"/>
+              <a:t>“The number cyclists and pedestrians killed on LA’s streets has risen sharply. From 2013 to 2017, 489 walkers and cyclists were killed on LA’s streets. In some underserved communities, the increases are even more dramatic. In some parts of South LA, for example, collisions that involve bikes have increased by 70 percent.”</a:t>
+            </a:r>
+          </a:p>
+          <a:p>
+            <a:pPr lvl="1"/>
+            <a:endParaRPr lang="en-US" dirty="0"/>
+          </a:p>
+          <a:p>
+            <a:endParaRPr lang="en-US" dirty="0"/>
+          </a:p>
+          <a:p>
+            <a:pPr marL="0" indent="0">
+              <a:buNone/>
+            </a:pPr>
+            <a:endParaRPr lang="en-US" dirty="0"/>
+          </a:p>
+        </p:txBody>
+      </p:sp>
+    </p:spTree>
+    <p:extLst>
+      <p:ext uri="{BB962C8B-B14F-4D97-AF65-F5344CB8AC3E}">
+        <p14:creationId xmlns:p14="http://schemas.microsoft.com/office/powerpoint/2010/main" val="192108554"/>
+      </p:ext>
+    </p:extLst>
+  </p:cSld>
+  <p:clrMapOvr>
+    <a:masterClrMapping/>
+  </p:clrMapOvr>
+</p:sld>
+</file>
+
+<file path=ppt/slides/slide13.xml><?xml version="1.0" encoding="utf-8"?>
+<p:sld xmlns:a="http://schemas.openxmlformats.org/drawingml/2006/main" xmlns:r="http://schemas.openxmlformats.org/officeDocument/2006/relationships" xmlns:p="http://schemas.openxmlformats.org/presentationml/2006/main">
+  <p:cSld>
+    <p:spTree>
+      <p:nvGrpSpPr>
+        <p:cNvPr id="1" name=""/>
+        <p:cNvGrpSpPr/>
+        <p:nvPr/>
+      </p:nvGrpSpPr>
+      <p:grpSpPr>
+        <a:xfrm>
+          <a:off x="0" y="0"/>
+          <a:ext cx="0" cy="0"/>
+          <a:chOff x="0" y="0"/>
+          <a:chExt cx="0" cy="0"/>
+        </a:xfrm>
+      </p:grpSpPr>
+      <p:sp>
+        <p:nvSpPr>
           <p:cNvPr id="2" name="TextBox 1">
             <a:extLst>
               <a:ext uri="{FF2B5EF4-FFF2-40B4-BE49-F238E27FC236}">
@@ -4561,7 +4734,7 @@
 </p:sld>
 </file>
 
-<file path=ppt/slides/slide13.xml><?xml version="1.0" encoding="utf-8"?>
+<file path=ppt/slides/slide14.xml><?xml version="1.0" encoding="utf-8"?>
 <p:sld xmlns:a="http://schemas.openxmlformats.org/drawingml/2006/main" xmlns:r="http://schemas.openxmlformats.org/officeDocument/2006/relationships" xmlns:p="http://schemas.openxmlformats.org/presentationml/2006/main">
   <p:cSld>
     <p:spTree>
@@ -5056,7 +5229,7 @@
           <a:p>
             <a:r>
               <a:rPr lang="en-US" sz="2400" dirty="0"/>
-              <a:t>With the arrival of Bike Sharing in St. Louis, we are interested in analyzing the trends in bike sharing programs to determine when people are most likely to use the service, and if the day of the week or weather conditions affect ridership.  If we started a bike sharing program, what trends could we use to determine our success?</a:t>
+              <a:t>With the growth of Bike Sharing programs across the country, we are interested in analyzing the trends in bike sharing programs to determine what measurable factors influence ridership.  If we started a bike sharing program, what trends could we use to determine our success?</a:t>
             </a:r>
           </a:p>
           <a:p>
@@ -5212,280 +5385,123 @@
           <p:cNvPr id="2" name="Title 1">
             <a:extLst>
               <a:ext uri="{FF2B5EF4-FFF2-40B4-BE49-F238E27FC236}">
-                <a16:creationId xmlns:a16="http://schemas.microsoft.com/office/drawing/2014/main" id="{52E16A1A-0E0F-4CEA-90B3-1DC6705090C6}"/>
-              </a:ext>
-            </a:extLst>
-          </p:cNvPr>
-          <p:cNvSpPr>
-            <a:spLocks noGrp="1"/>
-          </p:cNvSpPr>
-          <p:nvPr>
-            <p:ph type="title" idx="4294967295"/>
+                <a16:creationId xmlns:a16="http://schemas.microsoft.com/office/drawing/2014/main" id="{52E97D7D-242D-487A-B7C1-E7C5A35A2702}"/>
+              </a:ext>
+            </a:extLst>
+          </p:cNvPr>
+          <p:cNvSpPr>
+            <a:spLocks noGrp="1"/>
+          </p:cNvSpPr>
+          <p:nvPr>
+            <p:ph type="title"/>
           </p:nvPr>
         </p:nvSpPr>
         <p:spPr>
           <a:xfrm>
-            <a:off x="0" y="198438"/>
-            <a:ext cx="6641607" cy="1194264"/>
+            <a:off x="838200" y="365126"/>
+            <a:ext cx="10515600" cy="769612"/>
           </a:xfrm>
         </p:spPr>
         <p:txBody>
-          <a:bodyPr>
-            <a:normAutofit fontScale="90000"/>
-          </a:bodyPr>
-          <a:lstStyle/>
-          <a:p>
+          <a:bodyPr/>
+          <a:lstStyle/>
+          <a:p>
+            <a:pPr algn="ctr"/>
             <a:r>
               <a:rPr lang="en-US" dirty="0"/>
-              <a:t>Metro Bikeshare area bike dock maps</a:t>
-            </a:r>
-          </a:p>
-        </p:txBody>
-      </p:sp>
-      <p:pic>
-        <p:nvPicPr>
-          <p:cNvPr id="7" name="Content Placeholder 6">
-            <a:extLst>
-              <a:ext uri="{FF2B5EF4-FFF2-40B4-BE49-F238E27FC236}">
-                <a16:creationId xmlns:a16="http://schemas.microsoft.com/office/drawing/2014/main" id="{CA05C881-B0B9-4545-82C5-5E54ED2F7148}"/>
-              </a:ext>
-            </a:extLst>
-          </p:cNvPr>
-          <p:cNvPicPr>
-            <a:picLocks noGrp="1" noChangeAspect="1"/>
-          </p:cNvPicPr>
-          <p:nvPr>
-            <p:ph idx="4294967295"/>
-          </p:nvPr>
-        </p:nvPicPr>
-        <p:blipFill>
-          <a:blip r:embed="rId2">
-            <a:extLst>
-              <a:ext uri="{BEBA8EAE-BF5A-486C-A8C5-ECC9F3942E4B}">
-                <a14:imgProps xmlns:a14="http://schemas.microsoft.com/office/drawing/2010/main">
-                  <a14:imgLayer r:embed="rId3">
-                    <a14:imgEffect>
-                      <a14:sharpenSoften amount="25000"/>
-                    </a14:imgEffect>
-                    <a14:imgEffect>
-                      <a14:brightnessContrast contrast="40000"/>
-                    </a14:imgEffect>
-                  </a14:imgLayer>
-                </a14:imgProps>
-              </a:ext>
-              <a:ext uri="{28A0092B-C50C-407E-A947-70E740481C1C}">
-                <a14:useLocalDpi xmlns:a14="http://schemas.microsoft.com/office/drawing/2010/main" val="0"/>
-              </a:ext>
-            </a:extLst>
-          </a:blip>
-          <a:stretch>
-            <a:fillRect/>
-          </a:stretch>
-        </p:blipFill>
+              <a:t>Data Cleanup and Exploration</a:t>
+            </a:r>
+          </a:p>
+        </p:txBody>
+      </p:sp>
+      <p:sp>
+        <p:nvSpPr>
+          <p:cNvPr id="3" name="Content Placeholder 2">
+            <a:extLst>
+              <a:ext uri="{FF2B5EF4-FFF2-40B4-BE49-F238E27FC236}">
+                <a16:creationId xmlns:a16="http://schemas.microsoft.com/office/drawing/2014/main" id="{C4925608-D733-49B7-AC48-6C677FAB73E3}"/>
+              </a:ext>
+            </a:extLst>
+          </p:cNvPr>
+          <p:cNvSpPr>
+            <a:spLocks noGrp="1"/>
+          </p:cNvSpPr>
+          <p:nvPr>
+            <p:ph idx="1"/>
+          </p:nvPr>
+        </p:nvSpPr>
         <p:spPr>
           <a:xfrm>
-            <a:off x="163925" y="2247962"/>
-            <a:ext cx="6313756" cy="4149958"/>
+            <a:off x="750065" y="1134737"/>
+            <a:ext cx="10515600" cy="5508433"/>
           </a:xfrm>
         </p:spPr>
-      </p:pic>
-      <p:pic>
-        <p:nvPicPr>
-          <p:cNvPr id="4" name="Picture 3">
-            <a:extLst>
-              <a:ext uri="{FF2B5EF4-FFF2-40B4-BE49-F238E27FC236}">
-                <a16:creationId xmlns:a16="http://schemas.microsoft.com/office/drawing/2014/main" id="{E5515F36-8BD3-4E39-96D8-24EDE7B88461}"/>
-              </a:ext>
-            </a:extLst>
-          </p:cNvPr>
-          <p:cNvPicPr>
-            <a:picLocks noChangeAspect="1"/>
-          </p:cNvPicPr>
-          <p:nvPr/>
-        </p:nvPicPr>
-        <p:blipFill>
-          <a:blip r:embed="rId4">
-            <a:extLst>
-              <a:ext uri="{BEBA8EAE-BF5A-486C-A8C5-ECC9F3942E4B}">
-                <a14:imgProps xmlns:a14="http://schemas.microsoft.com/office/drawing/2010/main">
-                  <a14:imgLayer r:embed="rId5">
-                    <a14:imgEffect>
-                      <a14:sharpenSoften amount="35000"/>
-                    </a14:imgEffect>
-                    <a14:imgEffect>
-                      <a14:brightnessContrast bright="4000" contrast="25000"/>
-                    </a14:imgEffect>
-                  </a14:imgLayer>
-                </a14:imgProps>
-              </a:ext>
-              <a:ext uri="{28A0092B-C50C-407E-A947-70E740481C1C}">
-                <a14:useLocalDpi xmlns:a14="http://schemas.microsoft.com/office/drawing/2010/main" val="0"/>
-              </a:ext>
-            </a:extLst>
-          </a:blip>
-          <a:stretch>
-            <a:fillRect/>
-          </a:stretch>
-        </p:blipFill>
-        <p:spPr>
-          <a:xfrm>
-            <a:off x="8310025" y="3644942"/>
-            <a:ext cx="3881976" cy="3213058"/>
-          </a:xfrm>
-          <a:prstGeom prst="rect">
-            <a:avLst/>
-          </a:prstGeom>
-        </p:spPr>
-      </p:pic>
-      <p:pic>
-        <p:nvPicPr>
-          <p:cNvPr id="6" name="Picture 5">
-            <a:extLst>
-              <a:ext uri="{FF2B5EF4-FFF2-40B4-BE49-F238E27FC236}">
-                <a16:creationId xmlns:a16="http://schemas.microsoft.com/office/drawing/2014/main" id="{A643BE67-3166-46A4-9081-6D4F77351A56}"/>
-              </a:ext>
-            </a:extLst>
-          </p:cNvPr>
-          <p:cNvPicPr>
-            <a:picLocks noChangeAspect="1"/>
-          </p:cNvPicPr>
-          <p:nvPr/>
-        </p:nvPicPr>
-        <p:blipFill>
-          <a:blip r:embed="rId6">
-            <a:extLst>
-              <a:ext uri="{BEBA8EAE-BF5A-486C-A8C5-ECC9F3942E4B}">
-                <a14:imgProps xmlns:a14="http://schemas.microsoft.com/office/drawing/2010/main">
-                  <a14:imgLayer r:embed="rId7">
-                    <a14:imgEffect>
-                      <a14:sharpenSoften amount="25000"/>
-                    </a14:imgEffect>
-                    <a14:imgEffect>
-                      <a14:brightnessContrast bright="9000" contrast="25000"/>
-                    </a14:imgEffect>
-                  </a14:imgLayer>
-                </a14:imgProps>
-              </a:ext>
-              <a:ext uri="{28A0092B-C50C-407E-A947-70E740481C1C}">
-                <a14:useLocalDpi xmlns:a14="http://schemas.microsoft.com/office/drawing/2010/main" val="0"/>
-              </a:ext>
-            </a:extLst>
-          </a:blip>
-          <a:stretch>
-            <a:fillRect/>
-          </a:stretch>
-        </p:blipFill>
-        <p:spPr>
-          <a:xfrm>
-            <a:off x="8310025" y="-1"/>
-            <a:ext cx="3718050" cy="3583735"/>
-          </a:xfrm>
-          <a:prstGeom prst="rect">
-            <a:avLst/>
-          </a:prstGeom>
-        </p:spPr>
-      </p:pic>
-      <p:sp>
-        <p:nvSpPr>
-          <p:cNvPr id="9" name="TextBox 8">
-            <a:extLst>
-              <a:ext uri="{FF2B5EF4-FFF2-40B4-BE49-F238E27FC236}">
-                <a16:creationId xmlns:a16="http://schemas.microsoft.com/office/drawing/2014/main" id="{01CC3F03-A97C-436D-B214-B77AFF216DCC}"/>
-              </a:ext>
-            </a:extLst>
-          </p:cNvPr>
-          <p:cNvSpPr txBox="1"/>
-          <p:nvPr/>
-        </p:nvSpPr>
-        <p:spPr>
-          <a:xfrm>
-            <a:off x="163925" y="1791867"/>
-            <a:ext cx="3718050" cy="369332"/>
-          </a:xfrm>
-          <a:prstGeom prst="rect">
-            <a:avLst/>
-          </a:prstGeom>
-          <a:noFill/>
-        </p:spPr>
-        <p:txBody>
-          <a:bodyPr wrap="square" rtlCol="0">
-            <a:spAutoFit/>
+        <p:txBody>
+          <a:bodyPr>
+            <a:normAutofit fontScale="92500"/>
           </a:bodyPr>
           <a:lstStyle/>
           <a:p>
             <a:r>
-              <a:rPr lang="en-US" dirty="0"/>
-              <a:t>Downtown Los Angeles</a:t>
-            </a:r>
-          </a:p>
-        </p:txBody>
-      </p:sp>
-      <p:sp>
-        <p:nvSpPr>
-          <p:cNvPr id="10" name="TextBox 9">
-            <a:extLst>
-              <a:ext uri="{FF2B5EF4-FFF2-40B4-BE49-F238E27FC236}">
-                <a16:creationId xmlns:a16="http://schemas.microsoft.com/office/drawing/2014/main" id="{50B8DD33-1C48-47ED-8E73-DD50826E53A5}"/>
-              </a:ext>
-            </a:extLst>
-          </p:cNvPr>
-          <p:cNvSpPr txBox="1"/>
-          <p:nvPr/>
-        </p:nvSpPr>
-        <p:spPr>
-          <a:xfrm>
-            <a:off x="6641607" y="1088571"/>
-            <a:ext cx="1668418" cy="923330"/>
-          </a:xfrm>
-          <a:prstGeom prst="rect">
-            <a:avLst/>
-          </a:prstGeom>
-          <a:noFill/>
-        </p:spPr>
-        <p:txBody>
-          <a:bodyPr wrap="square" rtlCol="0">
-            <a:spAutoFit/>
-          </a:bodyPr>
-          <a:lstStyle/>
-          <a:p>
-            <a:r>
-              <a:rPr lang="en-US" dirty="0"/>
-              <a:t>Santa Monica and Venice Beach</a:t>
-            </a:r>
-          </a:p>
-        </p:txBody>
-      </p:sp>
-      <p:sp>
-        <p:nvSpPr>
-          <p:cNvPr id="11" name="TextBox 10">
-            <a:extLst>
-              <a:ext uri="{FF2B5EF4-FFF2-40B4-BE49-F238E27FC236}">
-                <a16:creationId xmlns:a16="http://schemas.microsoft.com/office/drawing/2014/main" id="{1BBAC46B-0E25-4811-8B60-B4B3230E056D}"/>
-              </a:ext>
-            </a:extLst>
-          </p:cNvPr>
-          <p:cNvSpPr txBox="1"/>
-          <p:nvPr/>
-        </p:nvSpPr>
-        <p:spPr>
-          <a:xfrm>
-            <a:off x="6821714" y="4180114"/>
-            <a:ext cx="1306286" cy="646331"/>
-          </a:xfrm>
-          <a:prstGeom prst="rect">
-            <a:avLst/>
-          </a:prstGeom>
-          <a:noFill/>
-        </p:spPr>
-        <p:txBody>
-          <a:bodyPr wrap="square" rtlCol="0">
-            <a:spAutoFit/>
-          </a:bodyPr>
-          <a:lstStyle/>
-          <a:p>
-            <a:r>
-              <a:rPr lang="en-US" dirty="0"/>
-              <a:t>Coast/ Port area</a:t>
+              <a:rPr lang="en-US" sz="2400" dirty="0"/>
+              <a:t>The </a:t>
+            </a:r>
+            <a:r>
+              <a:rPr lang="en-US" sz="2400" dirty="0" err="1"/>
+              <a:t>MetroBike</a:t>
+            </a:r>
+            <a:r>
+              <a:rPr lang="en-US" sz="2400" dirty="0"/>
+              <a:t> ride data for 2016 was sourced from data.gov, and the data for 2017-2018 was sourced from the </a:t>
+            </a:r>
+            <a:r>
+              <a:rPr lang="en-US" sz="2400" dirty="0" err="1"/>
+              <a:t>MetroBike</a:t>
+            </a:r>
+            <a:r>
+              <a:rPr lang="en-US" sz="2400" dirty="0"/>
+              <a:t> website </a:t>
+            </a:r>
+            <a:r>
+              <a:rPr lang="en-US" sz="2400" dirty="0">
+                <a:hlinkClick r:id="rId2"/>
+              </a:rPr>
+              <a:t>https://bikeshare.metro.net/about/data/</a:t>
+            </a:r>
+            <a:endParaRPr lang="en-US" sz="2400" dirty="0"/>
+          </a:p>
+          <a:p>
+            <a:r>
+              <a:rPr lang="en-US" sz="2400" dirty="0"/>
+              <a:t>There were some minor differences between our source data, like headings, but the main problem was the ride start time formatting. The data.gov start times were easily converted to a datetime object.  However the </a:t>
+            </a:r>
+            <a:r>
+              <a:rPr lang="en-US" sz="2400" dirty="0" err="1"/>
+              <a:t>Metrobike</a:t>
+            </a:r>
+            <a:r>
+              <a:rPr lang="en-US" sz="2400" dirty="0"/>
+              <a:t> data start times were not zero padded, and a custom function was written to add the zeros.  After this was done, the start time could be converted to a datetime object, therefore standardizing our data across the years. </a:t>
+            </a:r>
+          </a:p>
+          <a:p>
+            <a:r>
+              <a:rPr lang="en-US" sz="2400" dirty="0"/>
+              <a:t>We also had to standardize the time frames from our data sets, as the data.gov information covered 7/16/2016 to 3/17/2017. The </a:t>
+            </a:r>
+            <a:r>
+              <a:rPr lang="en-US" sz="2400" dirty="0" err="1"/>
+              <a:t>MetroBike</a:t>
+            </a:r>
+            <a:r>
+              <a:rPr lang="en-US" sz="2400" dirty="0"/>
+              <a:t> data was divided into quarters covering all of 2017 through Q1 of 2018. This required splitting the data.gov information into quarters for consistency. </a:t>
+            </a:r>
+          </a:p>
+          <a:p>
+            <a:r>
+              <a:rPr lang="en-US" sz="2400" dirty="0"/>
+              <a:t>Finally, pandas seemed to have trouble with some of the Lat/Lon data for station locations.  Those columns were removed because they were not going to be used in our initial analysis, and were not consistently represented between our two data sources, either. This is something we would like to include upon further analysis.</a:t>
             </a:r>
           </a:p>
         </p:txBody>
@@ -5493,7 +5509,7 @@
     </p:spTree>
     <p:extLst>
       <p:ext uri="{BB962C8B-B14F-4D97-AF65-F5344CB8AC3E}">
-        <p14:creationId xmlns:p14="http://schemas.microsoft.com/office/powerpoint/2010/main" val="2726492229"/>
+        <p14:creationId xmlns:p14="http://schemas.microsoft.com/office/powerpoint/2010/main" val="161182378"/>
       </p:ext>
     </p:extLst>
   </p:cSld>
@@ -5525,49 +5541,42 @@
           <p:cNvPr id="2" name="Title 1">
             <a:extLst>
               <a:ext uri="{FF2B5EF4-FFF2-40B4-BE49-F238E27FC236}">
-                <a16:creationId xmlns:a16="http://schemas.microsoft.com/office/drawing/2014/main" id="{34C276C5-1E3C-4475-B6E1-40C73A48FE5A}"/>
-              </a:ext>
-            </a:extLst>
-          </p:cNvPr>
-          <p:cNvSpPr>
-            <a:spLocks noGrp="1"/>
-          </p:cNvSpPr>
-          <p:nvPr>
-            <p:ph type="title"/>
+                <a16:creationId xmlns:a16="http://schemas.microsoft.com/office/drawing/2014/main" id="{52E16A1A-0E0F-4CEA-90B3-1DC6705090C6}"/>
+              </a:ext>
+            </a:extLst>
+          </p:cNvPr>
+          <p:cNvSpPr>
+            <a:spLocks noGrp="1"/>
+          </p:cNvSpPr>
+          <p:nvPr>
+            <p:ph type="title" idx="4294967295"/>
           </p:nvPr>
         </p:nvSpPr>
         <p:spPr>
           <a:xfrm>
-            <a:off x="838200" y="193113"/>
-            <a:ext cx="10515600" cy="1325563"/>
+            <a:off x="0" y="198438"/>
+            <a:ext cx="6641607" cy="1194264"/>
           </a:xfrm>
         </p:spPr>
         <p:txBody>
           <a:bodyPr>
-            <a:normAutofit/>
+            <a:normAutofit fontScale="90000"/>
           </a:bodyPr>
           <a:lstStyle/>
           <a:p>
             <a:r>
-              <a:rPr lang="en-US" sz="2400" dirty="0"/>
-              <a:t>Hypothesis 1: Ridership has increased steadily over time following the opening of business in 2016.</a:t>
-            </a:r>
-            <a:br>
-              <a:rPr lang="en-US" sz="2400" dirty="0"/>
-            </a:br>
-            <a:r>
-              <a:rPr lang="en-US" sz="2400" dirty="0"/>
-              <a:t>Null Hypothesis: Ridership has not shown a steady increase over time.</a:t>
+              <a:rPr lang="en-US" dirty="0"/>
+              <a:t>Metro Bikeshare area bike dock maps</a:t>
             </a:r>
           </a:p>
         </p:txBody>
       </p:sp>
       <p:pic>
         <p:nvPicPr>
-          <p:cNvPr id="5" name="Content Placeholder 4">
-            <a:extLst>
-              <a:ext uri="{FF2B5EF4-FFF2-40B4-BE49-F238E27FC236}">
-                <a16:creationId xmlns:a16="http://schemas.microsoft.com/office/drawing/2014/main" id="{667667D2-A9F4-4FF4-9B27-7E571920B45F}"/>
+          <p:cNvPr id="7" name="Content Placeholder 6">
+            <a:extLst>
+              <a:ext uri="{FF2B5EF4-FFF2-40B4-BE49-F238E27FC236}">
+                <a16:creationId xmlns:a16="http://schemas.microsoft.com/office/drawing/2014/main" id="{CA05C881-B0B9-4545-82C5-5E54ED2F7148}"/>
               </a:ext>
             </a:extLst>
           </p:cNvPr>
@@ -5575,7 +5584,7 @@
             <a:picLocks noGrp="1" noChangeAspect="1"/>
           </p:cNvPicPr>
           <p:nvPr>
-            <p:ph idx="1"/>
+            <p:ph idx="4294967295"/>
           </p:nvPr>
         </p:nvPicPr>
         <p:blipFill>
@@ -5588,7 +5597,7 @@
                       <a14:sharpenSoften amount="25000"/>
                     </a14:imgEffect>
                     <a14:imgEffect>
-                      <a14:brightnessContrast contrast="-40000"/>
+                      <a14:brightnessContrast contrast="40000"/>
                     </a14:imgEffect>
                   </a14:imgLayer>
                 </a14:imgProps>
@@ -5604,15 +5613,216 @@
         </p:blipFill>
         <p:spPr>
           <a:xfrm>
-            <a:off x="655320" y="1518676"/>
-            <a:ext cx="10289344" cy="5001700"/>
+            <a:off x="163925" y="2247962"/>
+            <a:ext cx="6313756" cy="4149958"/>
           </a:xfrm>
         </p:spPr>
       </p:pic>
+      <p:pic>
+        <p:nvPicPr>
+          <p:cNvPr id="4" name="Picture 3">
+            <a:extLst>
+              <a:ext uri="{FF2B5EF4-FFF2-40B4-BE49-F238E27FC236}">
+                <a16:creationId xmlns:a16="http://schemas.microsoft.com/office/drawing/2014/main" id="{E5515F36-8BD3-4E39-96D8-24EDE7B88461}"/>
+              </a:ext>
+            </a:extLst>
+          </p:cNvPr>
+          <p:cNvPicPr>
+            <a:picLocks noChangeAspect="1"/>
+          </p:cNvPicPr>
+          <p:nvPr/>
+        </p:nvPicPr>
+        <p:blipFill>
+          <a:blip r:embed="rId4">
+            <a:extLst>
+              <a:ext uri="{BEBA8EAE-BF5A-486C-A8C5-ECC9F3942E4B}">
+                <a14:imgProps xmlns:a14="http://schemas.microsoft.com/office/drawing/2010/main">
+                  <a14:imgLayer r:embed="rId5">
+                    <a14:imgEffect>
+                      <a14:sharpenSoften amount="35000"/>
+                    </a14:imgEffect>
+                    <a14:imgEffect>
+                      <a14:brightnessContrast bright="4000" contrast="25000"/>
+                    </a14:imgEffect>
+                  </a14:imgLayer>
+                </a14:imgProps>
+              </a:ext>
+              <a:ext uri="{28A0092B-C50C-407E-A947-70E740481C1C}">
+                <a14:useLocalDpi xmlns:a14="http://schemas.microsoft.com/office/drawing/2010/main" val="0"/>
+              </a:ext>
+            </a:extLst>
+          </a:blip>
+          <a:stretch>
+            <a:fillRect/>
+          </a:stretch>
+        </p:blipFill>
+        <p:spPr>
+          <a:xfrm>
+            <a:off x="8310025" y="3644942"/>
+            <a:ext cx="3881976" cy="3213058"/>
+          </a:xfrm>
+          <a:prstGeom prst="rect">
+            <a:avLst/>
+          </a:prstGeom>
+        </p:spPr>
+      </p:pic>
+      <p:pic>
+        <p:nvPicPr>
+          <p:cNvPr id="6" name="Picture 5">
+            <a:extLst>
+              <a:ext uri="{FF2B5EF4-FFF2-40B4-BE49-F238E27FC236}">
+                <a16:creationId xmlns:a16="http://schemas.microsoft.com/office/drawing/2014/main" id="{A643BE67-3166-46A4-9081-6D4F77351A56}"/>
+              </a:ext>
+            </a:extLst>
+          </p:cNvPr>
+          <p:cNvPicPr>
+            <a:picLocks noChangeAspect="1"/>
+          </p:cNvPicPr>
+          <p:nvPr/>
+        </p:nvPicPr>
+        <p:blipFill>
+          <a:blip r:embed="rId6">
+            <a:extLst>
+              <a:ext uri="{BEBA8EAE-BF5A-486C-A8C5-ECC9F3942E4B}">
+                <a14:imgProps xmlns:a14="http://schemas.microsoft.com/office/drawing/2010/main">
+                  <a14:imgLayer r:embed="rId7">
+                    <a14:imgEffect>
+                      <a14:sharpenSoften amount="25000"/>
+                    </a14:imgEffect>
+                    <a14:imgEffect>
+                      <a14:brightnessContrast bright="9000" contrast="25000"/>
+                    </a14:imgEffect>
+                  </a14:imgLayer>
+                </a14:imgProps>
+              </a:ext>
+              <a:ext uri="{28A0092B-C50C-407E-A947-70E740481C1C}">
+                <a14:useLocalDpi xmlns:a14="http://schemas.microsoft.com/office/drawing/2010/main" val="0"/>
+              </a:ext>
+            </a:extLst>
+          </a:blip>
+          <a:stretch>
+            <a:fillRect/>
+          </a:stretch>
+        </p:blipFill>
+        <p:spPr>
+          <a:xfrm>
+            <a:off x="8310025" y="-1"/>
+            <a:ext cx="3718050" cy="3583735"/>
+          </a:xfrm>
+          <a:prstGeom prst="rect">
+            <a:avLst/>
+          </a:prstGeom>
+        </p:spPr>
+      </p:pic>
+      <p:sp>
+        <p:nvSpPr>
+          <p:cNvPr id="9" name="TextBox 8">
+            <a:extLst>
+              <a:ext uri="{FF2B5EF4-FFF2-40B4-BE49-F238E27FC236}">
+                <a16:creationId xmlns:a16="http://schemas.microsoft.com/office/drawing/2014/main" id="{01CC3F03-A97C-436D-B214-B77AFF216DCC}"/>
+              </a:ext>
+            </a:extLst>
+          </p:cNvPr>
+          <p:cNvSpPr txBox="1"/>
+          <p:nvPr/>
+        </p:nvSpPr>
+        <p:spPr>
+          <a:xfrm>
+            <a:off x="163925" y="1791867"/>
+            <a:ext cx="3718050" cy="369332"/>
+          </a:xfrm>
+          <a:prstGeom prst="rect">
+            <a:avLst/>
+          </a:prstGeom>
+          <a:noFill/>
+        </p:spPr>
+        <p:txBody>
+          <a:bodyPr wrap="square" rtlCol="0">
+            <a:spAutoFit/>
+          </a:bodyPr>
+          <a:lstStyle/>
+          <a:p>
+            <a:r>
+              <a:rPr lang="en-US" dirty="0"/>
+              <a:t>Downtown Los Angeles</a:t>
+            </a:r>
+          </a:p>
+        </p:txBody>
+      </p:sp>
+      <p:sp>
+        <p:nvSpPr>
+          <p:cNvPr id="10" name="TextBox 9">
+            <a:extLst>
+              <a:ext uri="{FF2B5EF4-FFF2-40B4-BE49-F238E27FC236}">
+                <a16:creationId xmlns:a16="http://schemas.microsoft.com/office/drawing/2014/main" id="{50B8DD33-1C48-47ED-8E73-DD50826E53A5}"/>
+              </a:ext>
+            </a:extLst>
+          </p:cNvPr>
+          <p:cNvSpPr txBox="1"/>
+          <p:nvPr/>
+        </p:nvSpPr>
+        <p:spPr>
+          <a:xfrm>
+            <a:off x="6641607" y="1088571"/>
+            <a:ext cx="1668418" cy="923330"/>
+          </a:xfrm>
+          <a:prstGeom prst="rect">
+            <a:avLst/>
+          </a:prstGeom>
+          <a:noFill/>
+        </p:spPr>
+        <p:txBody>
+          <a:bodyPr wrap="square" rtlCol="0">
+            <a:spAutoFit/>
+          </a:bodyPr>
+          <a:lstStyle/>
+          <a:p>
+            <a:r>
+              <a:rPr lang="en-US" dirty="0"/>
+              <a:t>Santa Monica and Venice Beach</a:t>
+            </a:r>
+          </a:p>
+        </p:txBody>
+      </p:sp>
+      <p:sp>
+        <p:nvSpPr>
+          <p:cNvPr id="11" name="TextBox 10">
+            <a:extLst>
+              <a:ext uri="{FF2B5EF4-FFF2-40B4-BE49-F238E27FC236}">
+                <a16:creationId xmlns:a16="http://schemas.microsoft.com/office/drawing/2014/main" id="{1BBAC46B-0E25-4811-8B60-B4B3230E056D}"/>
+              </a:ext>
+            </a:extLst>
+          </p:cNvPr>
+          <p:cNvSpPr txBox="1"/>
+          <p:nvPr/>
+        </p:nvSpPr>
+        <p:spPr>
+          <a:xfrm>
+            <a:off x="6821714" y="4180114"/>
+            <a:ext cx="1306286" cy="646331"/>
+          </a:xfrm>
+          <a:prstGeom prst="rect">
+            <a:avLst/>
+          </a:prstGeom>
+          <a:noFill/>
+        </p:spPr>
+        <p:txBody>
+          <a:bodyPr wrap="square" rtlCol="0">
+            <a:spAutoFit/>
+          </a:bodyPr>
+          <a:lstStyle/>
+          <a:p>
+            <a:r>
+              <a:rPr lang="en-US" dirty="0"/>
+              <a:t>Coast/ Port area</a:t>
+            </a:r>
+          </a:p>
+        </p:txBody>
+      </p:sp>
     </p:spTree>
     <p:extLst>
       <p:ext uri="{BB962C8B-B14F-4D97-AF65-F5344CB8AC3E}">
-        <p14:creationId xmlns:p14="http://schemas.microsoft.com/office/powerpoint/2010/main" val="326783521"/>
+        <p14:creationId xmlns:p14="http://schemas.microsoft.com/office/powerpoint/2010/main" val="2726492229"/>
       </p:ext>
     </p:extLst>
   </p:cSld>
@@ -5644,7 +5854,7 @@
           <p:cNvPr id="2" name="Title 1">
             <a:extLst>
               <a:ext uri="{FF2B5EF4-FFF2-40B4-BE49-F238E27FC236}">
-                <a16:creationId xmlns:a16="http://schemas.microsoft.com/office/drawing/2014/main" id="{B7FF9985-FA3A-44EB-81F7-820AAD99B752}"/>
+                <a16:creationId xmlns:a16="http://schemas.microsoft.com/office/drawing/2014/main" id="{34C276C5-1E3C-4475-B6E1-40C73A48FE5A}"/>
               </a:ext>
             </a:extLst>
           </p:cNvPr>
@@ -5657,8 +5867,8 @@
         </p:nvSpPr>
         <p:spPr>
           <a:xfrm>
-            <a:off x="699795" y="211015"/>
-            <a:ext cx="10654005" cy="1095271"/>
+            <a:off x="838200" y="193113"/>
+            <a:ext cx="10515600" cy="1325563"/>
           </a:xfrm>
         </p:spPr>
         <p:txBody>
@@ -5668,25 +5878,25 @@
           <a:lstStyle/>
           <a:p>
             <a:r>
-              <a:rPr lang="en-US" sz="2200" dirty="0"/>
-              <a:t>Hypothesis: Bike sharing riders use the system differently depending on the day of the  week.</a:t>
+              <a:rPr lang="en-US" sz="2400" dirty="0"/>
+              <a:t>Hypothesis 1: Ridership has increased steadily over time following the opening of business in 2016.</a:t>
             </a:r>
             <a:br>
-              <a:rPr lang="en-US" sz="2200" dirty="0"/>
+              <a:rPr lang="en-US" sz="2400" dirty="0"/>
             </a:br>
             <a:r>
-              <a:rPr lang="en-US" sz="2200" dirty="0"/>
-              <a:t>Null hypothesis: Day of the week has no effect on total ridership.</a:t>
+              <a:rPr lang="en-US" sz="2400" dirty="0"/>
+              <a:t>Null Hypothesis: Ridership has not shown a steady increase over time.</a:t>
             </a:r>
           </a:p>
         </p:txBody>
       </p:sp>
       <p:pic>
         <p:nvPicPr>
-          <p:cNvPr id="7" name="Content Placeholder 6">
-            <a:extLst>
-              <a:ext uri="{FF2B5EF4-FFF2-40B4-BE49-F238E27FC236}">
-                <a16:creationId xmlns:a16="http://schemas.microsoft.com/office/drawing/2014/main" id="{22F8AA73-4CD8-4BF2-856B-4B046E4A6BAB}"/>
+          <p:cNvPr id="5" name="Content Placeholder 4">
+            <a:extLst>
+              <a:ext uri="{FF2B5EF4-FFF2-40B4-BE49-F238E27FC236}">
+                <a16:creationId xmlns:a16="http://schemas.microsoft.com/office/drawing/2014/main" id="{667667D2-A9F4-4FF4-9B27-7E571920B45F}"/>
               </a:ext>
             </a:extLst>
           </p:cNvPr>
@@ -5707,7 +5917,7 @@
                       <a14:sharpenSoften amount="25000"/>
                     </a14:imgEffect>
                     <a14:imgEffect>
-                      <a14:brightnessContrast contrast="20000"/>
+                      <a14:brightnessContrast contrast="-40000"/>
                     </a14:imgEffect>
                   </a14:imgLayer>
                 </a14:imgProps>
@@ -5723,15 +5933,15 @@
         </p:blipFill>
         <p:spPr>
           <a:xfrm>
-            <a:off x="699795" y="1306286"/>
-            <a:ext cx="10515599" cy="5437163"/>
+            <a:off x="655320" y="1518676"/>
+            <a:ext cx="10289344" cy="5001700"/>
           </a:xfrm>
         </p:spPr>
       </p:pic>
     </p:spTree>
     <p:extLst>
       <p:ext uri="{BB962C8B-B14F-4D97-AF65-F5344CB8AC3E}">
-        <p14:creationId xmlns:p14="http://schemas.microsoft.com/office/powerpoint/2010/main" val="417455639"/>
+        <p14:creationId xmlns:p14="http://schemas.microsoft.com/office/powerpoint/2010/main" val="326783521"/>
       </p:ext>
     </p:extLst>
   </p:cSld>
@@ -5763,7 +5973,7 @@
           <p:cNvPr id="2" name="Title 1">
             <a:extLst>
               <a:ext uri="{FF2B5EF4-FFF2-40B4-BE49-F238E27FC236}">
-                <a16:creationId xmlns:a16="http://schemas.microsoft.com/office/drawing/2014/main" id="{2DC88050-8777-47D4-97B3-AC32CFD4DBDE}"/>
+                <a16:creationId xmlns:a16="http://schemas.microsoft.com/office/drawing/2014/main" id="{B7FF9985-FA3A-44EB-81F7-820AAD99B752}"/>
               </a:ext>
             </a:extLst>
           </p:cNvPr>
@@ -5776,8 +5986,8 @@
         </p:nvSpPr>
         <p:spPr>
           <a:xfrm>
-            <a:off x="838200" y="209056"/>
-            <a:ext cx="10515600" cy="1013509"/>
+            <a:off x="699795" y="211015"/>
+            <a:ext cx="10654005" cy="1095271"/>
           </a:xfrm>
         </p:spPr>
         <p:txBody>
@@ -5787,62 +5997,25 @@
           <a:lstStyle/>
           <a:p>
             <a:r>
-              <a:rPr lang="en-US" sz="2800" dirty="0"/>
-              <a:t>Notable trends: Why is there a large spike during October in both 2016 and 2017?</a:t>
-            </a:r>
-          </a:p>
-        </p:txBody>
-      </p:sp>
-      <p:sp>
-        <p:nvSpPr>
-          <p:cNvPr id="6" name="Text Placeholder 5">
-            <a:extLst>
-              <a:ext uri="{FF2B5EF4-FFF2-40B4-BE49-F238E27FC236}">
-                <a16:creationId xmlns:a16="http://schemas.microsoft.com/office/drawing/2014/main" id="{504B4854-AF6E-4A9B-ACD2-4852305F992D}"/>
-              </a:ext>
-            </a:extLst>
-          </p:cNvPr>
-          <p:cNvSpPr>
-            <a:spLocks noGrp="1"/>
-          </p:cNvSpPr>
-          <p:nvPr>
-            <p:ph type="body" idx="4294967295"/>
-          </p:nvPr>
-        </p:nvSpPr>
-        <p:spPr>
-          <a:xfrm>
-            <a:off x="946152" y="1222565"/>
-            <a:ext cx="10515600" cy="880183"/>
-          </a:xfrm>
-        </p:spPr>
-        <p:txBody>
-          <a:bodyPr>
-            <a:normAutofit fontScale="70000" lnSpcReduction="20000"/>
-          </a:bodyPr>
-          <a:lstStyle/>
-          <a:p>
-            <a:r>
-              <a:rPr lang="en-US" dirty="0">
-                <a:hlinkClick r:id="rId2"/>
-              </a:rPr>
-              <a:t>http://www.welikela.com/event/ciclavia-heart-la-10-16-2016/</a:t>
-            </a:r>
-            <a:endParaRPr lang="en-US" dirty="0"/>
-          </a:p>
-          <a:p>
-            <a:r>
-              <a:rPr lang="en-US" dirty="0"/>
-              <a:t>This is an annual event billed as a free street party that restricts road usage to pedestrians and bicycle traffic. Research shows that the festival for 2018 is scheduled for September 30, 2018.</a:t>
+              <a:rPr lang="en-US" sz="2200" dirty="0"/>
+              <a:t>Hypothesis: Bike sharing riders use the system differently depending on the day of the  week.</a:t>
+            </a:r>
+            <a:br>
+              <a:rPr lang="en-US" sz="2200" dirty="0"/>
+            </a:br>
+            <a:r>
+              <a:rPr lang="en-US" sz="2200" dirty="0"/>
+              <a:t>Null hypothesis: Day of the week has no effect on total ridership.</a:t>
             </a:r>
           </a:p>
         </p:txBody>
       </p:sp>
       <p:pic>
         <p:nvPicPr>
-          <p:cNvPr id="11" name="Content Placeholder 10">
-            <a:extLst>
-              <a:ext uri="{FF2B5EF4-FFF2-40B4-BE49-F238E27FC236}">
-                <a16:creationId xmlns:a16="http://schemas.microsoft.com/office/drawing/2014/main" id="{F5A42A68-5E42-4031-B37E-CA3BEDCE3BEE}"/>
+          <p:cNvPr id="7" name="Content Placeholder 6">
+            <a:extLst>
+              <a:ext uri="{FF2B5EF4-FFF2-40B4-BE49-F238E27FC236}">
+                <a16:creationId xmlns:a16="http://schemas.microsoft.com/office/drawing/2014/main" id="{22F8AA73-4CD8-4BF2-856B-4B046E4A6BAB}"/>
               </a:ext>
             </a:extLst>
           </p:cNvPr>
@@ -5850,15 +6023,15 @@
             <a:picLocks noGrp="1" noChangeAspect="1"/>
           </p:cNvPicPr>
           <p:nvPr>
-            <p:ph sz="half" idx="4294967295"/>
+            <p:ph idx="1"/>
           </p:nvPr>
         </p:nvPicPr>
         <p:blipFill>
-          <a:blip r:embed="rId3">
+          <a:blip r:embed="rId2">
             <a:extLst>
               <a:ext uri="{BEBA8EAE-BF5A-486C-A8C5-ECC9F3942E4B}">
                 <a14:imgProps xmlns:a14="http://schemas.microsoft.com/office/drawing/2010/main">
-                  <a14:imgLayer r:embed="rId4">
+                  <a14:imgLayer r:embed="rId3">
                     <a14:imgEffect>
                       <a14:sharpenSoften amount="25000"/>
                     </a14:imgEffect>
@@ -5879,62 +6052,15 @@
         </p:blipFill>
         <p:spPr>
           <a:xfrm>
-            <a:off x="0" y="2080004"/>
-            <a:ext cx="5988050" cy="4121712"/>
-          </a:xfrm>
-        </p:spPr>
-      </p:pic>
-      <p:pic>
-        <p:nvPicPr>
-          <p:cNvPr id="13" name="Content Placeholder 12">
-            <a:extLst>
-              <a:ext uri="{FF2B5EF4-FFF2-40B4-BE49-F238E27FC236}">
-                <a16:creationId xmlns:a16="http://schemas.microsoft.com/office/drawing/2014/main" id="{E945EDCD-D04F-4C7D-8A07-BD5B7F44756E}"/>
-              </a:ext>
-            </a:extLst>
-          </p:cNvPr>
-          <p:cNvPicPr>
-            <a:picLocks noGrp="1" noChangeAspect="1"/>
-          </p:cNvPicPr>
-          <p:nvPr>
-            <p:ph sz="quarter" idx="4294967295"/>
-          </p:nvPr>
-        </p:nvPicPr>
-        <p:blipFill>
-          <a:blip r:embed="rId5">
-            <a:extLst>
-              <a:ext uri="{BEBA8EAE-BF5A-486C-A8C5-ECC9F3942E4B}">
-                <a14:imgProps xmlns:a14="http://schemas.microsoft.com/office/drawing/2010/main">
-                  <a14:imgLayer r:embed="rId6">
-                    <a14:imgEffect>
-                      <a14:sharpenSoften amount="25000"/>
-                    </a14:imgEffect>
-                    <a14:imgEffect>
-                      <a14:brightnessContrast contrast="26000"/>
-                    </a14:imgEffect>
-                  </a14:imgLayer>
-                </a14:imgProps>
-              </a:ext>
-              <a:ext uri="{28A0092B-C50C-407E-A947-70E740481C1C}">
-                <a14:useLocalDpi xmlns:a14="http://schemas.microsoft.com/office/drawing/2010/main" val="0"/>
-              </a:ext>
-            </a:extLst>
-          </a:blip>
-          <a:stretch>
-            <a:fillRect/>
-          </a:stretch>
-        </p:blipFill>
-        <p:spPr>
-          <a:xfrm>
-            <a:off x="6096000" y="2202546"/>
-            <a:ext cx="5988050" cy="3968067"/>
+            <a:off x="699795" y="1306286"/>
+            <a:ext cx="10515599" cy="5437163"/>
           </a:xfrm>
         </p:spPr>
       </p:pic>
     </p:spTree>
     <p:extLst>
       <p:ext uri="{BB962C8B-B14F-4D97-AF65-F5344CB8AC3E}">
-        <p14:creationId xmlns:p14="http://schemas.microsoft.com/office/powerpoint/2010/main" val="2576917738"/>
+        <p14:creationId xmlns:p14="http://schemas.microsoft.com/office/powerpoint/2010/main" val="417455639"/>
       </p:ext>
     </p:extLst>
   </p:cSld>
@@ -5966,7 +6092,7 @@
           <p:cNvPr id="2" name="Title 1">
             <a:extLst>
               <a:ext uri="{FF2B5EF4-FFF2-40B4-BE49-F238E27FC236}">
-                <a16:creationId xmlns:a16="http://schemas.microsoft.com/office/drawing/2014/main" id="{A8D27B8B-2034-4720-8D04-9629CCD481DC}"/>
+                <a16:creationId xmlns:a16="http://schemas.microsoft.com/office/drawing/2014/main" id="{2DC88050-8777-47D4-97B3-AC32CFD4DBDE}"/>
               </a:ext>
             </a:extLst>
           </p:cNvPr>
@@ -5977,33 +6103,75 @@
             <p:ph type="title"/>
           </p:nvPr>
         </p:nvSpPr>
-        <p:spPr/>
+        <p:spPr>
+          <a:xfrm>
+            <a:off x="838200" y="209056"/>
+            <a:ext cx="10515600" cy="1013509"/>
+          </a:xfrm>
+        </p:spPr>
         <p:txBody>
           <a:bodyPr>
-            <a:noAutofit/>
+            <a:normAutofit/>
           </a:bodyPr>
           <a:lstStyle/>
           <a:p>
             <a:r>
-              <a:rPr lang="en-US" sz="2400" dirty="0"/>
-              <a:t>Hypothesis: Bike sharing riders use the system more during certain times of day (i.e. for commuting).</a:t>
-            </a:r>
-            <a:br>
-              <a:rPr lang="en-US" sz="2400" dirty="0"/>
-            </a:br>
-            <a:r>
-              <a:rPr lang="en-US" sz="2400" dirty="0"/>
-              <a:t>Null hypothesis: Time of day does not affect rate of ridership.</a:t>
+              <a:rPr lang="en-US" sz="2800" dirty="0"/>
+              <a:t>Notable trends: Why is there a large spike during October in both 2016 and 2017?</a:t>
+            </a:r>
+          </a:p>
+        </p:txBody>
+      </p:sp>
+      <p:sp>
+        <p:nvSpPr>
+          <p:cNvPr id="6" name="Text Placeholder 5">
+            <a:extLst>
+              <a:ext uri="{FF2B5EF4-FFF2-40B4-BE49-F238E27FC236}">
+                <a16:creationId xmlns:a16="http://schemas.microsoft.com/office/drawing/2014/main" id="{504B4854-AF6E-4A9B-ACD2-4852305F992D}"/>
+              </a:ext>
+            </a:extLst>
+          </p:cNvPr>
+          <p:cNvSpPr>
+            <a:spLocks noGrp="1"/>
+          </p:cNvSpPr>
+          <p:nvPr>
+            <p:ph type="body" idx="4294967295"/>
+          </p:nvPr>
+        </p:nvSpPr>
+        <p:spPr>
+          <a:xfrm>
+            <a:off x="946152" y="1222565"/>
+            <a:ext cx="10515600" cy="880183"/>
+          </a:xfrm>
+        </p:spPr>
+        <p:txBody>
+          <a:bodyPr>
+            <a:normAutofit fontScale="70000" lnSpcReduction="20000"/>
+          </a:bodyPr>
+          <a:lstStyle/>
+          <a:p>
+            <a:r>
+              <a:rPr lang="en-US" dirty="0">
+                <a:hlinkClick r:id="rId2"/>
+              </a:rPr>
+              <a:t>http://www.welikela.com/event/ciclavia-heart-la-10-16-2016/</a:t>
+            </a:r>
+            <a:endParaRPr lang="en-US" dirty="0"/>
+          </a:p>
+          <a:p>
+            <a:r>
+              <a:rPr lang="en-US" dirty="0"/>
+              <a:t>This is an annual event billed as a free street party that restricts road usage to pedestrians and bicycle traffic. Research shows that the festival for 2018 is scheduled for September 30, 2018.</a:t>
             </a:r>
           </a:p>
         </p:txBody>
       </p:sp>
       <p:pic>
         <p:nvPicPr>
-          <p:cNvPr id="5" name="Content Placeholder 4">
-            <a:extLst>
-              <a:ext uri="{FF2B5EF4-FFF2-40B4-BE49-F238E27FC236}">
-                <a16:creationId xmlns:a16="http://schemas.microsoft.com/office/drawing/2014/main" id="{98BD8DAC-9B1A-4D0F-BB91-91E4B95F991F}"/>
+          <p:cNvPr id="11" name="Content Placeholder 10">
+            <a:extLst>
+              <a:ext uri="{FF2B5EF4-FFF2-40B4-BE49-F238E27FC236}">
+                <a16:creationId xmlns:a16="http://schemas.microsoft.com/office/drawing/2014/main" id="{F5A42A68-5E42-4031-B37E-CA3BEDCE3BEE}"/>
               </a:ext>
             </a:extLst>
           </p:cNvPr>
@@ -6011,15 +6179,15 @@
             <a:picLocks noGrp="1" noChangeAspect="1"/>
           </p:cNvPicPr>
           <p:nvPr>
-            <p:ph idx="1"/>
+            <p:ph sz="half" idx="4294967295"/>
           </p:nvPr>
         </p:nvPicPr>
         <p:blipFill>
-          <a:blip r:embed="rId2">
+          <a:blip r:embed="rId3">
             <a:extLst>
               <a:ext uri="{BEBA8EAE-BF5A-486C-A8C5-ECC9F3942E4B}">
                 <a14:imgProps xmlns:a14="http://schemas.microsoft.com/office/drawing/2010/main">
-                  <a14:imgLayer r:embed="rId3">
+                  <a14:imgLayer r:embed="rId4">
                     <a14:imgEffect>
                       <a14:sharpenSoften amount="25000"/>
                     </a14:imgEffect>
@@ -6040,15 +6208,62 @@
         </p:blipFill>
         <p:spPr>
           <a:xfrm>
-            <a:off x="697522" y="1872202"/>
-            <a:ext cx="10078330" cy="5070204"/>
+            <a:off x="0" y="2080004"/>
+            <a:ext cx="5988050" cy="4121712"/>
+          </a:xfrm>
+        </p:spPr>
+      </p:pic>
+      <p:pic>
+        <p:nvPicPr>
+          <p:cNvPr id="13" name="Content Placeholder 12">
+            <a:extLst>
+              <a:ext uri="{FF2B5EF4-FFF2-40B4-BE49-F238E27FC236}">
+                <a16:creationId xmlns:a16="http://schemas.microsoft.com/office/drawing/2014/main" id="{E945EDCD-D04F-4C7D-8A07-BD5B7F44756E}"/>
+              </a:ext>
+            </a:extLst>
+          </p:cNvPr>
+          <p:cNvPicPr>
+            <a:picLocks noGrp="1" noChangeAspect="1"/>
+          </p:cNvPicPr>
+          <p:nvPr>
+            <p:ph sz="quarter" idx="4294967295"/>
+          </p:nvPr>
+        </p:nvPicPr>
+        <p:blipFill>
+          <a:blip r:embed="rId5">
+            <a:extLst>
+              <a:ext uri="{BEBA8EAE-BF5A-486C-A8C5-ECC9F3942E4B}">
+                <a14:imgProps xmlns:a14="http://schemas.microsoft.com/office/drawing/2010/main">
+                  <a14:imgLayer r:embed="rId6">
+                    <a14:imgEffect>
+                      <a14:sharpenSoften amount="25000"/>
+                    </a14:imgEffect>
+                    <a14:imgEffect>
+                      <a14:brightnessContrast contrast="26000"/>
+                    </a14:imgEffect>
+                  </a14:imgLayer>
+                </a14:imgProps>
+              </a:ext>
+              <a:ext uri="{28A0092B-C50C-407E-A947-70E740481C1C}">
+                <a14:useLocalDpi xmlns:a14="http://schemas.microsoft.com/office/drawing/2010/main" val="0"/>
+              </a:ext>
+            </a:extLst>
+          </a:blip>
+          <a:stretch>
+            <a:fillRect/>
+          </a:stretch>
+        </p:blipFill>
+        <p:spPr>
+          <a:xfrm>
+            <a:off x="6096000" y="2202546"/>
+            <a:ext cx="5988050" cy="3968067"/>
           </a:xfrm>
         </p:spPr>
       </p:pic>
     </p:spTree>
     <p:extLst>
       <p:ext uri="{BB962C8B-B14F-4D97-AF65-F5344CB8AC3E}">
-        <p14:creationId xmlns:p14="http://schemas.microsoft.com/office/powerpoint/2010/main" val="362478161"/>
+        <p14:creationId xmlns:p14="http://schemas.microsoft.com/office/powerpoint/2010/main" val="2576917738"/>
       </p:ext>
     </p:extLst>
   </p:cSld>
@@ -6080,7 +6295,7 @@
           <p:cNvPr id="2" name="Title 1">
             <a:extLst>
               <a:ext uri="{FF2B5EF4-FFF2-40B4-BE49-F238E27FC236}">
-                <a16:creationId xmlns:a16="http://schemas.microsoft.com/office/drawing/2014/main" id="{49927416-5A7C-45D6-89D8-1EC4F48EBC95}"/>
+                <a16:creationId xmlns:a16="http://schemas.microsoft.com/office/drawing/2014/main" id="{A8D27B8B-2034-4720-8D04-9629CCD481DC}"/>
               </a:ext>
             </a:extLst>
           </p:cNvPr>
@@ -6091,97 +6306,45 @@
             <p:ph type="title"/>
           </p:nvPr>
         </p:nvSpPr>
-        <p:spPr>
-          <a:xfrm>
-            <a:off x="725659" y="377712"/>
-            <a:ext cx="10515600" cy="915034"/>
-          </a:xfrm>
-        </p:spPr>
+        <p:spPr/>
         <p:txBody>
           <a:bodyPr>
-            <a:normAutofit/>
+            <a:noAutofit/>
           </a:bodyPr>
           <a:lstStyle/>
           <a:p>
-            <a:pPr algn="ctr"/>
             <a:r>
               <a:rPr lang="en-US" sz="2400" dirty="0"/>
-              <a:t>Fun with other data sets</a:t>
-            </a:r>
-          </a:p>
-        </p:txBody>
-      </p:sp>
-      <p:sp>
-        <p:nvSpPr>
-          <p:cNvPr id="3" name="Content Placeholder 2">
-            <a:extLst>
-              <a:ext uri="{FF2B5EF4-FFF2-40B4-BE49-F238E27FC236}">
-                <a16:creationId xmlns:a16="http://schemas.microsoft.com/office/drawing/2014/main" id="{20ADD5C2-366F-4F52-BA74-2503FD3D284B}"/>
-              </a:ext>
-            </a:extLst>
-          </p:cNvPr>
-          <p:cNvSpPr>
-            <a:spLocks noGrp="1"/>
-          </p:cNvSpPr>
-          <p:nvPr>
-            <p:ph idx="1"/>
-          </p:nvPr>
-        </p:nvSpPr>
-        <p:spPr>
-          <a:xfrm>
-            <a:off x="725659" y="1404228"/>
-            <a:ext cx="10515600" cy="5088646"/>
-          </a:xfrm>
-        </p:spPr>
-        <p:txBody>
-          <a:bodyPr>
-            <a:normAutofit/>
-          </a:bodyPr>
-          <a:lstStyle/>
-          <a:p>
-            <a:r>
-              <a:rPr lang="en-US" sz="1800" dirty="0"/>
-              <a:t>We analyzed a small amount of data from the </a:t>
-            </a:r>
-            <a:r>
-              <a:rPr lang="en-US" sz="1800" dirty="0" err="1"/>
-              <a:t>CitiBike</a:t>
-            </a:r>
-            <a:r>
-              <a:rPr lang="en-US" sz="1800" dirty="0"/>
-              <a:t> program in New York City that has been running for more than a decade. This data was only available in a total rides per day format, so meaningful comparison to </a:t>
-            </a:r>
-            <a:r>
-              <a:rPr lang="en-US" sz="1800" dirty="0" err="1"/>
-              <a:t>MetroBike</a:t>
-            </a:r>
-            <a:r>
-              <a:rPr lang="en-US" sz="1800" dirty="0"/>
-              <a:t> in Los Angeles was not possible.</a:t>
-            </a:r>
-          </a:p>
-          <a:p>
-            <a:endParaRPr lang="en-US" sz="2000" dirty="0"/>
+              <a:t>Hypothesis: Bike sharing riders use the system more during certain times of day (i.e. for commuting).</a:t>
+            </a:r>
+            <a:br>
+              <a:rPr lang="en-US" sz="2400" dirty="0"/>
+            </a:br>
+            <a:r>
+              <a:rPr lang="en-US" sz="2400" dirty="0"/>
+              <a:t>Null hypothesis: Time of day does not affect rate of ridership.</a:t>
+            </a:r>
           </a:p>
         </p:txBody>
       </p:sp>
       <p:pic>
         <p:nvPicPr>
-          <p:cNvPr id="5" name="Picture 4">
-            <a:extLst>
-              <a:ext uri="{FF2B5EF4-FFF2-40B4-BE49-F238E27FC236}">
-                <a16:creationId xmlns:a16="http://schemas.microsoft.com/office/drawing/2014/main" id="{38FF4C04-4171-47E4-8BDF-2E004FB7564F}"/>
+          <p:cNvPr id="5" name="Content Placeholder 4">
+            <a:extLst>
+              <a:ext uri="{FF2B5EF4-FFF2-40B4-BE49-F238E27FC236}">
+                <a16:creationId xmlns:a16="http://schemas.microsoft.com/office/drawing/2014/main" id="{98BD8DAC-9B1A-4D0F-BB91-91E4B95F991F}"/>
               </a:ext>
             </a:extLst>
           </p:cNvPr>
           <p:cNvPicPr>
-            <a:picLocks noChangeAspect="1"/>
+            <a:picLocks noGrp="1" noChangeAspect="1"/>
           </p:cNvPicPr>
-          <p:nvPr/>
+          <p:nvPr>
+            <p:ph idx="1"/>
+          </p:nvPr>
         </p:nvPicPr>
         <p:blipFill>
           <a:blip r:embed="rId2">
-            <a:grayscl/>
             <a:extLst>
               <a:ext uri="{BEBA8EAE-BF5A-486C-A8C5-ECC9F3942E4B}">
                 <a14:imgProps xmlns:a14="http://schemas.microsoft.com/office/drawing/2010/main">
@@ -6190,10 +6353,7 @@
                       <a14:sharpenSoften amount="25000"/>
                     </a14:imgEffect>
                     <a14:imgEffect>
-                      <a14:saturation sat="200000"/>
-                    </a14:imgEffect>
-                    <a14:imgEffect>
-                      <a14:brightnessContrast contrast="-40000"/>
+                      <a14:brightnessContrast contrast="20000"/>
                     </a14:imgEffect>
                   </a14:imgLayer>
                 </a14:imgProps>
@@ -6209,18 +6369,15 @@
         </p:blipFill>
         <p:spPr>
           <a:xfrm>
-            <a:off x="1631853" y="2335237"/>
-            <a:ext cx="7923896" cy="4418064"/>
+            <a:off x="697522" y="1872202"/>
+            <a:ext cx="10078330" cy="5070204"/>
           </a:xfrm>
-          <a:prstGeom prst="rect">
-            <a:avLst/>
-          </a:prstGeom>
         </p:spPr>
       </p:pic>
     </p:spTree>
     <p:extLst>
       <p:ext uri="{BB962C8B-B14F-4D97-AF65-F5344CB8AC3E}">
-        <p14:creationId xmlns:p14="http://schemas.microsoft.com/office/powerpoint/2010/main" val="4237760704"/>
+        <p14:creationId xmlns:p14="http://schemas.microsoft.com/office/powerpoint/2010/main" val="362478161"/>
       </p:ext>
     </p:extLst>
   </p:cSld>

--- a/If We Ran a Bike Sharing Company.pptx
+++ b/If We Ran a Bike Sharing Company.pptx
@@ -6105,7 +6105,7 @@
         </p:nvSpPr>
         <p:spPr>
           <a:xfrm>
-            <a:off x="838200" y="209056"/>
+            <a:off x="838200" y="109905"/>
             <a:ext cx="10515600" cy="1013509"/>
           </a:xfrm>
         </p:spPr>
@@ -6168,10 +6168,10 @@
       </p:sp>
       <p:pic>
         <p:nvPicPr>
-          <p:cNvPr id="11" name="Content Placeholder 10">
-            <a:extLst>
-              <a:ext uri="{FF2B5EF4-FFF2-40B4-BE49-F238E27FC236}">
-                <a16:creationId xmlns:a16="http://schemas.microsoft.com/office/drawing/2014/main" id="{F5A42A68-5E42-4031-B37E-CA3BEDCE3BEE}"/>
+          <p:cNvPr id="13" name="Content Placeholder 12">
+            <a:extLst>
+              <a:ext uri="{FF2B5EF4-FFF2-40B4-BE49-F238E27FC236}">
+                <a16:creationId xmlns:a16="http://schemas.microsoft.com/office/drawing/2014/main" id="{E945EDCD-D04F-4C7D-8A07-BD5B7F44756E}"/>
               </a:ext>
             </a:extLst>
           </p:cNvPr>
@@ -6179,7 +6179,7 @@
             <a:picLocks noGrp="1" noChangeAspect="1"/>
           </p:cNvPicPr>
           <p:nvPr>
-            <p:ph sz="half" idx="4294967295"/>
+            <p:ph sz="quarter" idx="4294967295"/>
           </p:nvPr>
         </p:nvPicPr>
         <p:blipFill>
@@ -6188,53 +6188,6 @@
               <a:ext uri="{BEBA8EAE-BF5A-486C-A8C5-ECC9F3942E4B}">
                 <a14:imgProps xmlns:a14="http://schemas.microsoft.com/office/drawing/2010/main">
                   <a14:imgLayer r:embed="rId4">
-                    <a14:imgEffect>
-                      <a14:sharpenSoften amount="25000"/>
-                    </a14:imgEffect>
-                    <a14:imgEffect>
-                      <a14:brightnessContrast contrast="20000"/>
-                    </a14:imgEffect>
-                  </a14:imgLayer>
-                </a14:imgProps>
-              </a:ext>
-              <a:ext uri="{28A0092B-C50C-407E-A947-70E740481C1C}">
-                <a14:useLocalDpi xmlns:a14="http://schemas.microsoft.com/office/drawing/2010/main" val="0"/>
-              </a:ext>
-            </a:extLst>
-          </a:blip>
-          <a:stretch>
-            <a:fillRect/>
-          </a:stretch>
-        </p:blipFill>
-        <p:spPr>
-          <a:xfrm>
-            <a:off x="0" y="2080004"/>
-            <a:ext cx="5988050" cy="4121712"/>
-          </a:xfrm>
-        </p:spPr>
-      </p:pic>
-      <p:pic>
-        <p:nvPicPr>
-          <p:cNvPr id="13" name="Content Placeholder 12">
-            <a:extLst>
-              <a:ext uri="{FF2B5EF4-FFF2-40B4-BE49-F238E27FC236}">
-                <a16:creationId xmlns:a16="http://schemas.microsoft.com/office/drawing/2014/main" id="{E945EDCD-D04F-4C7D-8A07-BD5B7F44756E}"/>
-              </a:ext>
-            </a:extLst>
-          </p:cNvPr>
-          <p:cNvPicPr>
-            <a:picLocks noGrp="1" noChangeAspect="1"/>
-          </p:cNvPicPr>
-          <p:nvPr>
-            <p:ph sz="quarter" idx="4294967295"/>
-          </p:nvPr>
-        </p:nvPicPr>
-        <p:blipFill>
-          <a:blip r:embed="rId5">
-            <a:extLst>
-              <a:ext uri="{BEBA8EAE-BF5A-486C-A8C5-ECC9F3942E4B}">
-                <a14:imgProps xmlns:a14="http://schemas.microsoft.com/office/drawing/2010/main">
-                  <a14:imgLayer r:embed="rId6">
                     <a14:imgEffect>
                       <a14:sharpenSoften amount="25000"/>
                     </a14:imgEffect>
@@ -6255,9 +6208,54 @@
         </p:blipFill>
         <p:spPr>
           <a:xfrm>
-            <a:off x="6096000" y="2202546"/>
-            <a:ext cx="5988050" cy="3968067"/>
+            <a:off x="5618603" y="2236074"/>
+            <a:ext cx="6355280" cy="3968067"/>
           </a:xfrm>
+        </p:spPr>
+      </p:pic>
+      <p:pic>
+        <p:nvPicPr>
+          <p:cNvPr id="4" name="Picture 3">
+            <a:extLst>
+              <a:ext uri="{FF2B5EF4-FFF2-40B4-BE49-F238E27FC236}">
+                <a16:creationId xmlns:a16="http://schemas.microsoft.com/office/drawing/2014/main" id="{B69F0B92-4517-41B4-B0A8-11FC94B8BA93}"/>
+              </a:ext>
+            </a:extLst>
+          </p:cNvPr>
+          <p:cNvPicPr>
+            <a:picLocks noChangeAspect="1"/>
+          </p:cNvPicPr>
+          <p:nvPr/>
+        </p:nvPicPr>
+        <p:blipFill>
+          <a:blip r:embed="rId5">
+            <a:extLst>
+              <a:ext uri="{BEBA8EAE-BF5A-486C-A8C5-ECC9F3942E4B}">
+                <a14:imgProps xmlns:a14="http://schemas.microsoft.com/office/drawing/2010/main">
+                  <a14:imgLayer r:embed="rId6">
+                    <a14:imgEffect>
+                      <a14:brightnessContrast contrast="20000"/>
+                    </a14:imgEffect>
+                  </a14:imgLayer>
+                </a14:imgProps>
+              </a:ext>
+              <a:ext uri="{28A0092B-C50C-407E-A947-70E740481C1C}">
+                <a14:useLocalDpi xmlns:a14="http://schemas.microsoft.com/office/drawing/2010/main" val="0"/>
+              </a:ext>
+            </a:extLst>
+          </a:blip>
+          <a:stretch>
+            <a:fillRect/>
+          </a:stretch>
+        </p:blipFill>
+        <p:spPr>
+          <a:xfrm>
+            <a:off x="107951" y="2236074"/>
+            <a:ext cx="5808108" cy="3779136"/>
+          </a:xfrm>
+          <a:prstGeom prst="rect">
+            <a:avLst/>
+          </a:prstGeom>
         </p:spPr>
       </p:pic>
     </p:spTree>
